--- a/Big_Data_Training/Big_Data_Lecture_4.pptx
+++ b/Big_Data_Training/Big_Data_Lecture_4.pptx
@@ -2,19 +2,38 @@
 <file path=ppt/presentation.xml><?xml version="1.0" encoding="utf-8"?>
 <p:presentation xmlns:a="http://schemas.openxmlformats.org/drawingml/2006/main" xmlns:r="http://schemas.openxmlformats.org/officeDocument/2006/relationships" xmlns:p="http://schemas.openxmlformats.org/presentationml/2006/main" saveSubsetFonts="1">
   <p:sldMasterIdLst>
-    <p:sldMasterId id="2147483648" r:id="rId1"/>
+    <p:sldMasterId id="2147483660" r:id="rId1"/>
   </p:sldMasterIdLst>
   <p:notesMasterIdLst>
-    <p:notesMasterId r:id="rId9"/>
+    <p:notesMasterId r:id="rId28"/>
   </p:notesMasterIdLst>
   <p:sldIdLst>
     <p:sldId id="256" r:id="rId2"/>
-    <p:sldId id="257" r:id="rId3"/>
-    <p:sldId id="258" r:id="rId4"/>
-    <p:sldId id="259" r:id="rId5"/>
-    <p:sldId id="260" r:id="rId6"/>
-    <p:sldId id="261" r:id="rId7"/>
-    <p:sldId id="262" r:id="rId8"/>
+    <p:sldId id="284" r:id="rId3"/>
+    <p:sldId id="257" r:id="rId4"/>
+    <p:sldId id="263" r:id="rId5"/>
+    <p:sldId id="268" r:id="rId6"/>
+    <p:sldId id="269" r:id="rId7"/>
+    <p:sldId id="270" r:id="rId8"/>
+    <p:sldId id="271" r:id="rId9"/>
+    <p:sldId id="272" r:id="rId10"/>
+    <p:sldId id="273" r:id="rId11"/>
+    <p:sldId id="262" r:id="rId12"/>
+    <p:sldId id="264" r:id="rId13"/>
+    <p:sldId id="265" r:id="rId14"/>
+    <p:sldId id="258" r:id="rId15"/>
+    <p:sldId id="266" r:id="rId16"/>
+    <p:sldId id="274" r:id="rId17"/>
+    <p:sldId id="267" r:id="rId18"/>
+    <p:sldId id="275" r:id="rId19"/>
+    <p:sldId id="276" r:id="rId20"/>
+    <p:sldId id="277" r:id="rId21"/>
+    <p:sldId id="278" r:id="rId22"/>
+    <p:sldId id="279" r:id="rId23"/>
+    <p:sldId id="280" r:id="rId24"/>
+    <p:sldId id="281" r:id="rId25"/>
+    <p:sldId id="282" r:id="rId26"/>
+    <p:sldId id="283" r:id="rId27"/>
   </p:sldIdLst>
   <p:sldSz cx="9144000" cy="6858000" type="screen4x3"/>
   <p:notesSz cx="6858000" cy="9144000"/>
@@ -198,7 +217,8 @@
           <a:p>
             <a:fld id="{1058C666-AF4B-4043-A291-380BB7DC9DAF}" type="datetimeFigureOut">
               <a:rPr lang="en-IN" smtClean="0"/>
-              <a:t>10-05-2020</a:t>
+              <a:pPr/>
+              <a:t>13-05-2020</a:t>
             </a:fld>
             <a:endParaRPr lang="en-IN"/>
           </a:p>
@@ -359,6 +379,7 @@
           <a:p>
             <a:fld id="{6B25A159-2C61-4BA3-9EEB-ED52C94FC683}" type="slidenum">
               <a:rPr lang="en-IN" smtClean="0"/>
+              <a:pPr/>
               <a:t>‹#›</a:t>
             </a:fld>
             <a:endParaRPr lang="en-IN"/>
@@ -558,7 +579,172 @@
           <a:p>
             <a:fld id="{6B25A159-2C61-4BA3-9EEB-ED52C94FC683}" type="slidenum">
               <a:rPr lang="en-IN" smtClean="0"/>
-              <a:t>3</a:t>
+              <a:pPr/>
+              <a:t>14</a:t>
+            </a:fld>
+            <a:endParaRPr lang="en-IN"/>
+          </a:p>
+        </p:txBody>
+      </p:sp>
+    </p:spTree>
+  </p:cSld>
+  <p:clrMapOvr>
+    <a:masterClrMapping/>
+  </p:clrMapOvr>
+</p:notes>
+</file>
+
+<file path=ppt/notesSlides/notesSlide2.xml><?xml version="1.0" encoding="utf-8"?>
+<p:notes xmlns:a="http://schemas.openxmlformats.org/drawingml/2006/main" xmlns:r="http://schemas.openxmlformats.org/officeDocument/2006/relationships" xmlns:p="http://schemas.openxmlformats.org/presentationml/2006/main">
+  <p:cSld>
+    <p:spTree>
+      <p:nvGrpSpPr>
+        <p:cNvPr id="1" name=""/>
+        <p:cNvGrpSpPr/>
+        <p:nvPr/>
+      </p:nvGrpSpPr>
+      <p:grpSpPr>
+        <a:xfrm>
+          <a:off x="0" y="0"/>
+          <a:ext cx="0" cy="0"/>
+          <a:chOff x="0" y="0"/>
+          <a:chExt cx="0" cy="0"/>
+        </a:xfrm>
+      </p:grpSpPr>
+      <p:sp>
+        <p:nvSpPr>
+          <p:cNvPr id="2" name="Slide Image Placeholder 1"/>
+          <p:cNvSpPr>
+            <a:spLocks noGrp="1" noRot="1" noChangeAspect="1"/>
+          </p:cNvSpPr>
+          <p:nvPr>
+            <p:ph type="sldImg"/>
+          </p:nvPr>
+        </p:nvSpPr>
+        <p:spPr/>
+      </p:sp>
+      <p:sp>
+        <p:nvSpPr>
+          <p:cNvPr id="3" name="Notes Placeholder 2"/>
+          <p:cNvSpPr>
+            <a:spLocks noGrp="1"/>
+          </p:cNvSpPr>
+          <p:nvPr>
+            <p:ph type="body" idx="1"/>
+          </p:nvPr>
+        </p:nvSpPr>
+        <p:spPr/>
+        <p:txBody>
+          <a:bodyPr>
+            <a:normAutofit/>
+          </a:bodyPr>
+          <a:lstStyle/>
+          <a:p>
+            <a:endParaRPr lang="en-IN" dirty="0"/>
+          </a:p>
+        </p:txBody>
+      </p:sp>
+      <p:sp>
+        <p:nvSpPr>
+          <p:cNvPr id="4" name="Slide Number Placeholder 3"/>
+          <p:cNvSpPr>
+            <a:spLocks noGrp="1"/>
+          </p:cNvSpPr>
+          <p:nvPr>
+            <p:ph type="sldNum" sz="quarter" idx="10"/>
+          </p:nvPr>
+        </p:nvSpPr>
+        <p:spPr/>
+        <p:txBody>
+          <a:bodyPr/>
+          <a:lstStyle/>
+          <a:p>
+            <a:fld id="{6B25A159-2C61-4BA3-9EEB-ED52C94FC683}" type="slidenum">
+              <a:rPr lang="en-IN" smtClean="0"/>
+              <a:pPr/>
+              <a:t>15</a:t>
+            </a:fld>
+            <a:endParaRPr lang="en-IN"/>
+          </a:p>
+        </p:txBody>
+      </p:sp>
+    </p:spTree>
+  </p:cSld>
+  <p:clrMapOvr>
+    <a:masterClrMapping/>
+  </p:clrMapOvr>
+</p:notes>
+</file>
+
+<file path=ppt/notesSlides/notesSlide3.xml><?xml version="1.0" encoding="utf-8"?>
+<p:notes xmlns:a="http://schemas.openxmlformats.org/drawingml/2006/main" xmlns:r="http://schemas.openxmlformats.org/officeDocument/2006/relationships" xmlns:p="http://schemas.openxmlformats.org/presentationml/2006/main">
+  <p:cSld>
+    <p:spTree>
+      <p:nvGrpSpPr>
+        <p:cNvPr id="1" name=""/>
+        <p:cNvGrpSpPr/>
+        <p:nvPr/>
+      </p:nvGrpSpPr>
+      <p:grpSpPr>
+        <a:xfrm>
+          <a:off x="0" y="0"/>
+          <a:ext cx="0" cy="0"/>
+          <a:chOff x="0" y="0"/>
+          <a:chExt cx="0" cy="0"/>
+        </a:xfrm>
+      </p:grpSpPr>
+      <p:sp>
+        <p:nvSpPr>
+          <p:cNvPr id="2" name="Slide Image Placeholder 1"/>
+          <p:cNvSpPr>
+            <a:spLocks noGrp="1" noRot="1" noChangeAspect="1"/>
+          </p:cNvSpPr>
+          <p:nvPr>
+            <p:ph type="sldImg"/>
+          </p:nvPr>
+        </p:nvSpPr>
+        <p:spPr/>
+      </p:sp>
+      <p:sp>
+        <p:nvSpPr>
+          <p:cNvPr id="3" name="Notes Placeholder 2"/>
+          <p:cNvSpPr>
+            <a:spLocks noGrp="1"/>
+          </p:cNvSpPr>
+          <p:nvPr>
+            <p:ph type="body" idx="1"/>
+          </p:nvPr>
+        </p:nvSpPr>
+        <p:spPr/>
+        <p:txBody>
+          <a:bodyPr>
+            <a:normAutofit/>
+          </a:bodyPr>
+          <a:lstStyle/>
+          <a:p>
+            <a:endParaRPr lang="en-IN" dirty="0"/>
+          </a:p>
+        </p:txBody>
+      </p:sp>
+      <p:sp>
+        <p:nvSpPr>
+          <p:cNvPr id="4" name="Slide Number Placeholder 3"/>
+          <p:cNvSpPr>
+            <a:spLocks noGrp="1"/>
+          </p:cNvSpPr>
+          <p:nvPr>
+            <p:ph type="sldNum" sz="quarter" idx="10"/>
+          </p:nvPr>
+        </p:nvSpPr>
+        <p:spPr/>
+        <p:txBody>
+          <a:bodyPr/>
+          <a:lstStyle/>
+          <a:p>
+            <a:fld id="{6B25A159-2C61-4BA3-9EEB-ED52C94FC683}" type="slidenum">
+              <a:rPr lang="en-IN" smtClean="0"/>
+              <a:pPr/>
+              <a:t>17</a:t>
             </a:fld>
             <a:endParaRPr lang="en-IN"/>
           </a:p>
@@ -573,7 +759,7 @@
 </file>
 
 <file path=ppt/slideLayouts/slideLayout1.xml><?xml version="1.0" encoding="utf-8"?>
-<p:sldLayout xmlns:a="http://schemas.openxmlformats.org/drawingml/2006/main" xmlns:r="http://schemas.openxmlformats.org/officeDocument/2006/relationships" xmlns:p="http://schemas.openxmlformats.org/presentationml/2006/main" type="title" preserve="1">
+<p:sldLayout xmlns:a="http://schemas.openxmlformats.org/drawingml/2006/main" xmlns:r="http://schemas.openxmlformats.org/officeDocument/2006/relationships" xmlns:p="http://schemas.openxmlformats.org/presentationml/2006/main" showMasterSp="0" type="title" preserve="1">
   <p:cSld name="Title Slide">
     <p:spTree>
       <p:nvGrpSpPr>
@@ -591,35 +777,132 @@
       </p:grpSpPr>
       <p:sp>
         <p:nvSpPr>
-          <p:cNvPr id="2" name="Title 1"/>
-          <p:cNvSpPr>
-            <a:spLocks noGrp="1"/>
-          </p:cNvSpPr>
-          <p:nvPr>
-            <p:ph type="ctrTitle"/>
-          </p:nvPr>
+          <p:cNvPr id="10" name="Right Triangle 9"/>
+          <p:cNvSpPr/>
+          <p:nvPr/>
         </p:nvSpPr>
         <p:spPr>
           <a:xfrm>
-            <a:off x="685800" y="2130425"/>
-            <a:ext cx="7772400" cy="1470025"/>
+            <a:off x="-2" y="4664147"/>
+            <a:ext cx="9151089" cy="0"/>
+          </a:xfrm>
+          <a:prstGeom prst="rtTriangle">
+            <a:avLst/>
+          </a:prstGeom>
+          <a:gradFill flip="none" rotWithShape="1">
+            <a:gsLst>
+              <a:gs pos="0">
+                <a:schemeClr val="accent1">
+                  <a:shade val="35000"/>
+                  <a:satMod val="170000"/>
+                  <a:alpha val="100000"/>
+                </a:schemeClr>
+              </a:gs>
+              <a:gs pos="55000">
+                <a:schemeClr val="accent1">
+                  <a:tint val="90000"/>
+                  <a:satMod val="150000"/>
+                  <a:alpha val="100000"/>
+                </a:schemeClr>
+              </a:gs>
+              <a:gs pos="100000">
+                <a:schemeClr val="accent1">
+                  <a:shade val="35000"/>
+                  <a:satMod val="170000"/>
+                  <a:alpha val="100000"/>
+                </a:schemeClr>
+              </a:gs>
+            </a:gsLst>
+            <a:lin ang="3000000" scaled="1"/>
+            <a:tileRect/>
+          </a:gradFill>
+          <a:ln w="12700" cap="rnd" cmpd="thickThin" algn="ctr">
+            <a:noFill/>
+            <a:prstDash val="solid"/>
+          </a:ln>
+          <a:effectLst/>
+        </p:spPr>
+        <p:style>
+          <a:lnRef idx="3">
+            <a:schemeClr val="lt1"/>
+          </a:lnRef>
+          <a:fillRef idx="1">
+            <a:schemeClr val="accent1"/>
+          </a:fillRef>
+          <a:effectRef idx="1">
+            <a:schemeClr val="accent1"/>
+          </a:effectRef>
+          <a:fontRef idx="minor">
+            <a:schemeClr val="lt1"/>
+          </a:fontRef>
+        </p:style>
+        <p:txBody>
+          <a:bodyPr anchor="ctr"/>
+          <a:lstStyle>
+            <a:extLst/>
+          </a:lstStyle>
+          <a:p>
+            <a:pPr algn="ctr" eaLnBrk="1" latinLnBrk="0" hangingPunct="1"/>
+            <a:endParaRPr kumimoji="0" lang="en-US"/>
+          </a:p>
+        </p:txBody>
+      </p:sp>
+      <p:sp>
+        <p:nvSpPr>
+          <p:cNvPr id="9" name="Title 8"/>
+          <p:cNvSpPr>
+            <a:spLocks noGrp="1"/>
+          </p:cNvSpPr>
+          <p:nvPr>
+            <p:ph type="ctrTitle"/>
+          </p:nvPr>
+        </p:nvSpPr>
+        <p:spPr>
+          <a:xfrm>
+            <a:off x="685800" y="1752601"/>
+            <a:ext cx="7772400" cy="1829761"/>
           </a:xfrm>
         </p:spPr>
         <p:txBody>
-          <a:bodyPr/>
-          <a:lstStyle/>
-          <a:p>
-            <a:r>
-              <a:rPr lang="en-US" smtClean="0"/>
+          <a:bodyPr vert="horz" anchor="b">
+            <a:normAutofit/>
+            <a:scene3d>
+              <a:camera prst="orthographicFront"/>
+              <a:lightRig rig="soft" dir="t"/>
+            </a:scene3d>
+            <a:sp3d prstMaterial="softEdge">
+              <a:bevelT w="25400" h="25400"/>
+            </a:sp3d>
+          </a:bodyPr>
+          <a:lstStyle>
+            <a:lvl1pPr algn="r">
+              <a:defRPr sz="4800" b="1">
+                <a:solidFill>
+                  <a:schemeClr val="tx2"/>
+                </a:solidFill>
+                <a:effectLst>
+                  <a:outerShdw blurRad="31750" dist="25400" dir="5400000" algn="tl" rotWithShape="0">
+                    <a:srgbClr val="000000">
+                      <a:alpha val="25000"/>
+                    </a:srgbClr>
+                  </a:outerShdw>
+                </a:effectLst>
+              </a:defRPr>
+            </a:lvl1pPr>
+            <a:extLst/>
+          </a:lstStyle>
+          <a:p>
+            <a:r>
+              <a:rPr kumimoji="0" lang="en-US" smtClean="0"/>
               <a:t>Click to edit Master title style</a:t>
             </a:r>
-            <a:endParaRPr lang="en-IN"/>
-          </a:p>
-        </p:txBody>
-      </p:sp>
-      <p:sp>
-        <p:nvSpPr>
-          <p:cNvPr id="3" name="Subtitle 2"/>
+            <a:endParaRPr kumimoji="0" lang="en-US"/>
+          </a:p>
+        </p:txBody>
+      </p:sp>
+      <p:sp>
+        <p:nvSpPr>
+          <p:cNvPr id="17" name="Subtitle 16"/>
           <p:cNvSpPr>
             <a:spLocks noGrp="1"/>
           </p:cNvSpPr>
@@ -629,172 +912,541 @@
         </p:nvSpPr>
         <p:spPr>
           <a:xfrm>
-            <a:off x="1371600" y="3886200"/>
-            <a:ext cx="6400800" cy="1752600"/>
+            <a:off x="685800" y="3611607"/>
+            <a:ext cx="7772400" cy="1199704"/>
           </a:xfrm>
         </p:spPr>
         <p:txBody>
-          <a:bodyPr/>
+          <a:bodyPr lIns="45720" rIns="45720"/>
           <a:lstStyle>
-            <a:lvl1pPr marL="0" indent="0" algn="ctr">
+            <a:lvl1pPr marL="0" marR="64008" indent="0" algn="r">
               <a:buNone/>
               <a:defRPr>
                 <a:solidFill>
-                  <a:schemeClr val="tx1">
-                    <a:tint val="75000"/>
-                  </a:schemeClr>
+                  <a:schemeClr val="tx2"/>
                 </a:solidFill>
               </a:defRPr>
             </a:lvl1pPr>
             <a:lvl2pPr marL="457200" indent="0" algn="ctr">
               <a:buNone/>
+            </a:lvl2pPr>
+            <a:lvl3pPr marL="914400" indent="0" algn="ctr">
+              <a:buNone/>
+            </a:lvl3pPr>
+            <a:lvl4pPr marL="1371600" indent="0" algn="ctr">
+              <a:buNone/>
+            </a:lvl4pPr>
+            <a:lvl5pPr marL="1828800" indent="0" algn="ctr">
+              <a:buNone/>
+            </a:lvl5pPr>
+            <a:lvl6pPr marL="2286000" indent="0" algn="ctr">
+              <a:buNone/>
+            </a:lvl6pPr>
+            <a:lvl7pPr marL="2743200" indent="0" algn="ctr">
+              <a:buNone/>
+            </a:lvl7pPr>
+            <a:lvl8pPr marL="3200400" indent="0" algn="ctr">
+              <a:buNone/>
+            </a:lvl8pPr>
+            <a:lvl9pPr marL="3657600" indent="0" algn="ctr">
+              <a:buNone/>
+            </a:lvl9pPr>
+            <a:extLst/>
+          </a:lstStyle>
+          <a:p>
+            <a:r>
+              <a:rPr kumimoji="0" lang="en-US" smtClean="0"/>
+              <a:t>Click to edit Master subtitle style</a:t>
+            </a:r>
+            <a:endParaRPr kumimoji="0" lang="en-US"/>
+          </a:p>
+        </p:txBody>
+      </p:sp>
+      <p:grpSp>
+        <p:nvGrpSpPr>
+          <p:cNvPr id="2" name="Group 1"/>
+          <p:cNvGrpSpPr/>
+          <p:nvPr/>
+        </p:nvGrpSpPr>
+        <p:grpSpPr>
+          <a:xfrm>
+            <a:off x="-3765" y="4953000"/>
+            <a:ext cx="9147765" cy="1912088"/>
+            <a:chOff x="-3765" y="4832896"/>
+            <a:chExt cx="9147765" cy="2032192"/>
+          </a:xfrm>
+        </p:grpSpPr>
+        <p:sp>
+          <p:nvSpPr>
+            <p:cNvPr id="7" name="Freeform 6"/>
+            <p:cNvSpPr>
+              <a:spLocks/>
+            </p:cNvSpPr>
+            <p:nvPr/>
+          </p:nvSpPr>
+          <p:spPr bwMode="auto">
+            <a:xfrm>
+              <a:off x="1687513" y="4832896"/>
+              <a:ext cx="7456487" cy="518816"/>
+            </a:xfrm>
+            <a:custGeom>
+              <a:avLst>
+                <a:gd name="A1" fmla="val 0"/>
+                <a:gd name="A2" fmla="val 0"/>
+                <a:gd name="A3" fmla="val 0"/>
+                <a:gd name="A4" fmla="val 0"/>
+                <a:gd name="A5" fmla="val 0"/>
+                <a:gd name="A6" fmla="val 0"/>
+                <a:gd name="A7" fmla="val 0"/>
+                <a:gd name="A8" fmla="val 0"/>
+              </a:avLst>
+              <a:gdLst/>
+              <a:ahLst/>
+              <a:cxnLst>
+                <a:cxn ang="0">
+                  <a:pos x="4697" y="0"/>
+                </a:cxn>
+                <a:cxn ang="0">
+                  <a:pos x="4697" y="367"/>
+                </a:cxn>
+                <a:cxn ang="0">
+                  <a:pos x="0" y="218"/>
+                </a:cxn>
+                <a:cxn ang="0">
+                  <a:pos x="4697" y="0"/>
+                </a:cxn>
+              </a:cxnLst>
+              <a:rect l="0" t="0" r="0" b="0"/>
+              <a:pathLst>
+                <a:path w="4697" h="367">
+                  <a:moveTo>
+                    <a:pt x="4697" y="0"/>
+                  </a:moveTo>
+                  <a:lnTo>
+                    <a:pt x="4697" y="367"/>
+                  </a:lnTo>
+                  <a:lnTo>
+                    <a:pt x="0" y="218"/>
+                  </a:lnTo>
+                  <a:lnTo>
+                    <a:pt x="4697" y="0"/>
+                  </a:lnTo>
+                  <a:close/>
+                </a:path>
+              </a:pathLst>
+            </a:custGeom>
+            <a:solidFill>
+              <a:schemeClr val="accent1">
+                <a:tint val="65000"/>
+                <a:satMod val="115000"/>
+                <a:alpha val="40000"/>
+              </a:schemeClr>
+            </a:solidFill>
+            <a:ln w="9525" cap="flat" cmpd="sng" algn="ctr">
+              <a:noFill/>
+              <a:prstDash val="solid"/>
+              <a:round/>
+              <a:headEnd type="none" w="med" len="med"/>
+              <a:tailEnd type="none" w="med" len="med"/>
+            </a:ln>
+            <a:effectLst/>
+          </p:spPr>
+          <p:txBody>
+            <a:bodyPr vert="horz" wrap="square" lIns="91440" tIns="45720" rIns="91440" bIns="45720" anchor="t" compatLnSpc="1"/>
+            <a:lstStyle>
+              <a:extLst/>
+            </a:lstStyle>
+            <a:p>
+              <a:endParaRPr kumimoji="0" lang="en-US"/>
+            </a:p>
+          </p:txBody>
+        </p:sp>
+        <p:sp>
+          <p:nvSpPr>
+            <p:cNvPr id="8" name="Freeform 7"/>
+            <p:cNvSpPr>
+              <a:spLocks/>
+            </p:cNvSpPr>
+            <p:nvPr/>
+          </p:nvSpPr>
+          <p:spPr bwMode="auto">
+            <a:xfrm>
+              <a:off x="35443" y="5135526"/>
+              <a:ext cx="9108557" cy="838200"/>
+            </a:xfrm>
+            <a:custGeom>
+              <a:avLst>
+                <a:gd name="A1" fmla="val 0"/>
+                <a:gd name="A2" fmla="val 0"/>
+                <a:gd name="A3" fmla="val 0"/>
+                <a:gd name="A4" fmla="val 0"/>
+                <a:gd name="A5" fmla="val 0"/>
+                <a:gd name="A6" fmla="val 0"/>
+                <a:gd name="A7" fmla="val 0"/>
+                <a:gd name="A8" fmla="val 0"/>
+              </a:avLst>
+              <a:gdLst/>
+              <a:ahLst/>
+              <a:cxnLst>
+                <a:cxn ang="0">
+                  <a:pos x="0" y="0"/>
+                </a:cxn>
+                <a:cxn ang="0">
+                  <a:pos x="5760" y="0"/>
+                </a:cxn>
+                <a:cxn ang="0">
+                  <a:pos x="5760" y="528"/>
+                </a:cxn>
+                <a:cxn ang="0">
+                  <a:pos x="48" y="0"/>
+                </a:cxn>
+              </a:cxnLst>
+              <a:rect l="0" t="0" r="0" b="0"/>
+              <a:pathLst>
+                <a:path w="5760" h="528">
+                  <a:moveTo>
+                    <a:pt x="0" y="0"/>
+                  </a:moveTo>
+                  <a:lnTo>
+                    <a:pt x="5760" y="0"/>
+                  </a:lnTo>
+                  <a:lnTo>
+                    <a:pt x="5760" y="528"/>
+                  </a:lnTo>
+                  <a:lnTo>
+                    <a:pt x="48" y="0"/>
+                  </a:lnTo>
+                </a:path>
+              </a:pathLst>
+            </a:custGeom>
+            <a:solidFill>
+              <a:srgbClr val="000000">
+                <a:alpha val="100000"/>
+              </a:srgbClr>
+            </a:solidFill>
+            <a:ln w="9525" cap="flat" cmpd="sng" algn="ctr">
+              <a:noFill/>
+              <a:prstDash val="solid"/>
+              <a:round/>
+              <a:headEnd type="none" w="med" len="med"/>
+              <a:tailEnd type="none" w="med" len="med"/>
+            </a:ln>
+            <a:effectLst/>
+          </p:spPr>
+          <p:txBody>
+            <a:bodyPr vert="horz" wrap="square" lIns="91440" tIns="45720" rIns="91440" bIns="45720" anchor="t" compatLnSpc="1"/>
+            <a:lstStyle>
+              <a:extLst/>
+            </a:lstStyle>
+            <a:p>
+              <a:endParaRPr kumimoji="0" lang="en-US"/>
+            </a:p>
+          </p:txBody>
+        </p:sp>
+        <p:sp>
+          <p:nvSpPr>
+            <p:cNvPr id="11" name="Freeform 10"/>
+            <p:cNvSpPr>
+              <a:spLocks/>
+            </p:cNvSpPr>
+            <p:nvPr/>
+          </p:nvSpPr>
+          <p:spPr bwMode="auto">
+            <a:xfrm>
+              <a:off x="0" y="4883888"/>
+              <a:ext cx="9144000" cy="1981200"/>
+            </a:xfrm>
+            <a:custGeom>
+              <a:avLst>
+                <a:gd name="A1" fmla="val 0"/>
+                <a:gd name="A2" fmla="val 0"/>
+                <a:gd name="A3" fmla="val 0"/>
+                <a:gd name="A4" fmla="val 0"/>
+                <a:gd name="A5" fmla="val 0"/>
+                <a:gd name="A6" fmla="val 0"/>
+                <a:gd name="A7" fmla="val 0"/>
+                <a:gd name="A8" fmla="val 0"/>
+              </a:avLst>
+              <a:gdLst/>
+              <a:ahLst/>
+              <a:cxnLst>
+                <a:cxn ang="0">
+                  <a:pos x="0" y="0"/>
+                </a:cxn>
+                <a:cxn ang="0">
+                  <a:pos x="0" y="1248"/>
+                </a:cxn>
+                <a:cxn ang="0">
+                  <a:pos x="5760" y="1248"/>
+                </a:cxn>
+                <a:cxn ang="0">
+                  <a:pos x="5760" y="528"/>
+                </a:cxn>
+                <a:cxn ang="0">
+                  <a:pos x="0" y="0"/>
+                </a:cxn>
+              </a:cxnLst>
+              <a:rect l="0" t="0" r="0" b="0"/>
+              <a:pathLst>
+                <a:path w="5760" h="1248">
+                  <a:moveTo>
+                    <a:pt x="0" y="0"/>
+                  </a:moveTo>
+                  <a:lnTo>
+                    <a:pt x="0" y="1248"/>
+                  </a:lnTo>
+                  <a:lnTo>
+                    <a:pt x="5760" y="1248"/>
+                  </a:lnTo>
+                  <a:lnTo>
+                    <a:pt x="5760" y="528"/>
+                  </a:lnTo>
+                  <a:lnTo>
+                    <a:pt x="0" y="0"/>
+                  </a:lnTo>
+                  <a:close/>
+                </a:path>
+              </a:pathLst>
+            </a:custGeom>
+            <a:blipFill>
+              <a:blip r:embed="rId2" cstate="print">
+                <a:alphaModFix amt="50000"/>
+              </a:blip>
+              <a:tile tx="0" ty="0" sx="50000" sy="50000" flip="none" algn="t"/>
+            </a:blipFill>
+            <a:ln w="12700" cap="rnd" cmpd="thickThin" algn="ctr">
+              <a:noFill/>
+              <a:prstDash val="solid"/>
+            </a:ln>
+            <a:effectLst>
+              <a:fillOverlay blend="mult">
+                <a:gradFill flip="none" rotWithShape="1">
+                  <a:gsLst>
+                    <a:gs pos="0">
+                      <a:schemeClr val="accent1">
+                        <a:shade val="20000"/>
+                        <a:satMod val="176000"/>
+                        <a:alpha val="100000"/>
+                      </a:schemeClr>
+                    </a:gs>
+                    <a:gs pos="18000">
+                      <a:schemeClr val="accent1">
+                        <a:shade val="48000"/>
+                        <a:satMod val="153000"/>
+                        <a:alpha val="100000"/>
+                      </a:schemeClr>
+                    </a:gs>
+                    <a:gs pos="43000">
+                      <a:schemeClr val="accent1">
+                        <a:tint val="86000"/>
+                        <a:satMod val="149000"/>
+                        <a:alpha val="100000"/>
+                      </a:schemeClr>
+                    </a:gs>
+                    <a:gs pos="45000">
+                      <a:schemeClr val="accent1">
+                        <a:tint val="85000"/>
+                        <a:satMod val="150000"/>
+                        <a:alpha val="100000"/>
+                      </a:schemeClr>
+                    </a:gs>
+                    <a:gs pos="50000">
+                      <a:schemeClr val="accent1">
+                        <a:tint val="86000"/>
+                        <a:satMod val="149000"/>
+                        <a:alpha val="100000"/>
+                      </a:schemeClr>
+                    </a:gs>
+                    <a:gs pos="79000">
+                      <a:schemeClr val="accent1">
+                        <a:shade val="53000"/>
+                        <a:satMod val="150000"/>
+                        <a:alpha val="100000"/>
+                      </a:schemeClr>
+                    </a:gs>
+                    <a:gs pos="100000">
+                      <a:schemeClr val="accent1">
+                        <a:shade val="25000"/>
+                        <a:satMod val="170000"/>
+                        <a:alpha val="100000"/>
+                      </a:schemeClr>
+                    </a:gs>
+                  </a:gsLst>
+                  <a:lin ang="450000" scaled="1"/>
+                  <a:tileRect/>
+                </a:gradFill>
+              </a:fillOverlay>
+            </a:effectLst>
+          </p:spPr>
+          <p:style>
+            <a:lnRef idx="3">
+              <a:schemeClr val="lt1"/>
+            </a:lnRef>
+            <a:fillRef idx="1">
+              <a:schemeClr val="accent1"/>
+            </a:fillRef>
+            <a:effectRef idx="1">
+              <a:schemeClr val="accent1"/>
+            </a:effectRef>
+            <a:fontRef idx="minor">
+              <a:schemeClr val="lt1"/>
+            </a:fontRef>
+          </p:style>
+          <p:txBody>
+            <a:bodyPr vert="horz" wrap="square" lIns="91440" tIns="45720" rIns="91440" bIns="45720" anchor="ctr" compatLnSpc="1"/>
+            <a:lstStyle>
+              <a:extLst/>
+            </a:lstStyle>
+            <a:p>
+              <a:pPr algn="ctr" eaLnBrk="1" latinLnBrk="0" hangingPunct="1"/>
+              <a:endParaRPr kumimoji="0" lang="en-US"/>
+            </a:p>
+          </p:txBody>
+        </p:sp>
+        <p:cxnSp>
+          <p:nvCxnSpPr>
+            <p:cNvPr id="12" name="Straight Connector 11"/>
+            <p:cNvCxnSpPr/>
+            <p:nvPr/>
+          </p:nvCxnSpPr>
+          <p:spPr>
+            <a:xfrm>
+              <a:off x="-3765" y="4880373"/>
+              <a:ext cx="9147765" cy="839943"/>
+            </a:xfrm>
+            <a:prstGeom prst="line">
+              <a:avLst/>
+            </a:prstGeom>
+            <a:noFill/>
+            <a:ln w="12065" cap="flat" cmpd="sng" algn="ctr">
+              <a:gradFill>
+                <a:gsLst>
+                  <a:gs pos="45000">
+                    <a:schemeClr val="accent1">
+                      <a:tint val="70000"/>
+                      <a:satMod val="110000"/>
+                    </a:schemeClr>
+                  </a:gs>
+                  <a:gs pos="15000">
+                    <a:schemeClr val="accent1">
+                      <a:shade val="40000"/>
+                      <a:satMod val="110000"/>
+                    </a:schemeClr>
+                  </a:gs>
+                </a:gsLst>
+                <a:lin ang="5400000" scaled="1"/>
+              </a:gradFill>
+              <a:prstDash val="solid"/>
+              <a:miter lim="800000"/>
+            </a:ln>
+            <a:effectLst/>
+          </p:spPr>
+          <p:style>
+            <a:lnRef idx="2">
+              <a:schemeClr val="accent1"/>
+            </a:lnRef>
+            <a:fillRef idx="0">
+              <a:schemeClr val="accent1"/>
+            </a:fillRef>
+            <a:effectRef idx="1">
+              <a:schemeClr val="accent1"/>
+            </a:effectRef>
+            <a:fontRef idx="minor">
+              <a:schemeClr val="tx1"/>
+            </a:fontRef>
+          </p:style>
+        </p:cxnSp>
+      </p:grpSp>
+      <p:sp>
+        <p:nvSpPr>
+          <p:cNvPr id="30" name="Date Placeholder 29"/>
+          <p:cNvSpPr>
+            <a:spLocks noGrp="1"/>
+          </p:cNvSpPr>
+          <p:nvPr>
+            <p:ph type="dt" sz="half" idx="10"/>
+          </p:nvPr>
+        </p:nvSpPr>
+        <p:spPr/>
+        <p:txBody>
+          <a:bodyPr/>
+          <a:lstStyle>
+            <a:lvl1pPr>
               <a:defRPr>
                 <a:solidFill>
-                  <a:schemeClr val="tx1">
-                    <a:tint val="75000"/>
+                  <a:srgbClr val="FFFFFF"/>
+                </a:solidFill>
+              </a:defRPr>
+            </a:lvl1pPr>
+            <a:extLst/>
+          </a:lstStyle>
+          <a:p>
+            <a:fld id="{94B370FF-FE6F-481D-9418-1F1152B5B6AC}" type="datetimeFigureOut">
+              <a:rPr lang="en-IN" smtClean="0"/>
+              <a:pPr/>
+              <a:t>13-05-2020</a:t>
+            </a:fld>
+            <a:endParaRPr lang="en-IN"/>
+          </a:p>
+        </p:txBody>
+      </p:sp>
+      <p:sp>
+        <p:nvSpPr>
+          <p:cNvPr id="19" name="Footer Placeholder 18"/>
+          <p:cNvSpPr>
+            <a:spLocks noGrp="1"/>
+          </p:cNvSpPr>
+          <p:nvPr>
+            <p:ph type="ftr" sz="quarter" idx="11"/>
+          </p:nvPr>
+        </p:nvSpPr>
+        <p:spPr/>
+        <p:txBody>
+          <a:bodyPr/>
+          <a:lstStyle>
+            <a:lvl1pPr>
+              <a:defRPr>
+                <a:solidFill>
+                  <a:schemeClr val="accent1">
+                    <a:tint val="20000"/>
                   </a:schemeClr>
                 </a:solidFill>
               </a:defRPr>
-            </a:lvl2pPr>
-            <a:lvl3pPr marL="914400" indent="0" algn="ctr">
-              <a:buNone/>
+            </a:lvl1pPr>
+            <a:extLst/>
+          </a:lstStyle>
+          <a:p>
+            <a:endParaRPr lang="en-IN"/>
+          </a:p>
+        </p:txBody>
+      </p:sp>
+      <p:sp>
+        <p:nvSpPr>
+          <p:cNvPr id="27" name="Slide Number Placeholder 26"/>
+          <p:cNvSpPr>
+            <a:spLocks noGrp="1"/>
+          </p:cNvSpPr>
+          <p:nvPr>
+            <p:ph type="sldNum" sz="quarter" idx="12"/>
+          </p:nvPr>
+        </p:nvSpPr>
+        <p:spPr/>
+        <p:txBody>
+          <a:bodyPr/>
+          <a:lstStyle>
+            <a:lvl1pPr>
               <a:defRPr>
                 <a:solidFill>
-                  <a:schemeClr val="tx1">
-                    <a:tint val="75000"/>
-                  </a:schemeClr>
+                  <a:srgbClr val="FFFFFF"/>
                 </a:solidFill>
               </a:defRPr>
-            </a:lvl3pPr>
-            <a:lvl4pPr marL="1371600" indent="0" algn="ctr">
-              <a:buNone/>
-              <a:defRPr>
-                <a:solidFill>
-                  <a:schemeClr val="tx1">
-                    <a:tint val="75000"/>
-                  </a:schemeClr>
-                </a:solidFill>
-              </a:defRPr>
-            </a:lvl4pPr>
-            <a:lvl5pPr marL="1828800" indent="0" algn="ctr">
-              <a:buNone/>
-              <a:defRPr>
-                <a:solidFill>
-                  <a:schemeClr val="tx1">
-                    <a:tint val="75000"/>
-                  </a:schemeClr>
-                </a:solidFill>
-              </a:defRPr>
-            </a:lvl5pPr>
-            <a:lvl6pPr marL="2286000" indent="0" algn="ctr">
-              <a:buNone/>
-              <a:defRPr>
-                <a:solidFill>
-                  <a:schemeClr val="tx1">
-                    <a:tint val="75000"/>
-                  </a:schemeClr>
-                </a:solidFill>
-              </a:defRPr>
-            </a:lvl6pPr>
-            <a:lvl7pPr marL="2743200" indent="0" algn="ctr">
-              <a:buNone/>
-              <a:defRPr>
-                <a:solidFill>
-                  <a:schemeClr val="tx1">
-                    <a:tint val="75000"/>
-                  </a:schemeClr>
-                </a:solidFill>
-              </a:defRPr>
-            </a:lvl7pPr>
-            <a:lvl8pPr marL="3200400" indent="0" algn="ctr">
-              <a:buNone/>
-              <a:defRPr>
-                <a:solidFill>
-                  <a:schemeClr val="tx1">
-                    <a:tint val="75000"/>
-                  </a:schemeClr>
-                </a:solidFill>
-              </a:defRPr>
-            </a:lvl8pPr>
-            <a:lvl9pPr marL="3657600" indent="0" algn="ctr">
-              <a:buNone/>
-              <a:defRPr>
-                <a:solidFill>
-                  <a:schemeClr val="tx1">
-                    <a:tint val="75000"/>
-                  </a:schemeClr>
-                </a:solidFill>
-              </a:defRPr>
-            </a:lvl9pPr>
+            </a:lvl1pPr>
+            <a:extLst/>
           </a:lstStyle>
-          <a:p>
-            <a:r>
-              <a:rPr lang="en-US" smtClean="0"/>
-              <a:t>Click to edit Master subtitle style</a:t>
-            </a:r>
-            <a:endParaRPr lang="en-IN"/>
-          </a:p>
-        </p:txBody>
-      </p:sp>
-      <p:sp>
-        <p:nvSpPr>
-          <p:cNvPr id="4" name="Date Placeholder 3"/>
-          <p:cNvSpPr>
-            <a:spLocks noGrp="1"/>
-          </p:cNvSpPr>
-          <p:nvPr>
-            <p:ph type="dt" sz="half" idx="10"/>
-          </p:nvPr>
-        </p:nvSpPr>
-        <p:spPr/>
-        <p:txBody>
-          <a:bodyPr/>
-          <a:lstStyle/>
-          <a:p>
-            <a:fld id="{94B370FF-FE6F-481D-9418-1F1152B5B6AC}" type="datetimeFigureOut">
-              <a:rPr lang="en-IN" smtClean="0"/>
-              <a:t>10-05-2020</a:t>
-            </a:fld>
-            <a:endParaRPr lang="en-IN"/>
-          </a:p>
-        </p:txBody>
-      </p:sp>
-      <p:sp>
-        <p:nvSpPr>
-          <p:cNvPr id="5" name="Footer Placeholder 4"/>
-          <p:cNvSpPr>
-            <a:spLocks noGrp="1"/>
-          </p:cNvSpPr>
-          <p:nvPr>
-            <p:ph type="ftr" sz="quarter" idx="11"/>
-          </p:nvPr>
-        </p:nvSpPr>
-        <p:spPr/>
-        <p:txBody>
-          <a:bodyPr/>
-          <a:lstStyle/>
-          <a:p>
-            <a:endParaRPr lang="en-IN"/>
-          </a:p>
-        </p:txBody>
-      </p:sp>
-      <p:sp>
-        <p:nvSpPr>
-          <p:cNvPr id="6" name="Slide Number Placeholder 5"/>
-          <p:cNvSpPr>
-            <a:spLocks noGrp="1"/>
-          </p:cNvSpPr>
-          <p:nvPr>
-            <p:ph type="sldNum" sz="quarter" idx="12"/>
-          </p:nvPr>
-        </p:nvSpPr>
-        <p:spPr/>
-        <p:txBody>
-          <a:bodyPr/>
-          <a:lstStyle/>
           <a:p>
             <a:fld id="{A0D76E7C-7FF9-47A2-A2BF-D236EAE866A7}" type="slidenum">
               <a:rPr lang="en-IN" smtClean="0"/>
+              <a:pPr/>
               <a:t>‹#›</a:t>
             </a:fld>
             <a:endParaRPr lang="en-IN"/>
@@ -839,13 +1491,15 @@
         <p:spPr/>
         <p:txBody>
           <a:bodyPr/>
-          <a:lstStyle/>
-          <a:p>
-            <a:r>
-              <a:rPr lang="en-US" smtClean="0"/>
+          <a:lstStyle>
+            <a:extLst/>
+          </a:lstStyle>
+          <a:p>
+            <a:r>
+              <a:rPr kumimoji="0" lang="en-US" smtClean="0"/>
               <a:t>Click to edit Master title style</a:t>
             </a:r>
-            <a:endParaRPr lang="en-IN"/>
+            <a:endParaRPr kumimoji="0" lang="en-US"/>
           </a:p>
         </p:txBody>
       </p:sp>
@@ -859,45 +1513,52 @@
             <p:ph type="body" orient="vert" idx="1"/>
           </p:nvPr>
         </p:nvSpPr>
-        <p:spPr/>
+        <p:spPr>
+          <a:xfrm>
+            <a:off x="457200" y="1481329"/>
+            <a:ext cx="8229600" cy="4386071"/>
+          </a:xfrm>
+        </p:spPr>
         <p:txBody>
           <a:bodyPr vert="eaVert"/>
-          <a:lstStyle/>
-          <a:p>
-            <a:pPr lvl="0"/>
+          <a:lstStyle>
+            <a:extLst/>
+          </a:lstStyle>
+          <a:p>
+            <a:pPr lvl="0" eaLnBrk="1" latinLnBrk="0" hangingPunct="1"/>
             <a:r>
               <a:rPr lang="en-US" smtClean="0"/>
               <a:t>Click to edit Master text styles</a:t>
             </a:r>
           </a:p>
           <a:p>
-            <a:pPr lvl="1"/>
+            <a:pPr lvl="1" eaLnBrk="1" latinLnBrk="0" hangingPunct="1"/>
             <a:r>
               <a:rPr lang="en-US" smtClean="0"/>
               <a:t>Second level</a:t>
             </a:r>
           </a:p>
           <a:p>
-            <a:pPr lvl="2"/>
+            <a:pPr lvl="2" eaLnBrk="1" latinLnBrk="0" hangingPunct="1"/>
             <a:r>
               <a:rPr lang="en-US" smtClean="0"/>
               <a:t>Third level</a:t>
             </a:r>
           </a:p>
           <a:p>
-            <a:pPr lvl="3"/>
+            <a:pPr lvl="3" eaLnBrk="1" latinLnBrk="0" hangingPunct="1"/>
             <a:r>
               <a:rPr lang="en-US" smtClean="0"/>
               <a:t>Fourth level</a:t>
             </a:r>
           </a:p>
           <a:p>
-            <a:pPr lvl="4"/>
+            <a:pPr lvl="4" eaLnBrk="1" latinLnBrk="0" hangingPunct="1"/>
             <a:r>
               <a:rPr lang="en-US" smtClean="0"/>
               <a:t>Fifth level</a:t>
             </a:r>
-            <a:endParaRPr lang="en-IN"/>
+            <a:endParaRPr kumimoji="0" lang="en-US"/>
           </a:p>
         </p:txBody>
       </p:sp>
@@ -914,11 +1575,14 @@
         <p:spPr/>
         <p:txBody>
           <a:bodyPr/>
-          <a:lstStyle/>
+          <a:lstStyle>
+            <a:extLst/>
+          </a:lstStyle>
           <a:p>
             <a:fld id="{94B370FF-FE6F-481D-9418-1F1152B5B6AC}" type="datetimeFigureOut">
               <a:rPr lang="en-IN" smtClean="0"/>
-              <a:t>10-05-2020</a:t>
+              <a:pPr/>
+              <a:t>13-05-2020</a:t>
             </a:fld>
             <a:endParaRPr lang="en-IN"/>
           </a:p>
@@ -937,7 +1601,9 @@
         <p:spPr/>
         <p:txBody>
           <a:bodyPr/>
-          <a:lstStyle/>
+          <a:lstStyle>
+            <a:extLst/>
+          </a:lstStyle>
           <a:p>
             <a:endParaRPr lang="en-IN"/>
           </a:p>
@@ -956,10 +1622,13 @@
         <p:spPr/>
         <p:txBody>
           <a:bodyPr/>
-          <a:lstStyle/>
+          <a:lstStyle>
+            <a:extLst/>
+          </a:lstStyle>
           <a:p>
             <a:fld id="{A0D76E7C-7FF9-47A2-A2BF-D236EAE866A7}" type="slidenum">
               <a:rPr lang="en-IN" smtClean="0"/>
+              <a:pPr/>
               <a:t>‹#›</a:t>
             </a:fld>
             <a:endParaRPr lang="en-IN"/>
@@ -1003,19 +1672,21 @@
         </p:nvSpPr>
         <p:spPr>
           <a:xfrm>
-            <a:off x="6629400" y="274638"/>
-            <a:ext cx="2057400" cy="5851525"/>
+            <a:off x="6844013" y="274640"/>
+            <a:ext cx="1777470" cy="5592761"/>
           </a:xfrm>
         </p:spPr>
         <p:txBody>
           <a:bodyPr vert="eaVert"/>
-          <a:lstStyle/>
-          <a:p>
-            <a:r>
-              <a:rPr lang="en-US" smtClean="0"/>
+          <a:lstStyle>
+            <a:extLst/>
+          </a:lstStyle>
+          <a:p>
+            <a:r>
+              <a:rPr kumimoji="0" lang="en-US" smtClean="0"/>
               <a:t>Click to edit Master title style</a:t>
             </a:r>
-            <a:endParaRPr lang="en-IN"/>
+            <a:endParaRPr kumimoji="0" lang="en-US"/>
           </a:p>
         </p:txBody>
       </p:sp>
@@ -1031,48 +1702,50 @@
         </p:nvSpPr>
         <p:spPr>
           <a:xfrm>
-            <a:off x="457200" y="274638"/>
-            <a:ext cx="6019800" cy="5851525"/>
+            <a:off x="457200" y="274641"/>
+            <a:ext cx="6324600" cy="5592760"/>
           </a:xfrm>
         </p:spPr>
         <p:txBody>
           <a:bodyPr vert="eaVert"/>
-          <a:lstStyle/>
-          <a:p>
-            <a:pPr lvl="0"/>
+          <a:lstStyle>
+            <a:extLst/>
+          </a:lstStyle>
+          <a:p>
+            <a:pPr lvl="0" eaLnBrk="1" latinLnBrk="0" hangingPunct="1"/>
             <a:r>
               <a:rPr lang="en-US" smtClean="0"/>
               <a:t>Click to edit Master text styles</a:t>
             </a:r>
           </a:p>
           <a:p>
-            <a:pPr lvl="1"/>
+            <a:pPr lvl="1" eaLnBrk="1" latinLnBrk="0" hangingPunct="1"/>
             <a:r>
               <a:rPr lang="en-US" smtClean="0"/>
               <a:t>Second level</a:t>
             </a:r>
           </a:p>
           <a:p>
-            <a:pPr lvl="2"/>
+            <a:pPr lvl="2" eaLnBrk="1" latinLnBrk="0" hangingPunct="1"/>
             <a:r>
               <a:rPr lang="en-US" smtClean="0"/>
               <a:t>Third level</a:t>
             </a:r>
           </a:p>
           <a:p>
-            <a:pPr lvl="3"/>
+            <a:pPr lvl="3" eaLnBrk="1" latinLnBrk="0" hangingPunct="1"/>
             <a:r>
               <a:rPr lang="en-US" smtClean="0"/>
               <a:t>Fourth level</a:t>
             </a:r>
           </a:p>
           <a:p>
-            <a:pPr lvl="4"/>
+            <a:pPr lvl="4" eaLnBrk="1" latinLnBrk="0" hangingPunct="1"/>
             <a:r>
               <a:rPr lang="en-US" smtClean="0"/>
               <a:t>Fifth level</a:t>
             </a:r>
-            <a:endParaRPr lang="en-IN"/>
+            <a:endParaRPr kumimoji="0" lang="en-US"/>
           </a:p>
         </p:txBody>
       </p:sp>
@@ -1089,11 +1762,14 @@
         <p:spPr/>
         <p:txBody>
           <a:bodyPr/>
-          <a:lstStyle/>
+          <a:lstStyle>
+            <a:extLst/>
+          </a:lstStyle>
           <a:p>
             <a:fld id="{94B370FF-FE6F-481D-9418-1F1152B5B6AC}" type="datetimeFigureOut">
               <a:rPr lang="en-IN" smtClean="0"/>
-              <a:t>10-05-2020</a:t>
+              <a:pPr/>
+              <a:t>13-05-2020</a:t>
             </a:fld>
             <a:endParaRPr lang="en-IN"/>
           </a:p>
@@ -1112,7 +1788,9 @@
         <p:spPr/>
         <p:txBody>
           <a:bodyPr/>
-          <a:lstStyle/>
+          <a:lstStyle>
+            <a:extLst/>
+          </a:lstStyle>
           <a:p>
             <a:endParaRPr lang="en-IN"/>
           </a:p>
@@ -1131,10 +1809,13 @@
         <p:spPr/>
         <p:txBody>
           <a:bodyPr/>
-          <a:lstStyle/>
+          <a:lstStyle>
+            <a:extLst/>
+          </a:lstStyle>
           <a:p>
             <a:fld id="{A0D76E7C-7FF9-47A2-A2BF-D236EAE866A7}" type="slidenum">
               <a:rPr lang="en-IN" smtClean="0"/>
+              <a:pPr/>
               <a:t>‹#›</a:t>
             </a:fld>
             <a:endParaRPr lang="en-IN"/>
@@ -1168,76 +1849,55 @@
       </p:grpSpPr>
       <p:sp>
         <p:nvSpPr>
-          <p:cNvPr id="2" name="Title 1"/>
-          <p:cNvSpPr>
-            <a:spLocks noGrp="1"/>
-          </p:cNvSpPr>
-          <p:nvPr>
-            <p:ph type="title"/>
+          <p:cNvPr id="3" name="Content Placeholder 2"/>
+          <p:cNvSpPr>
+            <a:spLocks noGrp="1"/>
+          </p:cNvSpPr>
+          <p:nvPr>
+            <p:ph idx="1"/>
           </p:nvPr>
         </p:nvSpPr>
         <p:spPr/>
         <p:txBody>
           <a:bodyPr/>
-          <a:lstStyle/>
-          <a:p>
-            <a:r>
-              <a:rPr lang="en-US" smtClean="0"/>
-              <a:t>Click to edit Master title style</a:t>
-            </a:r>
-            <a:endParaRPr lang="en-IN"/>
-          </a:p>
-        </p:txBody>
-      </p:sp>
-      <p:sp>
-        <p:nvSpPr>
-          <p:cNvPr id="3" name="Content Placeholder 2"/>
-          <p:cNvSpPr>
-            <a:spLocks noGrp="1"/>
-          </p:cNvSpPr>
-          <p:nvPr>
-            <p:ph idx="1"/>
-          </p:nvPr>
-        </p:nvSpPr>
-        <p:spPr/>
-        <p:txBody>
-          <a:bodyPr/>
-          <a:lstStyle/>
-          <a:p>
-            <a:pPr lvl="0"/>
+          <a:lstStyle>
+            <a:extLst/>
+          </a:lstStyle>
+          <a:p>
+            <a:pPr lvl="0" eaLnBrk="1" latinLnBrk="0" hangingPunct="1"/>
             <a:r>
               <a:rPr lang="en-US" smtClean="0"/>
               <a:t>Click to edit Master text styles</a:t>
             </a:r>
           </a:p>
           <a:p>
-            <a:pPr lvl="1"/>
+            <a:pPr lvl="1" eaLnBrk="1" latinLnBrk="0" hangingPunct="1"/>
             <a:r>
               <a:rPr lang="en-US" smtClean="0"/>
               <a:t>Second level</a:t>
             </a:r>
           </a:p>
           <a:p>
-            <a:pPr lvl="2"/>
+            <a:pPr lvl="2" eaLnBrk="1" latinLnBrk="0" hangingPunct="1"/>
             <a:r>
               <a:rPr lang="en-US" smtClean="0"/>
               <a:t>Third level</a:t>
             </a:r>
           </a:p>
           <a:p>
-            <a:pPr lvl="3"/>
+            <a:pPr lvl="3" eaLnBrk="1" latinLnBrk="0" hangingPunct="1"/>
             <a:r>
               <a:rPr lang="en-US" smtClean="0"/>
               <a:t>Fourth level</a:t>
             </a:r>
           </a:p>
           <a:p>
-            <a:pPr lvl="4"/>
+            <a:pPr lvl="4" eaLnBrk="1" latinLnBrk="0" hangingPunct="1"/>
             <a:r>
               <a:rPr lang="en-US" smtClean="0"/>
               <a:t>Fifth level</a:t>
             </a:r>
-            <a:endParaRPr lang="en-IN"/>
+            <a:endParaRPr kumimoji="0" lang="en-US"/>
           </a:p>
         </p:txBody>
       </p:sp>
@@ -1254,11 +1914,14 @@
         <p:spPr/>
         <p:txBody>
           <a:bodyPr/>
-          <a:lstStyle/>
+          <a:lstStyle>
+            <a:extLst/>
+          </a:lstStyle>
           <a:p>
             <a:fld id="{94B370FF-FE6F-481D-9418-1F1152B5B6AC}" type="datetimeFigureOut">
               <a:rPr lang="en-IN" smtClean="0"/>
-              <a:t>10-05-2020</a:t>
+              <a:pPr/>
+              <a:t>13-05-2020</a:t>
             </a:fld>
             <a:endParaRPr lang="en-IN"/>
           </a:p>
@@ -1277,7 +1940,9 @@
         <p:spPr/>
         <p:txBody>
           <a:bodyPr/>
-          <a:lstStyle/>
+          <a:lstStyle>
+            <a:extLst/>
+          </a:lstStyle>
           <a:p>
             <a:endParaRPr lang="en-IN"/>
           </a:p>
@@ -1296,13 +1961,41 @@
         <p:spPr/>
         <p:txBody>
           <a:bodyPr/>
-          <a:lstStyle/>
+          <a:lstStyle>
+            <a:extLst/>
+          </a:lstStyle>
           <a:p>
             <a:fld id="{A0D76E7C-7FF9-47A2-A2BF-D236EAE866A7}" type="slidenum">
               <a:rPr lang="en-IN" smtClean="0"/>
+              <a:pPr/>
               <a:t>‹#›</a:t>
             </a:fld>
             <a:endParaRPr lang="en-IN"/>
+          </a:p>
+        </p:txBody>
+      </p:sp>
+      <p:sp>
+        <p:nvSpPr>
+          <p:cNvPr id="7" name="Title 6"/>
+          <p:cNvSpPr>
+            <a:spLocks noGrp="1"/>
+          </p:cNvSpPr>
+          <p:nvPr>
+            <p:ph type="title"/>
+          </p:nvPr>
+        </p:nvSpPr>
+        <p:spPr/>
+        <p:txBody>
+          <a:bodyPr rtlCol="0"/>
+          <a:lstStyle>
+            <a:extLst/>
+          </a:lstStyle>
+          <a:p>
+            <a:r>
+              <a:rPr kumimoji="0" lang="en-US" smtClean="0"/>
+              <a:t>Click to edit Master title style</a:t>
+            </a:r>
+            <a:endParaRPr kumimoji="0" lang="en-US"/>
           </a:p>
         </p:txBody>
       </p:sp>
@@ -1317,6 +2010,11 @@
 <file path=ppt/slideLayouts/slideLayout3.xml><?xml version="1.0" encoding="utf-8"?>
 <p:sldLayout xmlns:a="http://schemas.openxmlformats.org/drawingml/2006/main" xmlns:r="http://schemas.openxmlformats.org/officeDocument/2006/relationships" xmlns:p="http://schemas.openxmlformats.org/presentationml/2006/main" type="secHead" preserve="1">
   <p:cSld name="Section Header">
+    <p:bg>
+      <p:bgRef idx="1002">
+        <a:schemeClr val="bg1"/>
+      </p:bgRef>
+    </p:bg>
     <p:spTree>
       <p:nvGrpSpPr>
         <p:cNvPr id="1" name=""/>
@@ -1343,23 +2041,42 @@
         </p:nvSpPr>
         <p:spPr>
           <a:xfrm>
-            <a:off x="722313" y="4406900"/>
-            <a:ext cx="7772400" cy="1362075"/>
+            <a:off x="722376" y="1059712"/>
+            <a:ext cx="7772400" cy="1828800"/>
           </a:xfrm>
         </p:spPr>
         <p:txBody>
-          <a:bodyPr anchor="t"/>
+          <a:bodyPr vert="horz" anchor="b">
+            <a:normAutofit/>
+            <a:scene3d>
+              <a:camera prst="orthographicFront"/>
+              <a:lightRig rig="soft" dir="t"/>
+            </a:scene3d>
+            <a:sp3d prstMaterial="softEdge">
+              <a:bevelT w="25400" h="25400"/>
+            </a:sp3d>
+          </a:bodyPr>
           <a:lstStyle>
-            <a:lvl1pPr algn="l">
-              <a:defRPr sz="4000" b="1" cap="all"/>
+            <a:lvl1pPr algn="r">
+              <a:buNone/>
+              <a:defRPr sz="4800" b="1" cap="none" baseline="0">
+                <a:effectLst>
+                  <a:outerShdw blurRad="31750" dist="25400" dir="5400000" algn="tl" rotWithShape="0">
+                    <a:srgbClr val="000000">
+                      <a:alpha val="25000"/>
+                    </a:srgbClr>
+                  </a:outerShdw>
+                </a:effectLst>
+              </a:defRPr>
             </a:lvl1pPr>
+            <a:extLst/>
           </a:lstStyle>
           <a:p>
             <a:r>
-              <a:rPr lang="en-US" smtClean="0"/>
+              <a:rPr kumimoji="0" lang="en-US" smtClean="0"/>
               <a:t>Click to edit Master title style</a:t>
             </a:r>
-            <a:endParaRPr lang="en-IN"/>
+            <a:endParaRPr kumimoji="0" lang="en-US"/>
           </a:p>
         </p:txBody>
       </p:sp>
@@ -1375,24 +2092,22 @@
         </p:nvSpPr>
         <p:spPr>
           <a:xfrm>
-            <a:off x="722313" y="2906713"/>
-            <a:ext cx="7772400" cy="1500187"/>
+            <a:off x="3922713" y="2931712"/>
+            <a:ext cx="4572000" cy="1454888"/>
           </a:xfrm>
         </p:spPr>
         <p:txBody>
-          <a:bodyPr anchor="b"/>
+          <a:bodyPr lIns="91440" rIns="91440" anchor="t"/>
           <a:lstStyle>
-            <a:lvl1pPr marL="0" indent="0">
+            <a:lvl1pPr marL="0" indent="0" algn="l">
               <a:buNone/>
-              <a:defRPr sz="2000">
+              <a:defRPr sz="2300">
                 <a:solidFill>
-                  <a:schemeClr val="tx1">
-                    <a:tint val="75000"/>
-                  </a:schemeClr>
+                  <a:schemeClr val="tx1"/>
                 </a:solidFill>
               </a:defRPr>
             </a:lvl1pPr>
-            <a:lvl2pPr marL="457200" indent="0">
+            <a:lvl2pPr>
               <a:buNone/>
               <a:defRPr sz="1800">
                 <a:solidFill>
@@ -1402,7 +2117,7 @@
                 </a:solidFill>
               </a:defRPr>
             </a:lvl2pPr>
-            <a:lvl3pPr marL="914400" indent="0">
+            <a:lvl3pPr>
               <a:buNone/>
               <a:defRPr sz="1600">
                 <a:solidFill>
@@ -1412,7 +2127,7 @@
                 </a:solidFill>
               </a:defRPr>
             </a:lvl3pPr>
-            <a:lvl4pPr marL="1371600" indent="0">
+            <a:lvl4pPr>
               <a:buNone/>
               <a:defRPr sz="1400">
                 <a:solidFill>
@@ -1422,7 +2137,7 @@
                 </a:solidFill>
               </a:defRPr>
             </a:lvl4pPr>
-            <a:lvl5pPr marL="1828800" indent="0">
+            <a:lvl5pPr>
               <a:buNone/>
               <a:defRPr sz="1400">
                 <a:solidFill>
@@ -1432,51 +2147,12 @@
                 </a:solidFill>
               </a:defRPr>
             </a:lvl5pPr>
-            <a:lvl6pPr marL="2286000" indent="0">
-              <a:buNone/>
-              <a:defRPr sz="1400">
-                <a:solidFill>
-                  <a:schemeClr val="tx1">
-                    <a:tint val="75000"/>
-                  </a:schemeClr>
-                </a:solidFill>
-              </a:defRPr>
-            </a:lvl6pPr>
-            <a:lvl7pPr marL="2743200" indent="0">
-              <a:buNone/>
-              <a:defRPr sz="1400">
-                <a:solidFill>
-                  <a:schemeClr val="tx1">
-                    <a:tint val="75000"/>
-                  </a:schemeClr>
-                </a:solidFill>
-              </a:defRPr>
-            </a:lvl7pPr>
-            <a:lvl8pPr marL="3200400" indent="0">
-              <a:buNone/>
-              <a:defRPr sz="1400">
-                <a:solidFill>
-                  <a:schemeClr val="tx1">
-                    <a:tint val="75000"/>
-                  </a:schemeClr>
-                </a:solidFill>
-              </a:defRPr>
-            </a:lvl8pPr>
-            <a:lvl9pPr marL="3657600" indent="0">
-              <a:buNone/>
-              <a:defRPr sz="1400">
-                <a:solidFill>
-                  <a:schemeClr val="tx1">
-                    <a:tint val="75000"/>
-                  </a:schemeClr>
-                </a:solidFill>
-              </a:defRPr>
-            </a:lvl9pPr>
+            <a:extLst/>
           </a:lstStyle>
           <a:p>
-            <a:pPr lvl="0"/>
-            <a:r>
-              <a:rPr lang="en-US" smtClean="0"/>
+            <a:pPr lvl="0" eaLnBrk="1" latinLnBrk="0" hangingPunct="1"/>
+            <a:r>
+              <a:rPr kumimoji="0" lang="en-US" smtClean="0"/>
               <a:t>Click to edit Master text styles</a:t>
             </a:r>
           </a:p>
@@ -1495,11 +2171,14 @@
         <p:spPr/>
         <p:txBody>
           <a:bodyPr/>
-          <a:lstStyle/>
+          <a:lstStyle>
+            <a:extLst/>
+          </a:lstStyle>
           <a:p>
             <a:fld id="{94B370FF-FE6F-481D-9418-1F1152B5B6AC}" type="datetimeFigureOut">
               <a:rPr lang="en-IN" smtClean="0"/>
-              <a:t>10-05-2020</a:t>
+              <a:pPr/>
+              <a:t>13-05-2020</a:t>
             </a:fld>
             <a:endParaRPr lang="en-IN"/>
           </a:p>
@@ -1518,7 +2197,9 @@
         <p:spPr/>
         <p:txBody>
           <a:bodyPr/>
-          <a:lstStyle/>
+          <a:lstStyle>
+            <a:extLst/>
+          </a:lstStyle>
           <a:p>
             <a:endParaRPr lang="en-IN"/>
           </a:p>
@@ -1537,20 +2218,183 @@
         <p:spPr/>
         <p:txBody>
           <a:bodyPr/>
-          <a:lstStyle/>
+          <a:lstStyle>
+            <a:extLst/>
+          </a:lstStyle>
           <a:p>
             <a:fld id="{A0D76E7C-7FF9-47A2-A2BF-D236EAE866A7}" type="slidenum">
               <a:rPr lang="en-IN" smtClean="0"/>
+              <a:pPr/>
               <a:t>‹#›</a:t>
             </a:fld>
             <a:endParaRPr lang="en-IN"/>
           </a:p>
         </p:txBody>
       </p:sp>
+      <p:sp>
+        <p:nvSpPr>
+          <p:cNvPr id="7" name="Chevron 6"/>
+          <p:cNvSpPr/>
+          <p:nvPr/>
+        </p:nvSpPr>
+        <p:spPr>
+          <a:xfrm>
+            <a:off x="3636680" y="3005472"/>
+            <a:ext cx="182880" cy="228600"/>
+          </a:xfrm>
+          <a:prstGeom prst="chevron">
+            <a:avLst>
+              <a:gd name="adj" fmla="val 50000"/>
+            </a:avLst>
+          </a:prstGeom>
+          <a:gradFill flip="none" rotWithShape="1">
+            <a:gsLst>
+              <a:gs pos="0">
+                <a:schemeClr val="accent1">
+                  <a:shade val="60000"/>
+                  <a:satMod val="125000"/>
+                </a:schemeClr>
+              </a:gs>
+              <a:gs pos="72000">
+                <a:schemeClr val="accent1">
+                  <a:tint val="90000"/>
+                  <a:satMod val="138000"/>
+                </a:schemeClr>
+              </a:gs>
+              <a:gs pos="100000">
+                <a:schemeClr val="accent1">
+                  <a:tint val="76000"/>
+                  <a:satMod val="136000"/>
+                </a:schemeClr>
+              </a:gs>
+            </a:gsLst>
+            <a:lin ang="16200000" scaled="0"/>
+          </a:gradFill>
+          <a:ln w="3175" cap="rnd" cmpd="sng" algn="ctr">
+            <a:solidFill>
+              <a:schemeClr val="accent1">
+                <a:shade val="50000"/>
+              </a:schemeClr>
+            </a:solidFill>
+            <a:prstDash val="solid"/>
+          </a:ln>
+          <a:effectLst>
+            <a:outerShdw blurRad="50800" dist="25400" dir="5400000">
+              <a:srgbClr val="000000">
+                <a:alpha val="46000"/>
+              </a:srgbClr>
+            </a:outerShdw>
+          </a:effectLst>
+        </p:spPr>
+        <p:style>
+          <a:lnRef idx="1">
+            <a:schemeClr val="accent1"/>
+          </a:lnRef>
+          <a:fillRef idx="3">
+            <a:schemeClr val="accent1"/>
+          </a:fillRef>
+          <a:effectRef idx="2">
+            <a:schemeClr val="accent1"/>
+          </a:effectRef>
+          <a:fontRef idx="minor">
+            <a:schemeClr val="lt1"/>
+          </a:fontRef>
+        </p:style>
+        <p:txBody>
+          <a:bodyPr anchor="ctr"/>
+          <a:lstStyle>
+            <a:extLst/>
+          </a:lstStyle>
+          <a:p>
+            <a:pPr algn="l" eaLnBrk="1" latinLnBrk="0" hangingPunct="1"/>
+            <a:endParaRPr kumimoji="0" lang="en-US"/>
+          </a:p>
+        </p:txBody>
+      </p:sp>
+      <p:sp>
+        <p:nvSpPr>
+          <p:cNvPr id="8" name="Chevron 7"/>
+          <p:cNvSpPr/>
+          <p:nvPr/>
+        </p:nvSpPr>
+        <p:spPr>
+          <a:xfrm>
+            <a:off x="3450264" y="3005472"/>
+            <a:ext cx="182880" cy="228600"/>
+          </a:xfrm>
+          <a:prstGeom prst="chevron">
+            <a:avLst>
+              <a:gd name="adj" fmla="val 50000"/>
+            </a:avLst>
+          </a:prstGeom>
+          <a:gradFill flip="none" rotWithShape="1">
+            <a:gsLst>
+              <a:gs pos="0">
+                <a:schemeClr val="accent1">
+                  <a:shade val="60000"/>
+                  <a:satMod val="125000"/>
+                </a:schemeClr>
+              </a:gs>
+              <a:gs pos="72000">
+                <a:schemeClr val="accent1">
+                  <a:tint val="90000"/>
+                  <a:satMod val="138000"/>
+                </a:schemeClr>
+              </a:gs>
+              <a:gs pos="100000">
+                <a:schemeClr val="accent1">
+                  <a:tint val="76000"/>
+                  <a:satMod val="136000"/>
+                </a:schemeClr>
+              </a:gs>
+            </a:gsLst>
+            <a:lin ang="16200000" scaled="0"/>
+          </a:gradFill>
+          <a:ln w="3175" cap="rnd" cmpd="sng" algn="ctr">
+            <a:solidFill>
+              <a:schemeClr val="accent1">
+                <a:shade val="50000"/>
+              </a:schemeClr>
+            </a:solidFill>
+            <a:prstDash val="solid"/>
+          </a:ln>
+          <a:effectLst>
+            <a:outerShdw blurRad="50800" dist="25400" dir="5400000">
+              <a:srgbClr val="000000">
+                <a:alpha val="46000"/>
+              </a:srgbClr>
+            </a:outerShdw>
+          </a:effectLst>
+        </p:spPr>
+        <p:style>
+          <a:lnRef idx="1">
+            <a:schemeClr val="accent1"/>
+          </a:lnRef>
+          <a:fillRef idx="3">
+            <a:schemeClr val="accent1"/>
+          </a:fillRef>
+          <a:effectRef idx="2">
+            <a:schemeClr val="accent1"/>
+          </a:effectRef>
+          <a:fontRef idx="minor">
+            <a:schemeClr val="lt1"/>
+          </a:fontRef>
+        </p:style>
+        <p:txBody>
+          <a:bodyPr anchor="ctr"/>
+          <a:lstStyle>
+            <a:extLst/>
+          </a:lstStyle>
+          <a:p>
+            <a:pPr algn="l" eaLnBrk="1" latinLnBrk="0" hangingPunct="1"/>
+            <a:endParaRPr kumimoji="0" lang="en-US"/>
+          </a:p>
+        </p:txBody>
+      </p:sp>
     </p:spTree>
   </p:cSld>
   <p:clrMapOvr>
-    <a:masterClrMapping/>
+    <a:overrideClrMapping bg1="dk1" tx1="lt1" bg2="dk2" tx2="lt2" accent1="accent1" accent2="accent2" accent3="accent3" accent4="accent4" accent5="accent5" accent6="accent6" hlink="hlink" folHlink="folHlink"/>
   </p:clrMapOvr>
 </p:sldLayout>
 </file>
@@ -1558,6 +2402,11 @@
 <file path=ppt/slideLayouts/slideLayout4.xml><?xml version="1.0" encoding="utf-8"?>
 <p:sldLayout xmlns:a="http://schemas.openxmlformats.org/drawingml/2006/main" xmlns:r="http://schemas.openxmlformats.org/officeDocument/2006/relationships" xmlns:p="http://schemas.openxmlformats.org/presentationml/2006/main" type="twoObj" preserve="1">
   <p:cSld name="Two Content">
+    <p:bg>
+      <p:bgRef idx="1002">
+        <a:schemeClr val="bg1"/>
+      </p:bgRef>
+    </p:bg>
     <p:spTree>
       <p:nvGrpSpPr>
         <p:cNvPr id="1" name=""/>
@@ -1574,29 +2423,6 @@
       </p:grpSpPr>
       <p:sp>
         <p:nvSpPr>
-          <p:cNvPr id="2" name="Title 1"/>
-          <p:cNvSpPr>
-            <a:spLocks noGrp="1"/>
-          </p:cNvSpPr>
-          <p:nvPr>
-            <p:ph type="title"/>
-          </p:nvPr>
-        </p:nvSpPr>
-        <p:spPr/>
-        <p:txBody>
-          <a:bodyPr/>
-          <a:lstStyle/>
-          <a:p>
-            <a:r>
-              <a:rPr lang="en-US" smtClean="0"/>
-              <a:t>Click to edit Master title style</a:t>
-            </a:r>
-            <a:endParaRPr lang="en-IN"/>
-          </a:p>
-        </p:txBody>
-      </p:sp>
-      <p:sp>
-        <p:nvSpPr>
           <p:cNvPr id="3" name="Content Placeholder 2"/>
           <p:cNvSpPr>
             <a:spLocks noGrp="1"/>
@@ -1607,7 +2433,7 @@
         </p:nvSpPr>
         <p:spPr>
           <a:xfrm>
-            <a:off x="457200" y="1600200"/>
+            <a:off x="457200" y="1481328"/>
             <a:ext cx="4038600" cy="4525963"/>
           </a:xfrm>
         </p:spPr>
@@ -1629,54 +2455,43 @@
             <a:lvl5pPr>
               <a:defRPr sz="1800"/>
             </a:lvl5pPr>
-            <a:lvl6pPr>
-              <a:defRPr sz="1800"/>
-            </a:lvl6pPr>
-            <a:lvl7pPr>
-              <a:defRPr sz="1800"/>
-            </a:lvl7pPr>
-            <a:lvl8pPr>
-              <a:defRPr sz="1800"/>
-            </a:lvl8pPr>
-            <a:lvl9pPr>
-              <a:defRPr sz="1800"/>
-            </a:lvl9pPr>
+            <a:extLst/>
           </a:lstStyle>
           <a:p>
-            <a:pPr lvl="0"/>
+            <a:pPr lvl="0" eaLnBrk="1" latinLnBrk="0" hangingPunct="1"/>
             <a:r>
               <a:rPr lang="en-US" smtClean="0"/>
               <a:t>Click to edit Master text styles</a:t>
             </a:r>
           </a:p>
           <a:p>
-            <a:pPr lvl="1"/>
+            <a:pPr lvl="1" eaLnBrk="1" latinLnBrk="0" hangingPunct="1"/>
             <a:r>
               <a:rPr lang="en-US" smtClean="0"/>
               <a:t>Second level</a:t>
             </a:r>
           </a:p>
           <a:p>
-            <a:pPr lvl="2"/>
+            <a:pPr lvl="2" eaLnBrk="1" latinLnBrk="0" hangingPunct="1"/>
             <a:r>
               <a:rPr lang="en-US" smtClean="0"/>
               <a:t>Third level</a:t>
             </a:r>
           </a:p>
           <a:p>
-            <a:pPr lvl="3"/>
+            <a:pPr lvl="3" eaLnBrk="1" latinLnBrk="0" hangingPunct="1"/>
             <a:r>
               <a:rPr lang="en-US" smtClean="0"/>
               <a:t>Fourth level</a:t>
             </a:r>
           </a:p>
           <a:p>
-            <a:pPr lvl="4"/>
+            <a:pPr lvl="4" eaLnBrk="1" latinLnBrk="0" hangingPunct="1"/>
             <a:r>
               <a:rPr lang="en-US" smtClean="0"/>
               <a:t>Fifth level</a:t>
             </a:r>
-            <a:endParaRPr lang="en-IN"/>
+            <a:endParaRPr kumimoji="0" lang="en-US"/>
           </a:p>
         </p:txBody>
       </p:sp>
@@ -1692,7 +2507,7 @@
         </p:nvSpPr>
         <p:spPr>
           <a:xfrm>
-            <a:off x="4648200" y="1600200"/>
+            <a:off x="4648200" y="1481328"/>
             <a:ext cx="4038600" cy="4525963"/>
           </a:xfrm>
         </p:spPr>
@@ -1714,54 +2529,43 @@
             <a:lvl5pPr>
               <a:defRPr sz="1800"/>
             </a:lvl5pPr>
-            <a:lvl6pPr>
-              <a:defRPr sz="1800"/>
-            </a:lvl6pPr>
-            <a:lvl7pPr>
-              <a:defRPr sz="1800"/>
-            </a:lvl7pPr>
-            <a:lvl8pPr>
-              <a:defRPr sz="1800"/>
-            </a:lvl8pPr>
-            <a:lvl9pPr>
-              <a:defRPr sz="1800"/>
-            </a:lvl9pPr>
+            <a:extLst/>
           </a:lstStyle>
           <a:p>
-            <a:pPr lvl="0"/>
+            <a:pPr lvl="0" eaLnBrk="1" latinLnBrk="0" hangingPunct="1"/>
             <a:r>
               <a:rPr lang="en-US" smtClean="0"/>
               <a:t>Click to edit Master text styles</a:t>
             </a:r>
           </a:p>
           <a:p>
-            <a:pPr lvl="1"/>
+            <a:pPr lvl="1" eaLnBrk="1" latinLnBrk="0" hangingPunct="1"/>
             <a:r>
               <a:rPr lang="en-US" smtClean="0"/>
               <a:t>Second level</a:t>
             </a:r>
           </a:p>
           <a:p>
-            <a:pPr lvl="2"/>
+            <a:pPr lvl="2" eaLnBrk="1" latinLnBrk="0" hangingPunct="1"/>
             <a:r>
               <a:rPr lang="en-US" smtClean="0"/>
               <a:t>Third level</a:t>
             </a:r>
           </a:p>
           <a:p>
-            <a:pPr lvl="3"/>
+            <a:pPr lvl="3" eaLnBrk="1" latinLnBrk="0" hangingPunct="1"/>
             <a:r>
               <a:rPr lang="en-US" smtClean="0"/>
               <a:t>Fourth level</a:t>
             </a:r>
           </a:p>
           <a:p>
-            <a:pPr lvl="4"/>
+            <a:pPr lvl="4" eaLnBrk="1" latinLnBrk="0" hangingPunct="1"/>
             <a:r>
               <a:rPr lang="en-US" smtClean="0"/>
               <a:t>Fifth level</a:t>
             </a:r>
-            <a:endParaRPr lang="en-IN"/>
+            <a:endParaRPr kumimoji="0" lang="en-US"/>
           </a:p>
         </p:txBody>
       </p:sp>
@@ -1778,11 +2582,14 @@
         <p:spPr/>
         <p:txBody>
           <a:bodyPr/>
-          <a:lstStyle/>
+          <a:lstStyle>
+            <a:extLst/>
+          </a:lstStyle>
           <a:p>
             <a:fld id="{94B370FF-FE6F-481D-9418-1F1152B5B6AC}" type="datetimeFigureOut">
               <a:rPr lang="en-IN" smtClean="0"/>
-              <a:t>10-05-2020</a:t>
+              <a:pPr/>
+              <a:t>13-05-2020</a:t>
             </a:fld>
             <a:endParaRPr lang="en-IN"/>
           </a:p>
@@ -1801,7 +2608,9 @@
         <p:spPr/>
         <p:txBody>
           <a:bodyPr/>
-          <a:lstStyle/>
+          <a:lstStyle>
+            <a:extLst/>
+          </a:lstStyle>
           <a:p>
             <a:endParaRPr lang="en-IN"/>
           </a:p>
@@ -1820,27 +2629,60 @@
         <p:spPr/>
         <p:txBody>
           <a:bodyPr/>
-          <a:lstStyle/>
+          <a:lstStyle>
+            <a:extLst/>
+          </a:lstStyle>
           <a:p>
             <a:fld id="{A0D76E7C-7FF9-47A2-A2BF-D236EAE866A7}" type="slidenum">
               <a:rPr lang="en-IN" smtClean="0"/>
+              <a:pPr/>
               <a:t>‹#›</a:t>
             </a:fld>
             <a:endParaRPr lang="en-IN"/>
           </a:p>
         </p:txBody>
       </p:sp>
+      <p:sp>
+        <p:nvSpPr>
+          <p:cNvPr id="8" name="Title 7"/>
+          <p:cNvSpPr>
+            <a:spLocks noGrp="1"/>
+          </p:cNvSpPr>
+          <p:nvPr>
+            <p:ph type="title"/>
+          </p:nvPr>
+        </p:nvSpPr>
+        <p:spPr/>
+        <p:txBody>
+          <a:bodyPr rtlCol="0"/>
+          <a:lstStyle>
+            <a:extLst/>
+          </a:lstStyle>
+          <a:p>
+            <a:r>
+              <a:rPr kumimoji="0" lang="en-US" smtClean="0"/>
+              <a:t>Click to edit Master title style</a:t>
+            </a:r>
+            <a:endParaRPr kumimoji="0" lang="en-US"/>
+          </a:p>
+        </p:txBody>
+      </p:sp>
     </p:spTree>
   </p:cSld>
   <p:clrMapOvr>
-    <a:masterClrMapping/>
+    <a:overrideClrMapping bg1="dk1" tx1="lt1" bg2="dk2" tx2="lt2" accent1="accent1" accent2="accent2" accent3="accent3" accent4="accent4" accent5="accent5" accent6="accent6" hlink="hlink" folHlink="folHlink"/>
   </p:clrMapOvr>
 </p:sldLayout>
 </file>
 
 <file path=ppt/slideLayouts/slideLayout5.xml><?xml version="1.0" encoding="utf-8"?>
-<p:sldLayout xmlns:a="http://schemas.openxmlformats.org/drawingml/2006/main" xmlns:r="http://schemas.openxmlformats.org/officeDocument/2006/relationships" xmlns:p="http://schemas.openxmlformats.org/presentationml/2006/main" type="twoTxTwoObj" preserve="1">
+<p:sldLayout xmlns:a="http://schemas.openxmlformats.org/drawingml/2006/main" xmlns:r="http://schemas.openxmlformats.org/officeDocument/2006/relationships" xmlns:p="http://schemas.openxmlformats.org/presentationml/2006/main" showMasterSp="0" type="twoTxTwoObj" preserve="1">
   <p:cSld name="Comparison">
+    <p:bg>
+      <p:bgRef idx="1003">
+        <a:schemeClr val="bg1"/>
+      </p:bgRef>
+    </p:bg>
     <p:spTree>
       <p:nvGrpSpPr>
         <p:cNvPr id="1" name=""/>
@@ -1865,20 +2707,26 @@
             <p:ph type="title"/>
           </p:nvPr>
         </p:nvSpPr>
-        <p:spPr/>
-        <p:txBody>
-          <a:bodyPr/>
+        <p:spPr>
+          <a:xfrm>
+            <a:off x="457200" y="273050"/>
+            <a:ext cx="8229600" cy="1143000"/>
+          </a:xfrm>
+        </p:spPr>
+        <p:txBody>
+          <a:bodyPr anchor="ctr"/>
           <a:lstStyle>
             <a:lvl1pPr>
               <a:defRPr/>
             </a:lvl1pPr>
+            <a:extLst/>
           </a:lstStyle>
           <a:p>
             <a:r>
-              <a:rPr lang="en-US" smtClean="0"/>
+              <a:rPr kumimoji="0" lang="en-US" smtClean="0"/>
               <a:t>Click to edit Master title style</a:t>
             </a:r>
-            <a:endParaRPr lang="en-IN"/>
+            <a:endParaRPr kumimoji="0" lang="en-US"/>
           </a:p>
         </p:txBody>
       </p:sp>
@@ -1894,54 +2742,115 @@
         </p:nvSpPr>
         <p:spPr>
           <a:xfrm>
-            <a:off x="457200" y="1535113"/>
-            <a:ext cx="4040188" cy="639762"/>
+            <a:off x="457200" y="5410200"/>
+            <a:ext cx="4040188" cy="762000"/>
           </a:xfrm>
+          <a:solidFill>
+            <a:schemeClr val="accent1"/>
+          </a:solidFill>
+          <a:ln w="9652">
+            <a:solidFill>
+              <a:schemeClr val="accent1"/>
+            </a:solidFill>
+            <a:miter lim="800000"/>
+          </a:ln>
         </p:spPr>
         <p:txBody>
-          <a:bodyPr anchor="b"/>
+          <a:bodyPr lIns="182880" anchor="ctr"/>
           <a:lstStyle>
             <a:lvl1pPr marL="0" indent="0">
               <a:buNone/>
-              <a:defRPr sz="2400" b="1"/>
+              <a:defRPr sz="2400" b="0">
+                <a:solidFill>
+                  <a:schemeClr val="bg1"/>
+                </a:solidFill>
+              </a:defRPr>
             </a:lvl1pPr>
-            <a:lvl2pPr marL="457200" indent="0">
+            <a:lvl2pPr>
               <a:buNone/>
               <a:defRPr sz="2000" b="1"/>
             </a:lvl2pPr>
-            <a:lvl3pPr marL="914400" indent="0">
+            <a:lvl3pPr>
               <a:buNone/>
               <a:defRPr sz="1800" b="1"/>
             </a:lvl3pPr>
-            <a:lvl4pPr marL="1371600" indent="0">
+            <a:lvl4pPr>
               <a:buNone/>
               <a:defRPr sz="1600" b="1"/>
             </a:lvl4pPr>
-            <a:lvl5pPr marL="1828800" indent="0">
+            <a:lvl5pPr>
               <a:buNone/>
               <a:defRPr sz="1600" b="1"/>
             </a:lvl5pPr>
-            <a:lvl6pPr marL="2286000" indent="0">
+            <a:extLst/>
+          </a:lstStyle>
+          <a:p>
+            <a:pPr lvl="0" eaLnBrk="1" latinLnBrk="0" hangingPunct="1"/>
+            <a:r>
+              <a:rPr kumimoji="0" lang="en-US" smtClean="0"/>
+              <a:t>Click to edit Master text styles</a:t>
+            </a:r>
+          </a:p>
+        </p:txBody>
+      </p:sp>
+      <p:sp>
+        <p:nvSpPr>
+          <p:cNvPr id="4" name="Text Placeholder 3"/>
+          <p:cNvSpPr>
+            <a:spLocks noGrp="1"/>
+          </p:cNvSpPr>
+          <p:nvPr>
+            <p:ph type="body" sz="half" idx="3"/>
+          </p:nvPr>
+        </p:nvSpPr>
+        <p:spPr>
+          <a:xfrm>
+            <a:off x="4645026" y="5410200"/>
+            <a:ext cx="4041775" cy="762000"/>
+          </a:xfrm>
+          <a:solidFill>
+            <a:schemeClr val="accent1"/>
+          </a:solidFill>
+          <a:ln w="9652">
+            <a:solidFill>
+              <a:schemeClr val="accent1"/>
+            </a:solidFill>
+            <a:miter lim="800000"/>
+          </a:ln>
+        </p:spPr>
+        <p:txBody>
+          <a:bodyPr lIns="182880" anchor="ctr"/>
+          <a:lstStyle>
+            <a:lvl1pPr marL="0" indent="0">
+              <a:buNone/>
+              <a:defRPr sz="2400" b="0">
+                <a:solidFill>
+                  <a:schemeClr val="bg1"/>
+                </a:solidFill>
+              </a:defRPr>
+            </a:lvl1pPr>
+            <a:lvl2pPr>
+              <a:buNone/>
+              <a:defRPr sz="2000" b="1"/>
+            </a:lvl2pPr>
+            <a:lvl3pPr>
+              <a:buNone/>
+              <a:defRPr sz="1800" b="1"/>
+            </a:lvl3pPr>
+            <a:lvl4pPr>
               <a:buNone/>
               <a:defRPr sz="1600" b="1"/>
-            </a:lvl6pPr>
-            <a:lvl7pPr marL="2743200" indent="0">
+            </a:lvl4pPr>
+            <a:lvl5pPr>
               <a:buNone/>
               <a:defRPr sz="1600" b="1"/>
-            </a:lvl7pPr>
-            <a:lvl8pPr marL="3200400" indent="0">
-              <a:buNone/>
-              <a:defRPr sz="1600" b="1"/>
-            </a:lvl8pPr>
-            <a:lvl9pPr marL="3657600" indent="0">
-              <a:buNone/>
-              <a:defRPr sz="1600" b="1"/>
-            </a:lvl9pPr>
+            </a:lvl5pPr>
+            <a:extLst/>
           </a:lstStyle>
           <a:p>
-            <a:pPr lvl="0"/>
-            <a:r>
-              <a:rPr lang="en-US" smtClean="0"/>
+            <a:pPr lvl="0" eaLnBrk="1" latinLnBrk="0" hangingPunct="1"/>
+            <a:r>
+              <a:rPr kumimoji="0" lang="en-US" smtClean="0"/>
               <a:t>Click to edit Master text styles</a:t>
             </a:r>
           </a:p>
@@ -1949,19 +2858,24 @@
       </p:sp>
       <p:sp>
         <p:nvSpPr>
-          <p:cNvPr id="4" name="Content Placeholder 3"/>
-          <p:cNvSpPr>
-            <a:spLocks noGrp="1"/>
-          </p:cNvSpPr>
-          <p:nvPr>
-            <p:ph sz="half" idx="2"/>
+          <p:cNvPr id="5" name="Content Placeholder 4"/>
+          <p:cNvSpPr>
+            <a:spLocks noGrp="1"/>
+          </p:cNvSpPr>
+          <p:nvPr>
+            <p:ph sz="quarter" idx="2"/>
           </p:nvPr>
         </p:nvSpPr>
         <p:spPr>
           <a:xfrm>
-            <a:off x="457200" y="2174875"/>
-            <a:ext cx="4040188" cy="3951288"/>
+            <a:off x="457200" y="1444294"/>
+            <a:ext cx="4040188" cy="3941763"/>
           </a:xfrm>
+          <a:ln>
+            <a:noFill/>
+            <a:prstDash val="sysDash"/>
+            <a:miter lim="800000"/>
+          </a:ln>
         </p:spPr>
         <p:txBody>
           <a:bodyPr/>
@@ -1981,142 +2895,74 @@
             <a:lvl5pPr>
               <a:defRPr sz="1600"/>
             </a:lvl5pPr>
-            <a:lvl6pPr>
-              <a:defRPr sz="1600"/>
-            </a:lvl6pPr>
-            <a:lvl7pPr>
-              <a:defRPr sz="1600"/>
-            </a:lvl7pPr>
-            <a:lvl8pPr>
-              <a:defRPr sz="1600"/>
-            </a:lvl8pPr>
-            <a:lvl9pPr>
-              <a:defRPr sz="1600"/>
-            </a:lvl9pPr>
+            <a:extLst/>
           </a:lstStyle>
           <a:p>
-            <a:pPr lvl="0"/>
+            <a:pPr lvl="0" eaLnBrk="1" latinLnBrk="0" hangingPunct="1"/>
             <a:r>
               <a:rPr lang="en-US" smtClean="0"/>
               <a:t>Click to edit Master text styles</a:t>
             </a:r>
           </a:p>
           <a:p>
-            <a:pPr lvl="1"/>
+            <a:pPr lvl="1" eaLnBrk="1" latinLnBrk="0" hangingPunct="1"/>
             <a:r>
               <a:rPr lang="en-US" smtClean="0"/>
               <a:t>Second level</a:t>
             </a:r>
           </a:p>
           <a:p>
-            <a:pPr lvl="2"/>
+            <a:pPr lvl="2" eaLnBrk="1" latinLnBrk="0" hangingPunct="1"/>
             <a:r>
               <a:rPr lang="en-US" smtClean="0"/>
               <a:t>Third level</a:t>
             </a:r>
           </a:p>
           <a:p>
-            <a:pPr lvl="3"/>
+            <a:pPr lvl="3" eaLnBrk="1" latinLnBrk="0" hangingPunct="1"/>
             <a:r>
               <a:rPr lang="en-US" smtClean="0"/>
               <a:t>Fourth level</a:t>
             </a:r>
           </a:p>
           <a:p>
-            <a:pPr lvl="4"/>
+            <a:pPr lvl="4" eaLnBrk="1" latinLnBrk="0" hangingPunct="1"/>
             <a:r>
               <a:rPr lang="en-US" smtClean="0"/>
               <a:t>Fifth level</a:t>
             </a:r>
-            <a:endParaRPr lang="en-IN"/>
-          </a:p>
-        </p:txBody>
-      </p:sp>
-      <p:sp>
-        <p:nvSpPr>
-          <p:cNvPr id="5" name="Text Placeholder 4"/>
-          <p:cNvSpPr>
-            <a:spLocks noGrp="1"/>
-          </p:cNvSpPr>
-          <p:nvPr>
-            <p:ph type="body" sz="quarter" idx="3"/>
+            <a:endParaRPr kumimoji="0" lang="en-US"/>
+          </a:p>
+        </p:txBody>
+      </p:sp>
+      <p:sp>
+        <p:nvSpPr>
+          <p:cNvPr id="6" name="Content Placeholder 5"/>
+          <p:cNvSpPr>
+            <a:spLocks noGrp="1"/>
+          </p:cNvSpPr>
+          <p:nvPr>
+            <p:ph sz="quarter" idx="4"/>
           </p:nvPr>
         </p:nvSpPr>
         <p:spPr>
           <a:xfrm>
-            <a:off x="4645025" y="1535113"/>
-            <a:ext cx="4041775" cy="639762"/>
+            <a:off x="4645025" y="1444294"/>
+            <a:ext cx="4041775" cy="3941763"/>
           </a:xfrm>
-        </p:spPr>
-        <p:txBody>
-          <a:bodyPr anchor="b"/>
-          <a:lstStyle>
-            <a:lvl1pPr marL="0" indent="0">
-              <a:buNone/>
-              <a:defRPr sz="2400" b="1"/>
-            </a:lvl1pPr>
-            <a:lvl2pPr marL="457200" indent="0">
-              <a:buNone/>
-              <a:defRPr sz="2000" b="1"/>
-            </a:lvl2pPr>
-            <a:lvl3pPr marL="914400" indent="0">
-              <a:buNone/>
-              <a:defRPr sz="1800" b="1"/>
-            </a:lvl3pPr>
-            <a:lvl4pPr marL="1371600" indent="0">
-              <a:buNone/>
-              <a:defRPr sz="1600" b="1"/>
-            </a:lvl4pPr>
-            <a:lvl5pPr marL="1828800" indent="0">
-              <a:buNone/>
-              <a:defRPr sz="1600" b="1"/>
-            </a:lvl5pPr>
-            <a:lvl6pPr marL="2286000" indent="0">
-              <a:buNone/>
-              <a:defRPr sz="1600" b="1"/>
-            </a:lvl6pPr>
-            <a:lvl7pPr marL="2743200" indent="0">
-              <a:buNone/>
-              <a:defRPr sz="1600" b="1"/>
-            </a:lvl7pPr>
-            <a:lvl8pPr marL="3200400" indent="0">
-              <a:buNone/>
-              <a:defRPr sz="1600" b="1"/>
-            </a:lvl8pPr>
-            <a:lvl9pPr marL="3657600" indent="0">
-              <a:buNone/>
-              <a:defRPr sz="1600" b="1"/>
-            </a:lvl9pPr>
-          </a:lstStyle>
-          <a:p>
-            <a:pPr lvl="0"/>
-            <a:r>
-              <a:rPr lang="en-US" smtClean="0"/>
-              <a:t>Click to edit Master text styles</a:t>
-            </a:r>
-          </a:p>
-        </p:txBody>
-      </p:sp>
-      <p:sp>
-        <p:nvSpPr>
-          <p:cNvPr id="6" name="Content Placeholder 5"/>
-          <p:cNvSpPr>
-            <a:spLocks noGrp="1"/>
-          </p:cNvSpPr>
-          <p:nvPr>
-            <p:ph sz="quarter" idx="4"/>
-          </p:nvPr>
-        </p:nvSpPr>
-        <p:spPr>
-          <a:xfrm>
-            <a:off x="4645025" y="2174875"/>
-            <a:ext cx="4041775" cy="3951288"/>
-          </a:xfrm>
+          <a:ln>
+            <a:noFill/>
+            <a:prstDash val="sysDash"/>
+            <a:miter lim="800000"/>
+          </a:ln>
         </p:spPr>
         <p:txBody>
           <a:bodyPr/>
           <a:lstStyle>
             <a:lvl1pPr>
+              <a:spcBef>
+                <a:spcPts val="0"/>
+              </a:spcBef>
               <a:defRPr sz="2400"/>
             </a:lvl1pPr>
             <a:lvl2pPr>
@@ -2131,54 +2977,43 @@
             <a:lvl5pPr>
               <a:defRPr sz="1600"/>
             </a:lvl5pPr>
-            <a:lvl6pPr>
-              <a:defRPr sz="1600"/>
-            </a:lvl6pPr>
-            <a:lvl7pPr>
-              <a:defRPr sz="1600"/>
-            </a:lvl7pPr>
-            <a:lvl8pPr>
-              <a:defRPr sz="1600"/>
-            </a:lvl8pPr>
-            <a:lvl9pPr>
-              <a:defRPr sz="1600"/>
-            </a:lvl9pPr>
+            <a:extLst/>
           </a:lstStyle>
           <a:p>
-            <a:pPr lvl="0"/>
+            <a:pPr lvl="0" eaLnBrk="1" latinLnBrk="0" hangingPunct="1"/>
             <a:r>
               <a:rPr lang="en-US" smtClean="0"/>
               <a:t>Click to edit Master text styles</a:t>
             </a:r>
           </a:p>
           <a:p>
-            <a:pPr lvl="1"/>
+            <a:pPr lvl="1" eaLnBrk="1" latinLnBrk="0" hangingPunct="1"/>
             <a:r>
               <a:rPr lang="en-US" smtClean="0"/>
               <a:t>Second level</a:t>
             </a:r>
           </a:p>
           <a:p>
-            <a:pPr lvl="2"/>
+            <a:pPr lvl="2" eaLnBrk="1" latinLnBrk="0" hangingPunct="1"/>
             <a:r>
               <a:rPr lang="en-US" smtClean="0"/>
               <a:t>Third level</a:t>
             </a:r>
           </a:p>
           <a:p>
-            <a:pPr lvl="3"/>
+            <a:pPr lvl="3" eaLnBrk="1" latinLnBrk="0" hangingPunct="1"/>
             <a:r>
               <a:rPr lang="en-US" smtClean="0"/>
               <a:t>Fourth level</a:t>
             </a:r>
           </a:p>
           <a:p>
-            <a:pPr lvl="4"/>
+            <a:pPr lvl="4" eaLnBrk="1" latinLnBrk="0" hangingPunct="1"/>
             <a:r>
               <a:rPr lang="en-US" smtClean="0"/>
               <a:t>Fifth level</a:t>
             </a:r>
-            <a:endParaRPr lang="en-IN"/>
+            <a:endParaRPr kumimoji="0" lang="en-US"/>
           </a:p>
         </p:txBody>
       </p:sp>
@@ -2195,11 +3030,14 @@
         <p:spPr/>
         <p:txBody>
           <a:bodyPr/>
-          <a:lstStyle/>
+          <a:lstStyle>
+            <a:extLst/>
+          </a:lstStyle>
           <a:p>
             <a:fld id="{94B370FF-FE6F-481D-9418-1F1152B5B6AC}" type="datetimeFigureOut">
               <a:rPr lang="en-IN" smtClean="0"/>
-              <a:t>10-05-2020</a:t>
+              <a:pPr/>
+              <a:t>13-05-2020</a:t>
             </a:fld>
             <a:endParaRPr lang="en-IN"/>
           </a:p>
@@ -2218,7 +3056,9 @@
         <p:spPr/>
         <p:txBody>
           <a:bodyPr/>
-          <a:lstStyle/>
+          <a:lstStyle>
+            <a:extLst/>
+          </a:lstStyle>
           <a:p>
             <a:endParaRPr lang="en-IN"/>
           </a:p>
@@ -2237,10 +3077,13 @@
         <p:spPr/>
         <p:txBody>
           <a:bodyPr/>
-          <a:lstStyle/>
+          <a:lstStyle>
+            <a:extLst/>
+          </a:lstStyle>
           <a:p>
             <a:fld id="{A0D76E7C-7FF9-47A2-A2BF-D236EAE866A7}" type="slidenum">
               <a:rPr lang="en-IN" smtClean="0"/>
+              <a:pPr/>
               <a:t>‹#›</a:t>
             </a:fld>
             <a:endParaRPr lang="en-IN"/>
@@ -2250,7 +3093,7 @@
     </p:spTree>
   </p:cSld>
   <p:clrMapOvr>
-    <a:masterClrMapping/>
+    <a:overrideClrMapping bg1="lt1" tx1="dk1" bg2="lt2" tx2="dk2" accent1="accent1" accent2="accent2" accent3="accent3" accent4="accent4" accent5="accent5" accent6="accent6" hlink="hlink" folHlink="folHlink"/>
   </p:clrMapOvr>
 </p:sldLayout>
 </file>
@@ -2258,6 +3101,11 @@
 <file path=ppt/slideLayouts/slideLayout6.xml><?xml version="1.0" encoding="utf-8"?>
 <p:sldLayout xmlns:a="http://schemas.openxmlformats.org/drawingml/2006/main" xmlns:r="http://schemas.openxmlformats.org/officeDocument/2006/relationships" xmlns:p="http://schemas.openxmlformats.org/presentationml/2006/main" type="titleOnly" preserve="1">
   <p:cSld name="Title Only">
+    <p:bg>
+      <p:bgRef idx="1002">
+        <a:schemeClr val="bg1"/>
+      </p:bgRef>
+    </p:bg>
     <p:spTree>
       <p:nvGrpSpPr>
         <p:cNvPr id="1" name=""/>
@@ -2274,45 +3122,25 @@
       </p:grpSpPr>
       <p:sp>
         <p:nvSpPr>
-          <p:cNvPr id="2" name="Title 1"/>
-          <p:cNvSpPr>
-            <a:spLocks noGrp="1"/>
-          </p:cNvSpPr>
-          <p:nvPr>
-            <p:ph type="title"/>
+          <p:cNvPr id="3" name="Date Placeholder 2"/>
+          <p:cNvSpPr>
+            <a:spLocks noGrp="1"/>
+          </p:cNvSpPr>
+          <p:nvPr>
+            <p:ph type="dt" sz="half" idx="10"/>
           </p:nvPr>
         </p:nvSpPr>
         <p:spPr/>
         <p:txBody>
           <a:bodyPr/>
-          <a:lstStyle/>
-          <a:p>
-            <a:r>
-              <a:rPr lang="en-US" smtClean="0"/>
-              <a:t>Click to edit Master title style</a:t>
-            </a:r>
-            <a:endParaRPr lang="en-IN"/>
-          </a:p>
-        </p:txBody>
-      </p:sp>
-      <p:sp>
-        <p:nvSpPr>
-          <p:cNvPr id="3" name="Date Placeholder 2"/>
-          <p:cNvSpPr>
-            <a:spLocks noGrp="1"/>
-          </p:cNvSpPr>
-          <p:nvPr>
-            <p:ph type="dt" sz="half" idx="10"/>
-          </p:nvPr>
-        </p:nvSpPr>
-        <p:spPr/>
-        <p:txBody>
-          <a:bodyPr/>
-          <a:lstStyle/>
+          <a:lstStyle>
+            <a:extLst/>
+          </a:lstStyle>
           <a:p>
             <a:fld id="{94B370FF-FE6F-481D-9418-1F1152B5B6AC}" type="datetimeFigureOut">
               <a:rPr lang="en-IN" smtClean="0"/>
-              <a:t>10-05-2020</a:t>
+              <a:pPr/>
+              <a:t>13-05-2020</a:t>
             </a:fld>
             <a:endParaRPr lang="en-IN"/>
           </a:p>
@@ -2331,7 +3159,9 @@
         <p:spPr/>
         <p:txBody>
           <a:bodyPr/>
-          <a:lstStyle/>
+          <a:lstStyle>
+            <a:extLst/>
+          </a:lstStyle>
           <a:p>
             <a:endParaRPr lang="en-IN"/>
           </a:p>
@@ -2350,20 +3180,48 @@
         <p:spPr/>
         <p:txBody>
           <a:bodyPr/>
-          <a:lstStyle/>
+          <a:lstStyle>
+            <a:extLst/>
+          </a:lstStyle>
           <a:p>
             <a:fld id="{A0D76E7C-7FF9-47A2-A2BF-D236EAE866A7}" type="slidenum">
               <a:rPr lang="en-IN" smtClean="0"/>
+              <a:pPr/>
               <a:t>‹#›</a:t>
             </a:fld>
             <a:endParaRPr lang="en-IN"/>
           </a:p>
         </p:txBody>
       </p:sp>
+      <p:sp>
+        <p:nvSpPr>
+          <p:cNvPr id="6" name="Title 5"/>
+          <p:cNvSpPr>
+            <a:spLocks noGrp="1"/>
+          </p:cNvSpPr>
+          <p:nvPr>
+            <p:ph type="title"/>
+          </p:nvPr>
+        </p:nvSpPr>
+        <p:spPr/>
+        <p:txBody>
+          <a:bodyPr rtlCol="0"/>
+          <a:lstStyle>
+            <a:extLst/>
+          </a:lstStyle>
+          <a:p>
+            <a:r>
+              <a:rPr kumimoji="0" lang="en-US" smtClean="0"/>
+              <a:t>Click to edit Master title style</a:t>
+            </a:r>
+            <a:endParaRPr kumimoji="0" lang="en-US"/>
+          </a:p>
+        </p:txBody>
+      </p:sp>
     </p:spTree>
   </p:cSld>
   <p:clrMapOvr>
-    <a:masterClrMapping/>
+    <a:overrideClrMapping bg1="dk1" tx1="lt1" bg2="dk2" tx2="lt2" accent1="accent1" accent2="accent2" accent3="accent3" accent4="accent4" accent5="accent5" accent6="accent6" hlink="hlink" folHlink="folHlink"/>
   </p:clrMapOvr>
 </p:sldLayout>
 </file>
@@ -2398,11 +3256,14 @@
         <p:spPr/>
         <p:txBody>
           <a:bodyPr/>
-          <a:lstStyle/>
+          <a:lstStyle>
+            <a:extLst/>
+          </a:lstStyle>
           <a:p>
             <a:fld id="{94B370FF-FE6F-481D-9418-1F1152B5B6AC}" type="datetimeFigureOut">
               <a:rPr lang="en-IN" smtClean="0"/>
-              <a:t>10-05-2020</a:t>
+              <a:pPr/>
+              <a:t>13-05-2020</a:t>
             </a:fld>
             <a:endParaRPr lang="en-IN"/>
           </a:p>
@@ -2421,7 +3282,9 @@
         <p:spPr/>
         <p:txBody>
           <a:bodyPr/>
-          <a:lstStyle/>
+          <a:lstStyle>
+            <a:extLst/>
+          </a:lstStyle>
           <a:p>
             <a:endParaRPr lang="en-IN"/>
           </a:p>
@@ -2440,10 +3303,13 @@
         <p:spPr/>
         <p:txBody>
           <a:bodyPr/>
-          <a:lstStyle/>
+          <a:lstStyle>
+            <a:extLst/>
+          </a:lstStyle>
           <a:p>
             <a:fld id="{A0D76E7C-7FF9-47A2-A2BF-D236EAE866A7}" type="slidenum">
               <a:rPr lang="en-IN" smtClean="0"/>
+              <a:pPr/>
               <a:t>‹#›</a:t>
             </a:fld>
             <a:endParaRPr lang="en-IN"/>
@@ -2459,8 +3325,13 @@
 </file>
 
 <file path=ppt/slideLayouts/slideLayout8.xml><?xml version="1.0" encoding="utf-8"?>
-<p:sldLayout xmlns:a="http://schemas.openxmlformats.org/drawingml/2006/main" xmlns:r="http://schemas.openxmlformats.org/officeDocument/2006/relationships" xmlns:p="http://schemas.openxmlformats.org/presentationml/2006/main" type="objTx" preserve="1">
+<p:sldLayout xmlns:a="http://schemas.openxmlformats.org/drawingml/2006/main" xmlns:r="http://schemas.openxmlformats.org/officeDocument/2006/relationships" xmlns:p="http://schemas.openxmlformats.org/presentationml/2006/main" showMasterSp="0" type="objTx" preserve="1">
   <p:cSld name="Content with Caption">
+    <p:bg>
+      <p:bgRef idx="1003">
+        <a:schemeClr val="bg1"/>
+      </p:bgRef>
+    </p:bg>
     <p:spTree>
       <p:nvGrpSpPr>
         <p:cNvPr id="1" name=""/>
@@ -2487,40 +3358,102 @@
         </p:nvSpPr>
         <p:spPr>
           <a:xfrm>
-            <a:off x="457200" y="273050"/>
-            <a:ext cx="3008313" cy="1162050"/>
+            <a:off x="914400" y="4876800"/>
+            <a:ext cx="7481776" cy="457200"/>
           </a:xfrm>
         </p:spPr>
         <p:txBody>
-          <a:bodyPr anchor="b"/>
+          <a:bodyPr vert="horz" anchor="t">
+            <a:noAutofit/>
+            <a:sp3d prstMaterial="softEdge">
+              <a:bevelT w="0" h="0"/>
+            </a:sp3d>
+          </a:bodyPr>
           <a:lstStyle>
-            <a:lvl1pPr algn="l">
-              <a:defRPr sz="2000" b="1"/>
+            <a:lvl1pPr algn="r">
+              <a:buNone/>
+              <a:defRPr sz="2500" b="0">
+                <a:solidFill>
+                  <a:schemeClr val="accent1"/>
+                </a:solidFill>
+                <a:effectLst/>
+              </a:defRPr>
             </a:lvl1pPr>
+            <a:extLst/>
           </a:lstStyle>
           <a:p>
             <a:r>
-              <a:rPr lang="en-US" smtClean="0"/>
+              <a:rPr kumimoji="0" lang="en-US" smtClean="0"/>
               <a:t>Click to edit Master title style</a:t>
             </a:r>
-            <a:endParaRPr lang="en-IN"/>
-          </a:p>
-        </p:txBody>
-      </p:sp>
-      <p:sp>
-        <p:nvSpPr>
-          <p:cNvPr id="3" name="Content Placeholder 2"/>
-          <p:cNvSpPr>
-            <a:spLocks noGrp="1"/>
-          </p:cNvSpPr>
-          <p:nvPr>
-            <p:ph idx="1"/>
+            <a:endParaRPr kumimoji="0" lang="en-US"/>
+          </a:p>
+        </p:txBody>
+      </p:sp>
+      <p:sp>
+        <p:nvSpPr>
+          <p:cNvPr id="3" name="Text Placeholder 2"/>
+          <p:cNvSpPr>
+            <a:spLocks noGrp="1"/>
+          </p:cNvSpPr>
+          <p:nvPr>
+            <p:ph type="body" idx="2"/>
           </p:nvPr>
         </p:nvSpPr>
         <p:spPr>
           <a:xfrm>
-            <a:off x="3575050" y="273050"/>
-            <a:ext cx="5111750" cy="5853113"/>
+            <a:off x="4419600" y="5355102"/>
+            <a:ext cx="3974592" cy="914400"/>
+          </a:xfrm>
+        </p:spPr>
+        <p:txBody>
+          <a:bodyPr/>
+          <a:lstStyle>
+            <a:lvl1pPr marL="0" indent="0" algn="r">
+              <a:buNone/>
+              <a:defRPr sz="1600"/>
+            </a:lvl1pPr>
+            <a:lvl2pPr>
+              <a:buNone/>
+              <a:defRPr sz="1200"/>
+            </a:lvl2pPr>
+            <a:lvl3pPr>
+              <a:buNone/>
+              <a:defRPr sz="1000"/>
+            </a:lvl3pPr>
+            <a:lvl4pPr>
+              <a:buNone/>
+              <a:defRPr sz="900"/>
+            </a:lvl4pPr>
+            <a:lvl5pPr>
+              <a:buNone/>
+              <a:defRPr sz="900"/>
+            </a:lvl5pPr>
+            <a:extLst/>
+          </a:lstStyle>
+          <a:p>
+            <a:pPr lvl="0" eaLnBrk="1" latinLnBrk="0" hangingPunct="1"/>
+            <a:r>
+              <a:rPr kumimoji="0" lang="en-US" smtClean="0"/>
+              <a:t>Click to edit Master text styles</a:t>
+            </a:r>
+          </a:p>
+        </p:txBody>
+      </p:sp>
+      <p:sp>
+        <p:nvSpPr>
+          <p:cNvPr id="4" name="Content Placeholder 3"/>
+          <p:cNvSpPr>
+            <a:spLocks noGrp="1"/>
+          </p:cNvSpPr>
+          <p:nvPr>
+            <p:ph sz="half" idx="1"/>
+          </p:nvPr>
+        </p:nvSpPr>
+        <p:spPr>
+          <a:xfrm>
+            <a:off x="914400" y="274320"/>
+            <a:ext cx="7479792" cy="4572000"/>
           </a:xfrm>
         </p:spPr>
         <p:txBody>
@@ -2541,140 +3474,72 @@
             <a:lvl5pPr>
               <a:defRPr sz="2000"/>
             </a:lvl5pPr>
-            <a:lvl6pPr>
-              <a:defRPr sz="2000"/>
-            </a:lvl6pPr>
-            <a:lvl7pPr>
-              <a:defRPr sz="2000"/>
-            </a:lvl7pPr>
-            <a:lvl8pPr>
-              <a:defRPr sz="2000"/>
-            </a:lvl8pPr>
-            <a:lvl9pPr>
-              <a:defRPr sz="2000"/>
-            </a:lvl9pPr>
+            <a:extLst/>
           </a:lstStyle>
           <a:p>
-            <a:pPr lvl="0"/>
+            <a:pPr lvl="0" eaLnBrk="1" latinLnBrk="0" hangingPunct="1"/>
             <a:r>
               <a:rPr lang="en-US" smtClean="0"/>
               <a:t>Click to edit Master text styles</a:t>
             </a:r>
           </a:p>
           <a:p>
-            <a:pPr lvl="1"/>
+            <a:pPr lvl="1" eaLnBrk="1" latinLnBrk="0" hangingPunct="1"/>
             <a:r>
               <a:rPr lang="en-US" smtClean="0"/>
               <a:t>Second level</a:t>
             </a:r>
           </a:p>
           <a:p>
-            <a:pPr lvl="2"/>
+            <a:pPr lvl="2" eaLnBrk="1" latinLnBrk="0" hangingPunct="1"/>
             <a:r>
               <a:rPr lang="en-US" smtClean="0"/>
               <a:t>Third level</a:t>
             </a:r>
           </a:p>
           <a:p>
-            <a:pPr lvl="3"/>
+            <a:pPr lvl="3" eaLnBrk="1" latinLnBrk="0" hangingPunct="1"/>
             <a:r>
               <a:rPr lang="en-US" smtClean="0"/>
               <a:t>Fourth level</a:t>
             </a:r>
           </a:p>
           <a:p>
-            <a:pPr lvl="4"/>
+            <a:pPr lvl="4" eaLnBrk="1" latinLnBrk="0" hangingPunct="1"/>
             <a:r>
               <a:rPr lang="en-US" smtClean="0"/>
               <a:t>Fifth level</a:t>
             </a:r>
-            <a:endParaRPr lang="en-IN"/>
-          </a:p>
-        </p:txBody>
-      </p:sp>
-      <p:sp>
-        <p:nvSpPr>
-          <p:cNvPr id="4" name="Text Placeholder 3"/>
-          <p:cNvSpPr>
-            <a:spLocks noGrp="1"/>
-          </p:cNvSpPr>
-          <p:nvPr>
-            <p:ph type="body" sz="half" idx="2"/>
+            <a:endParaRPr kumimoji="0" lang="en-US"/>
+          </a:p>
+        </p:txBody>
+      </p:sp>
+      <p:sp>
+        <p:nvSpPr>
+          <p:cNvPr id="5" name="Date Placeholder 4"/>
+          <p:cNvSpPr>
+            <a:spLocks noGrp="1"/>
+          </p:cNvSpPr>
+          <p:nvPr>
+            <p:ph type="dt" sz="half" idx="10"/>
           </p:nvPr>
         </p:nvSpPr>
         <p:spPr>
           <a:xfrm>
-            <a:off x="457200" y="1435100"/>
-            <a:ext cx="3008313" cy="4691063"/>
+            <a:off x="6727032" y="6407944"/>
+            <a:ext cx="1920240" cy="365760"/>
           </a:xfrm>
         </p:spPr>
         <p:txBody>
           <a:bodyPr/>
           <a:lstStyle>
-            <a:lvl1pPr marL="0" indent="0">
-              <a:buNone/>
-              <a:defRPr sz="1400"/>
-            </a:lvl1pPr>
-            <a:lvl2pPr marL="457200" indent="0">
-              <a:buNone/>
-              <a:defRPr sz="1200"/>
-            </a:lvl2pPr>
-            <a:lvl3pPr marL="914400" indent="0">
-              <a:buNone/>
-              <a:defRPr sz="1000"/>
-            </a:lvl3pPr>
-            <a:lvl4pPr marL="1371600" indent="0">
-              <a:buNone/>
-              <a:defRPr sz="900"/>
-            </a:lvl4pPr>
-            <a:lvl5pPr marL="1828800" indent="0">
-              <a:buNone/>
-              <a:defRPr sz="900"/>
-            </a:lvl5pPr>
-            <a:lvl6pPr marL="2286000" indent="0">
-              <a:buNone/>
-              <a:defRPr sz="900"/>
-            </a:lvl6pPr>
-            <a:lvl7pPr marL="2743200" indent="0">
-              <a:buNone/>
-              <a:defRPr sz="900"/>
-            </a:lvl7pPr>
-            <a:lvl8pPr marL="3200400" indent="0">
-              <a:buNone/>
-              <a:defRPr sz="900"/>
-            </a:lvl8pPr>
-            <a:lvl9pPr marL="3657600" indent="0">
-              <a:buNone/>
-              <a:defRPr sz="900"/>
-            </a:lvl9pPr>
+            <a:extLst/>
           </a:lstStyle>
-          <a:p>
-            <a:pPr lvl="0"/>
-            <a:r>
-              <a:rPr lang="en-US" smtClean="0"/>
-              <a:t>Click to edit Master text styles</a:t>
-            </a:r>
-          </a:p>
-        </p:txBody>
-      </p:sp>
-      <p:sp>
-        <p:nvSpPr>
-          <p:cNvPr id="5" name="Date Placeholder 4"/>
-          <p:cNvSpPr>
-            <a:spLocks noGrp="1"/>
-          </p:cNvSpPr>
-          <p:nvPr>
-            <p:ph type="dt" sz="half" idx="10"/>
-          </p:nvPr>
-        </p:nvSpPr>
-        <p:spPr/>
-        <p:txBody>
-          <a:bodyPr/>
-          <a:lstStyle/>
           <a:p>
             <a:fld id="{94B370FF-FE6F-481D-9418-1F1152B5B6AC}" type="datetimeFigureOut">
               <a:rPr lang="en-IN" smtClean="0"/>
-              <a:t>10-05-2020</a:t>
+              <a:pPr/>
+              <a:t>13-05-2020</a:t>
             </a:fld>
             <a:endParaRPr lang="en-IN"/>
           </a:p>
@@ -2693,7 +3558,9 @@
         <p:spPr/>
         <p:txBody>
           <a:bodyPr/>
-          <a:lstStyle/>
+          <a:lstStyle>
+            <a:extLst/>
+          </a:lstStyle>
           <a:p>
             <a:endParaRPr lang="en-IN"/>
           </a:p>
@@ -2712,10 +3579,13 @@
         <p:spPr/>
         <p:txBody>
           <a:bodyPr/>
-          <a:lstStyle/>
+          <a:lstStyle>
+            <a:extLst/>
+          </a:lstStyle>
           <a:p>
             <a:fld id="{A0D76E7C-7FF9-47A2-A2BF-D236EAE866A7}" type="slidenum">
               <a:rPr lang="en-IN" smtClean="0"/>
+              <a:pPr/>
               <a:t>‹#›</a:t>
             </a:fld>
             <a:endParaRPr lang="en-IN"/>
@@ -2725,14 +3595,19 @@
     </p:spTree>
   </p:cSld>
   <p:clrMapOvr>
-    <a:masterClrMapping/>
+    <a:overrideClrMapping bg1="lt1" tx1="dk1" bg2="lt2" tx2="dk2" accent1="accent1" accent2="accent2" accent3="accent3" accent4="accent4" accent5="accent5" accent6="accent6" hlink="hlink" folHlink="folHlink"/>
   </p:clrMapOvr>
 </p:sldLayout>
 </file>
 
 <file path=ppt/slideLayouts/slideLayout9.xml><?xml version="1.0" encoding="utf-8"?>
-<p:sldLayout xmlns:a="http://schemas.openxmlformats.org/drawingml/2006/main" xmlns:r="http://schemas.openxmlformats.org/officeDocument/2006/relationships" xmlns:p="http://schemas.openxmlformats.org/presentationml/2006/main" type="picTx" preserve="1">
+<p:sldLayout xmlns:a="http://schemas.openxmlformats.org/drawingml/2006/main" xmlns:r="http://schemas.openxmlformats.org/officeDocument/2006/relationships" xmlns:p="http://schemas.openxmlformats.org/presentationml/2006/main" showMasterSp="0" type="picTx" preserve="1">
   <p:cSld name="Picture with Caption">
+    <p:bg>
+      <p:bgRef idx="1002">
+        <a:schemeClr val="bg1"/>
+      </p:bgRef>
+    </p:bg>
     <p:spTree>
       <p:nvGrpSpPr>
         <p:cNvPr id="1" name=""/>
@@ -2749,33 +3624,48 @@
       </p:grpSpPr>
       <p:sp>
         <p:nvSpPr>
-          <p:cNvPr id="2" name="Title 1"/>
-          <p:cNvSpPr>
-            <a:spLocks noGrp="1"/>
-          </p:cNvSpPr>
-          <p:nvPr>
-            <p:ph type="title"/>
+          <p:cNvPr id="4" name="Text Placeholder 3"/>
+          <p:cNvSpPr>
+            <a:spLocks noGrp="1"/>
+          </p:cNvSpPr>
+          <p:nvPr>
+            <p:ph type="body" sz="half" idx="2"/>
           </p:nvPr>
         </p:nvSpPr>
         <p:spPr>
           <a:xfrm>
-            <a:off x="1792288" y="4800600"/>
-            <a:ext cx="5486400" cy="566738"/>
+            <a:off x="1141232" y="5443402"/>
+            <a:ext cx="7162800" cy="648232"/>
           </a:xfrm>
+          <a:noFill/>
         </p:spPr>
         <p:txBody>
-          <a:bodyPr anchor="b"/>
+          <a:bodyPr lIns="91440" tIns="0" rIns="91440" anchor="t"/>
           <a:lstStyle>
-            <a:lvl1pPr algn="l">
-              <a:defRPr sz="2000" b="1"/>
+            <a:lvl1pPr marL="0" marR="18288" indent="0" algn="r">
+              <a:buNone/>
+              <a:defRPr sz="1400"/>
             </a:lvl1pPr>
+            <a:lvl2pPr>
+              <a:defRPr sz="1200"/>
+            </a:lvl2pPr>
+            <a:lvl3pPr>
+              <a:defRPr sz="1000"/>
+            </a:lvl3pPr>
+            <a:lvl4pPr>
+              <a:defRPr sz="900"/>
+            </a:lvl4pPr>
+            <a:lvl5pPr>
+              <a:defRPr sz="900"/>
+            </a:lvl5pPr>
+            <a:extLst/>
           </a:lstStyle>
           <a:p>
-            <a:r>
-              <a:rPr lang="en-US" smtClean="0"/>
-              <a:t>Click to edit Master title style</a:t>
-            </a:r>
-            <a:endParaRPr lang="en-IN"/>
+            <a:pPr lvl="0" eaLnBrk="1" latinLnBrk="0" hangingPunct="1"/>
+            <a:r>
+              <a:rPr kumimoji="0" lang="en-US" smtClean="0"/>
+              <a:t>Click to edit Master text styles</a:t>
+            </a:r>
           </a:p>
         </p:txBody>
       </p:sp>
@@ -2791,9 +3681,25 @@
         </p:nvSpPr>
         <p:spPr>
           <a:xfrm>
-            <a:off x="1792288" y="612775"/>
-            <a:ext cx="5486400" cy="4114800"/>
+            <a:off x="228600" y="189968"/>
+            <a:ext cx="8686800" cy="4389120"/>
           </a:xfrm>
+          <a:prstGeom prst="rect">
+            <a:avLst/>
+          </a:prstGeom>
+          <a:solidFill>
+            <a:schemeClr val="bg2"/>
+          </a:solidFill>
+          <a:ln>
+            <a:solidFill>
+              <a:schemeClr val="bg1"/>
+            </a:solidFill>
+          </a:ln>
+          <a:effectLst>
+            <a:innerShdw blurRad="95250">
+              <a:srgbClr val="000000"/>
+            </a:innerShdw>
+          </a:effectLst>
         </p:spPr>
         <p:txBody>
           <a:bodyPr/>
@@ -2802,178 +3708,658 @@
               <a:buNone/>
               <a:defRPr sz="3200"/>
             </a:lvl1pPr>
-            <a:lvl2pPr marL="457200" indent="0">
-              <a:buNone/>
-              <a:defRPr sz="2800"/>
-            </a:lvl2pPr>
-            <a:lvl3pPr marL="914400" indent="0">
-              <a:buNone/>
-              <a:defRPr sz="2400"/>
-            </a:lvl3pPr>
-            <a:lvl4pPr marL="1371600" indent="0">
-              <a:buNone/>
-              <a:defRPr sz="2000"/>
-            </a:lvl4pPr>
-            <a:lvl5pPr marL="1828800" indent="0">
-              <a:buNone/>
-              <a:defRPr sz="2000"/>
-            </a:lvl5pPr>
-            <a:lvl6pPr marL="2286000" indent="0">
-              <a:buNone/>
-              <a:defRPr sz="2000"/>
-            </a:lvl6pPr>
-            <a:lvl7pPr marL="2743200" indent="0">
-              <a:buNone/>
-              <a:defRPr sz="2000"/>
-            </a:lvl7pPr>
-            <a:lvl8pPr marL="3200400" indent="0">
-              <a:buNone/>
-              <a:defRPr sz="2000"/>
-            </a:lvl8pPr>
-            <a:lvl9pPr marL="3657600" indent="0">
-              <a:buNone/>
-              <a:defRPr sz="2000"/>
-            </a:lvl9pPr>
+            <a:extLst/>
           </a:lstStyle>
           <a:p>
+            <a:r>
+              <a:rPr kumimoji="0" lang="en-US" smtClean="0"/>
+              <a:t>Click icon to add picture</a:t>
+            </a:r>
+            <a:endParaRPr kumimoji="0" lang="en-US" dirty="0"/>
+          </a:p>
+        </p:txBody>
+      </p:sp>
+      <p:sp>
+        <p:nvSpPr>
+          <p:cNvPr id="5" name="Date Placeholder 4"/>
+          <p:cNvSpPr>
+            <a:spLocks noGrp="1"/>
+          </p:cNvSpPr>
+          <p:nvPr>
+            <p:ph type="dt" sz="half" idx="10"/>
+          </p:nvPr>
+        </p:nvSpPr>
+        <p:spPr/>
+        <p:txBody>
+          <a:bodyPr/>
+          <a:lstStyle>
+            <a:lvl1pPr>
+              <a:defRPr>
+                <a:solidFill>
+                  <a:schemeClr val="tx1"/>
+                </a:solidFill>
+              </a:defRPr>
+            </a:lvl1pPr>
+            <a:extLst/>
+          </a:lstStyle>
+          <a:p>
+            <a:fld id="{94B370FF-FE6F-481D-9418-1F1152B5B6AC}" type="datetimeFigureOut">
+              <a:rPr lang="en-IN" smtClean="0"/>
+              <a:pPr/>
+              <a:t>13-05-2020</a:t>
+            </a:fld>
             <a:endParaRPr lang="en-IN"/>
           </a:p>
         </p:txBody>
       </p:sp>
       <p:sp>
         <p:nvSpPr>
-          <p:cNvPr id="4" name="Text Placeholder 3"/>
-          <p:cNvSpPr>
-            <a:spLocks noGrp="1"/>
-          </p:cNvSpPr>
-          <p:nvPr>
-            <p:ph type="body" sz="half" idx="2"/>
+          <p:cNvPr id="6" name="Footer Placeholder 5"/>
+          <p:cNvSpPr>
+            <a:spLocks noGrp="1"/>
+          </p:cNvSpPr>
+          <p:nvPr>
+            <p:ph type="ftr" sz="quarter" idx="11"/>
           </p:nvPr>
         </p:nvSpPr>
         <p:spPr>
           <a:xfrm>
-            <a:off x="1792288" y="5367338"/>
-            <a:ext cx="5486400" cy="804862"/>
+            <a:off x="4380072" y="6407944"/>
+            <a:ext cx="2350681" cy="365125"/>
           </a:xfrm>
         </p:spPr>
         <p:txBody>
           <a:bodyPr/>
           <a:lstStyle>
-            <a:lvl1pPr marL="0" indent="0">
-              <a:buNone/>
-              <a:defRPr sz="1400"/>
+            <a:lvl1pPr>
+              <a:defRPr>
+                <a:solidFill>
+                  <a:schemeClr val="tx1"/>
+                </a:solidFill>
+              </a:defRPr>
             </a:lvl1pPr>
-            <a:lvl2pPr marL="457200" indent="0">
-              <a:buNone/>
-              <a:defRPr sz="1200"/>
-            </a:lvl2pPr>
-            <a:lvl3pPr marL="914400" indent="0">
-              <a:buNone/>
-              <a:defRPr sz="1000"/>
-            </a:lvl3pPr>
-            <a:lvl4pPr marL="1371600" indent="0">
-              <a:buNone/>
-              <a:defRPr sz="900"/>
-            </a:lvl4pPr>
-            <a:lvl5pPr marL="1828800" indent="0">
-              <a:buNone/>
-              <a:defRPr sz="900"/>
-            </a:lvl5pPr>
-            <a:lvl6pPr marL="2286000" indent="0">
-              <a:buNone/>
-              <a:defRPr sz="900"/>
-            </a:lvl6pPr>
-            <a:lvl7pPr marL="2743200" indent="0">
-              <a:buNone/>
-              <a:defRPr sz="900"/>
-            </a:lvl7pPr>
-            <a:lvl8pPr marL="3200400" indent="0">
-              <a:buNone/>
-              <a:defRPr sz="900"/>
-            </a:lvl8pPr>
-            <a:lvl9pPr marL="3657600" indent="0">
-              <a:buNone/>
-              <a:defRPr sz="900"/>
-            </a:lvl9pPr>
+            <a:extLst/>
           </a:lstStyle>
           <a:p>
-            <a:pPr lvl="0"/>
-            <a:r>
-              <a:rPr lang="en-US" smtClean="0"/>
-              <a:t>Click to edit Master text styles</a:t>
-            </a:r>
-          </a:p>
-        </p:txBody>
-      </p:sp>
-      <p:sp>
-        <p:nvSpPr>
-          <p:cNvPr id="5" name="Date Placeholder 4"/>
-          <p:cNvSpPr>
-            <a:spLocks noGrp="1"/>
-          </p:cNvSpPr>
-          <p:nvPr>
-            <p:ph type="dt" sz="half" idx="10"/>
+            <a:endParaRPr lang="en-IN"/>
+          </a:p>
+        </p:txBody>
+      </p:sp>
+      <p:sp>
+        <p:nvSpPr>
+          <p:cNvPr id="7" name="Slide Number Placeholder 6"/>
+          <p:cNvSpPr>
+            <a:spLocks noGrp="1"/>
+          </p:cNvSpPr>
+          <p:nvPr>
+            <p:ph type="sldNum" sz="quarter" idx="12"/>
           </p:nvPr>
         </p:nvSpPr>
         <p:spPr/>
         <p:txBody>
           <a:bodyPr/>
-          <a:lstStyle/>
-          <a:p>
-            <a:fld id="{94B370FF-FE6F-481D-9418-1F1152B5B6AC}" type="datetimeFigureOut">
-              <a:rPr lang="en-IN" smtClean="0"/>
-              <a:t>10-05-2020</a:t>
-            </a:fld>
-            <a:endParaRPr lang="en-IN"/>
-          </a:p>
-        </p:txBody>
-      </p:sp>
-      <p:sp>
-        <p:nvSpPr>
-          <p:cNvPr id="6" name="Footer Placeholder 5"/>
-          <p:cNvSpPr>
-            <a:spLocks noGrp="1"/>
-          </p:cNvSpPr>
-          <p:nvPr>
-            <p:ph type="ftr" sz="quarter" idx="11"/>
-          </p:nvPr>
-        </p:nvSpPr>
-        <p:spPr/>
-        <p:txBody>
-          <a:bodyPr/>
-          <a:lstStyle/>
-          <a:p>
-            <a:endParaRPr lang="en-IN"/>
-          </a:p>
-        </p:txBody>
-      </p:sp>
-      <p:sp>
-        <p:nvSpPr>
-          <p:cNvPr id="7" name="Slide Number Placeholder 6"/>
-          <p:cNvSpPr>
-            <a:spLocks noGrp="1"/>
-          </p:cNvSpPr>
-          <p:nvPr>
-            <p:ph type="sldNum" sz="quarter" idx="12"/>
-          </p:nvPr>
-        </p:nvSpPr>
-        <p:spPr/>
-        <p:txBody>
-          <a:bodyPr/>
-          <a:lstStyle/>
+          <a:lstStyle>
+            <a:lvl1pPr>
+              <a:defRPr>
+                <a:solidFill>
+                  <a:schemeClr val="tx1"/>
+                </a:solidFill>
+              </a:defRPr>
+            </a:lvl1pPr>
+            <a:extLst/>
+          </a:lstStyle>
           <a:p>
             <a:fld id="{A0D76E7C-7FF9-47A2-A2BF-D236EAE866A7}" type="slidenum">
               <a:rPr lang="en-IN" smtClean="0"/>
+              <a:pPr/>
               <a:t>‹#›</a:t>
             </a:fld>
             <a:endParaRPr lang="en-IN"/>
           </a:p>
         </p:txBody>
       </p:sp>
+      <p:sp>
+        <p:nvSpPr>
+          <p:cNvPr id="2" name="Title 1"/>
+          <p:cNvSpPr>
+            <a:spLocks noGrp="1"/>
+          </p:cNvSpPr>
+          <p:nvPr>
+            <p:ph type="title"/>
+          </p:nvPr>
+        </p:nvSpPr>
+        <p:spPr>
+          <a:xfrm>
+            <a:off x="228600" y="4865122"/>
+            <a:ext cx="8075432" cy="562672"/>
+          </a:xfrm>
+          <a:noFill/>
+        </p:spPr>
+        <p:txBody>
+          <a:bodyPr anchor="t">
+            <a:sp3d prstMaterial="softEdge"/>
+          </a:bodyPr>
+          <a:lstStyle>
+            <a:lvl1pPr marR="0" algn="r">
+              <a:buNone/>
+              <a:defRPr sz="3000" b="0">
+                <a:solidFill>
+                  <a:schemeClr val="accent1"/>
+                </a:solidFill>
+                <a:effectLst>
+                  <a:outerShdw blurRad="50800" dist="25000" dir="5400000" algn="t" rotWithShape="0">
+                    <a:prstClr val="black">
+                      <a:alpha val="45000"/>
+                    </a:prstClr>
+                  </a:outerShdw>
+                </a:effectLst>
+              </a:defRPr>
+            </a:lvl1pPr>
+            <a:extLst/>
+          </a:lstStyle>
+          <a:p>
+            <a:r>
+              <a:rPr kumimoji="0" lang="en-US" smtClean="0"/>
+              <a:t>Click to edit Master title style</a:t>
+            </a:r>
+            <a:endParaRPr kumimoji="0" lang="en-US"/>
+          </a:p>
+        </p:txBody>
+      </p:sp>
+      <p:sp>
+        <p:nvSpPr>
+          <p:cNvPr id="8" name="Freeform 7"/>
+          <p:cNvSpPr>
+            <a:spLocks/>
+          </p:cNvSpPr>
+          <p:nvPr/>
+        </p:nvSpPr>
+        <p:spPr bwMode="auto">
+          <a:xfrm>
+            <a:off x="499273" y="5944936"/>
+            <a:ext cx="4940624" cy="921076"/>
+          </a:xfrm>
+          <a:custGeom>
+            <a:avLst>
+              <a:gd name="A1" fmla="val 0"/>
+              <a:gd name="A2" fmla="val 0"/>
+              <a:gd name="A3" fmla="val 0"/>
+              <a:gd name="A4" fmla="val 0"/>
+              <a:gd name="A5" fmla="val 0"/>
+              <a:gd name="A6" fmla="val 0"/>
+              <a:gd name="A7" fmla="val 0"/>
+              <a:gd name="A8" fmla="val 0"/>
+            </a:avLst>
+            <a:gdLst/>
+            <a:ahLst/>
+            <a:cxnLst>
+              <a:cxn ang="0">
+                <a:pos x="0" y="0"/>
+              </a:cxn>
+              <a:cxn ang="0">
+                <a:pos x="5760" y="0"/>
+              </a:cxn>
+              <a:cxn ang="0">
+                <a:pos x="5760" y="528"/>
+              </a:cxn>
+              <a:cxn ang="0">
+                <a:pos x="48" y="0"/>
+              </a:cxn>
+            </a:cxnLst>
+            <a:rect l="0" t="0" r="0" b="0"/>
+            <a:pathLst>
+              <a:path w="7485" h="337">
+                <a:moveTo>
+                  <a:pt x="0" y="2"/>
+                </a:moveTo>
+                <a:lnTo>
+                  <a:pt x="7485" y="337"/>
+                </a:lnTo>
+                <a:lnTo>
+                  <a:pt x="5558" y="337"/>
+                </a:lnTo>
+                <a:lnTo>
+                  <a:pt x="1" y="0"/>
+                </a:lnTo>
+              </a:path>
+            </a:pathLst>
+          </a:custGeom>
+          <a:solidFill>
+            <a:schemeClr val="accent1">
+              <a:tint val="65000"/>
+              <a:satMod val="115000"/>
+              <a:alpha val="40000"/>
+            </a:schemeClr>
+          </a:solidFill>
+          <a:ln w="9525" cap="flat" cmpd="sng" algn="ctr">
+            <a:noFill/>
+            <a:prstDash val="solid"/>
+            <a:round/>
+            <a:headEnd type="none" w="med" len="med"/>
+            <a:tailEnd type="none" w="med" len="med"/>
+          </a:ln>
+          <a:effectLst/>
+        </p:spPr>
+        <p:txBody>
+          <a:bodyPr vert="horz" wrap="square" lIns="91440" tIns="45720" rIns="91440" bIns="45720" anchor="t" compatLnSpc="1"/>
+          <a:lstStyle>
+            <a:extLst/>
+          </a:lstStyle>
+          <a:p>
+            <a:endParaRPr kumimoji="0" lang="en-US"/>
+          </a:p>
+        </p:txBody>
+      </p:sp>
+      <p:sp>
+        <p:nvSpPr>
+          <p:cNvPr id="9" name="Freeform 8"/>
+          <p:cNvSpPr>
+            <a:spLocks/>
+          </p:cNvSpPr>
+          <p:nvPr/>
+        </p:nvSpPr>
+        <p:spPr bwMode="auto">
+          <a:xfrm>
+            <a:off x="485717" y="5939011"/>
+            <a:ext cx="3690451" cy="933450"/>
+          </a:xfrm>
+          <a:custGeom>
+            <a:avLst>
+              <a:gd name="A1" fmla="val 0"/>
+              <a:gd name="A2" fmla="val 0"/>
+              <a:gd name="A3" fmla="val 0"/>
+              <a:gd name="A4" fmla="val 0"/>
+              <a:gd name="A5" fmla="val 0"/>
+              <a:gd name="A6" fmla="val 0"/>
+              <a:gd name="A7" fmla="val 0"/>
+              <a:gd name="A8" fmla="val 0"/>
+            </a:avLst>
+            <a:gdLst/>
+            <a:ahLst/>
+            <a:cxnLst>
+              <a:cxn ang="0">
+                <a:pos x="0" y="0"/>
+              </a:cxn>
+              <a:cxn ang="0">
+                <a:pos x="5760" y="0"/>
+              </a:cxn>
+              <a:cxn ang="0">
+                <a:pos x="5760" y="528"/>
+              </a:cxn>
+              <a:cxn ang="0">
+                <a:pos x="48" y="0"/>
+              </a:cxn>
+            </a:cxnLst>
+            <a:rect l="0" t="0" r="0" b="0"/>
+            <a:pathLst>
+              <a:path w="5591" h="588">
+                <a:moveTo>
+                  <a:pt x="0" y="0"/>
+                </a:moveTo>
+                <a:lnTo>
+                  <a:pt x="5591" y="585"/>
+                </a:lnTo>
+                <a:lnTo>
+                  <a:pt x="4415" y="588"/>
+                </a:lnTo>
+                <a:lnTo>
+                  <a:pt x="12" y="4"/>
+                </a:lnTo>
+              </a:path>
+            </a:pathLst>
+          </a:custGeom>
+          <a:solidFill>
+            <a:srgbClr val="000000">
+              <a:alpha val="100000"/>
+            </a:srgbClr>
+          </a:solidFill>
+          <a:ln w="9525" cap="flat" cmpd="sng" algn="ctr">
+            <a:noFill/>
+            <a:prstDash val="solid"/>
+            <a:round/>
+            <a:headEnd type="none" w="med" len="med"/>
+            <a:tailEnd type="none" w="med" len="med"/>
+          </a:ln>
+          <a:effectLst/>
+        </p:spPr>
+        <p:txBody>
+          <a:bodyPr vert="horz" wrap="square" lIns="91440" tIns="45720" rIns="91440" bIns="45720" anchor="t" compatLnSpc="1"/>
+          <a:lstStyle>
+            <a:extLst/>
+          </a:lstStyle>
+          <a:p>
+            <a:endParaRPr kumimoji="0" lang="en-US"/>
+          </a:p>
+        </p:txBody>
+      </p:sp>
+      <p:sp>
+        <p:nvSpPr>
+          <p:cNvPr id="10" name="Right Triangle 9"/>
+          <p:cNvSpPr>
+            <a:spLocks/>
+          </p:cNvSpPr>
+          <p:nvPr/>
+        </p:nvSpPr>
+        <p:spPr bwMode="auto">
+          <a:xfrm>
+            <a:off x="-6042" y="5791253"/>
+            <a:ext cx="3402314" cy="1080868"/>
+          </a:xfrm>
+          <a:prstGeom prst="rtTriangle">
+            <a:avLst/>
+          </a:prstGeom>
+          <a:blipFill>
+            <a:blip r:embed="rId2" cstate="print">
+              <a:alphaModFix amt="50000"/>
+            </a:blip>
+            <a:tile tx="0" ty="0" sx="50000" sy="50000" flip="none" algn="t"/>
+          </a:blipFill>
+          <a:ln w="12700" cap="rnd" cmpd="thickThin" algn="ctr">
+            <a:noFill/>
+            <a:prstDash val="solid"/>
+          </a:ln>
+          <a:effectLst>
+            <a:fillOverlay blend="mult">
+              <a:gradFill flip="none" rotWithShape="1">
+                <a:gsLst>
+                  <a:gs pos="0">
+                    <a:schemeClr val="accent1">
+                      <a:shade val="20000"/>
+                      <a:satMod val="176000"/>
+                      <a:alpha val="100000"/>
+                    </a:schemeClr>
+                  </a:gs>
+                  <a:gs pos="18000">
+                    <a:schemeClr val="accent1">
+                      <a:shade val="48000"/>
+                      <a:satMod val="153000"/>
+                      <a:alpha val="100000"/>
+                    </a:schemeClr>
+                  </a:gs>
+                  <a:gs pos="43000">
+                    <a:schemeClr val="accent1">
+                      <a:tint val="86000"/>
+                      <a:satMod val="149000"/>
+                      <a:alpha val="100000"/>
+                    </a:schemeClr>
+                  </a:gs>
+                  <a:gs pos="45000">
+                    <a:schemeClr val="accent1">
+                      <a:tint val="85000"/>
+                      <a:satMod val="150000"/>
+                      <a:alpha val="100000"/>
+                    </a:schemeClr>
+                  </a:gs>
+                  <a:gs pos="50000">
+                    <a:schemeClr val="accent1">
+                      <a:tint val="86000"/>
+                      <a:satMod val="149000"/>
+                      <a:alpha val="100000"/>
+                    </a:schemeClr>
+                  </a:gs>
+                  <a:gs pos="79000">
+                    <a:schemeClr val="accent1">
+                      <a:shade val="53000"/>
+                      <a:satMod val="150000"/>
+                      <a:alpha val="100000"/>
+                    </a:schemeClr>
+                  </a:gs>
+                  <a:gs pos="100000">
+                    <a:schemeClr val="accent1">
+                      <a:shade val="25000"/>
+                      <a:satMod val="170000"/>
+                      <a:alpha val="100000"/>
+                    </a:schemeClr>
+                  </a:gs>
+                </a:gsLst>
+                <a:lin ang="450000" scaled="1"/>
+                <a:tileRect/>
+              </a:gradFill>
+            </a:fillOverlay>
+          </a:effectLst>
+        </p:spPr>
+        <p:style>
+          <a:lnRef idx="3">
+            <a:schemeClr val="lt1"/>
+          </a:lnRef>
+          <a:fillRef idx="1">
+            <a:schemeClr val="accent1"/>
+          </a:fillRef>
+          <a:effectRef idx="1">
+            <a:schemeClr val="accent1"/>
+          </a:effectRef>
+          <a:fontRef idx="minor">
+            <a:schemeClr val="lt1"/>
+          </a:fontRef>
+        </p:style>
+        <p:txBody>
+          <a:bodyPr vert="horz" wrap="square" lIns="91440" tIns="45720" rIns="91440" bIns="45720" anchor="ctr" compatLnSpc="1"/>
+          <a:lstStyle>
+            <a:extLst/>
+          </a:lstStyle>
+          <a:p>
+            <a:pPr algn="ctr" eaLnBrk="1" latinLnBrk="0" hangingPunct="1"/>
+            <a:endParaRPr kumimoji="0" lang="en-US"/>
+          </a:p>
+        </p:txBody>
+      </p:sp>
+      <p:cxnSp>
+        <p:nvCxnSpPr>
+          <p:cNvPr id="11" name="Straight Connector 10"/>
+          <p:cNvCxnSpPr/>
+          <p:nvPr/>
+        </p:nvCxnSpPr>
+        <p:spPr>
+          <a:xfrm>
+            <a:off x="-9237" y="5787738"/>
+            <a:ext cx="3405509" cy="1084383"/>
+          </a:xfrm>
+          <a:prstGeom prst="line">
+            <a:avLst/>
+          </a:prstGeom>
+          <a:noFill/>
+          <a:ln w="12065" cap="flat" cmpd="sng" algn="ctr">
+            <a:gradFill>
+              <a:gsLst>
+                <a:gs pos="45000">
+                  <a:schemeClr val="accent1">
+                    <a:tint val="70000"/>
+                    <a:satMod val="110000"/>
+                  </a:schemeClr>
+                </a:gs>
+                <a:gs pos="15000">
+                  <a:schemeClr val="accent1">
+                    <a:shade val="40000"/>
+                    <a:satMod val="110000"/>
+                  </a:schemeClr>
+                </a:gs>
+              </a:gsLst>
+              <a:lin ang="5400000" scaled="1"/>
+            </a:gradFill>
+            <a:prstDash val="solid"/>
+            <a:miter lim="800000"/>
+          </a:ln>
+          <a:effectLst/>
+        </p:spPr>
+        <p:style>
+          <a:lnRef idx="2">
+            <a:schemeClr val="accent1"/>
+          </a:lnRef>
+          <a:fillRef idx="0">
+            <a:schemeClr val="accent1"/>
+          </a:fillRef>
+          <a:effectRef idx="1">
+            <a:schemeClr val="accent1"/>
+          </a:effectRef>
+          <a:fontRef idx="minor">
+            <a:schemeClr val="tx1"/>
+          </a:fontRef>
+        </p:style>
+      </p:cxnSp>
+      <p:sp>
+        <p:nvSpPr>
+          <p:cNvPr id="12" name="Chevron 11"/>
+          <p:cNvSpPr/>
+          <p:nvPr/>
+        </p:nvSpPr>
+        <p:spPr>
+          <a:xfrm>
+            <a:off x="8664112" y="4988440"/>
+            <a:ext cx="182880" cy="228600"/>
+          </a:xfrm>
+          <a:prstGeom prst="chevron">
+            <a:avLst>
+              <a:gd name="adj" fmla="val 50000"/>
+            </a:avLst>
+          </a:prstGeom>
+          <a:gradFill flip="none" rotWithShape="1">
+            <a:gsLst>
+              <a:gs pos="0">
+                <a:schemeClr val="accent1">
+                  <a:shade val="60000"/>
+                  <a:satMod val="125000"/>
+                </a:schemeClr>
+              </a:gs>
+              <a:gs pos="72000">
+                <a:schemeClr val="accent1">
+                  <a:tint val="90000"/>
+                  <a:satMod val="138000"/>
+                </a:schemeClr>
+              </a:gs>
+              <a:gs pos="100000">
+                <a:schemeClr val="accent1">
+                  <a:tint val="76000"/>
+                  <a:satMod val="136000"/>
+                </a:schemeClr>
+              </a:gs>
+            </a:gsLst>
+            <a:lin ang="16200000" scaled="0"/>
+          </a:gradFill>
+          <a:ln w="3175" cap="rnd" cmpd="sng" algn="ctr">
+            <a:solidFill>
+              <a:schemeClr val="accent1">
+                <a:shade val="50000"/>
+              </a:schemeClr>
+            </a:solidFill>
+            <a:prstDash val="solid"/>
+          </a:ln>
+          <a:effectLst>
+            <a:outerShdw blurRad="50800" dist="25400" dir="5400000">
+              <a:srgbClr val="000000">
+                <a:alpha val="46000"/>
+              </a:srgbClr>
+            </a:outerShdw>
+          </a:effectLst>
+        </p:spPr>
+        <p:style>
+          <a:lnRef idx="1">
+            <a:schemeClr val="accent1"/>
+          </a:lnRef>
+          <a:fillRef idx="3">
+            <a:schemeClr val="accent1"/>
+          </a:fillRef>
+          <a:effectRef idx="2">
+            <a:schemeClr val="accent1"/>
+          </a:effectRef>
+          <a:fontRef idx="minor">
+            <a:schemeClr val="lt1"/>
+          </a:fontRef>
+        </p:style>
+        <p:txBody>
+          <a:bodyPr anchor="ctr"/>
+          <a:lstStyle>
+            <a:extLst/>
+          </a:lstStyle>
+          <a:p>
+            <a:pPr algn="l" eaLnBrk="1" latinLnBrk="0" hangingPunct="1"/>
+            <a:endParaRPr kumimoji="0" lang="en-US"/>
+          </a:p>
+        </p:txBody>
+      </p:sp>
+      <p:sp>
+        <p:nvSpPr>
+          <p:cNvPr id="13" name="Chevron 12"/>
+          <p:cNvSpPr/>
+          <p:nvPr/>
+        </p:nvSpPr>
+        <p:spPr>
+          <a:xfrm>
+            <a:off x="8477696" y="4988440"/>
+            <a:ext cx="182880" cy="228600"/>
+          </a:xfrm>
+          <a:prstGeom prst="chevron">
+            <a:avLst>
+              <a:gd name="adj" fmla="val 50000"/>
+            </a:avLst>
+          </a:prstGeom>
+          <a:gradFill flip="none" rotWithShape="1">
+            <a:gsLst>
+              <a:gs pos="0">
+                <a:schemeClr val="accent1">
+                  <a:shade val="60000"/>
+                  <a:satMod val="125000"/>
+                </a:schemeClr>
+              </a:gs>
+              <a:gs pos="72000">
+                <a:schemeClr val="accent1">
+                  <a:tint val="90000"/>
+                  <a:satMod val="138000"/>
+                </a:schemeClr>
+              </a:gs>
+              <a:gs pos="100000">
+                <a:schemeClr val="accent1">
+                  <a:tint val="76000"/>
+                  <a:satMod val="136000"/>
+                </a:schemeClr>
+              </a:gs>
+            </a:gsLst>
+            <a:lin ang="16200000" scaled="0"/>
+          </a:gradFill>
+          <a:ln w="3175" cap="rnd" cmpd="sng" algn="ctr">
+            <a:solidFill>
+              <a:schemeClr val="accent1">
+                <a:shade val="50000"/>
+              </a:schemeClr>
+            </a:solidFill>
+            <a:prstDash val="solid"/>
+          </a:ln>
+          <a:effectLst>
+            <a:outerShdw blurRad="50800" dist="25400" dir="5400000">
+              <a:srgbClr val="000000">
+                <a:alpha val="46000"/>
+              </a:srgbClr>
+            </a:outerShdw>
+          </a:effectLst>
+        </p:spPr>
+        <p:style>
+          <a:lnRef idx="1">
+            <a:schemeClr val="accent1"/>
+          </a:lnRef>
+          <a:fillRef idx="3">
+            <a:schemeClr val="accent1"/>
+          </a:fillRef>
+          <a:effectRef idx="2">
+            <a:schemeClr val="accent1"/>
+          </a:effectRef>
+          <a:fontRef idx="minor">
+            <a:schemeClr val="lt1"/>
+          </a:fontRef>
+        </p:style>
+        <p:txBody>
+          <a:bodyPr anchor="ctr"/>
+          <a:lstStyle>
+            <a:extLst/>
+          </a:lstStyle>
+          <a:p>
+            <a:pPr algn="l" eaLnBrk="1" latinLnBrk="0" hangingPunct="1"/>
+            <a:endParaRPr kumimoji="0" lang="en-US"/>
+          </a:p>
+        </p:txBody>
+      </p:sp>
     </p:spTree>
   </p:cSld>
   <p:clrMapOvr>
-    <a:masterClrMapping/>
+    <a:overrideClrMapping bg1="dk1" tx1="lt1" bg2="dk2" tx2="lt2" accent1="accent1" accent2="accent2" accent3="accent3" accent4="accent4" accent5="accent5" accent6="accent6" hlink="hlink" folHlink="folHlink"/>
   </p:clrMapOvr>
 </p:sldLayout>
 </file>
@@ -3002,7 +4388,337 @@
       </p:grpSpPr>
       <p:sp>
         <p:nvSpPr>
-          <p:cNvPr id="2" name="Title Placeholder 1"/>
+          <p:cNvPr id="13" name="Freeform 12"/>
+          <p:cNvSpPr>
+            <a:spLocks/>
+          </p:cNvSpPr>
+          <p:nvPr/>
+        </p:nvSpPr>
+        <p:spPr bwMode="auto">
+          <a:xfrm>
+            <a:off x="499273" y="5944936"/>
+            <a:ext cx="4940624" cy="921076"/>
+          </a:xfrm>
+          <a:custGeom>
+            <a:avLst>
+              <a:gd name="A1" fmla="val 0"/>
+              <a:gd name="A2" fmla="val 0"/>
+              <a:gd name="A3" fmla="val 0"/>
+              <a:gd name="A4" fmla="val 0"/>
+              <a:gd name="A5" fmla="val 0"/>
+              <a:gd name="A6" fmla="val 0"/>
+              <a:gd name="A7" fmla="val 0"/>
+              <a:gd name="A8" fmla="val 0"/>
+            </a:avLst>
+            <a:gdLst/>
+            <a:ahLst/>
+            <a:cxnLst>
+              <a:cxn ang="0">
+                <a:pos x="0" y="0"/>
+              </a:cxn>
+              <a:cxn ang="0">
+                <a:pos x="5760" y="0"/>
+              </a:cxn>
+              <a:cxn ang="0">
+                <a:pos x="5760" y="528"/>
+              </a:cxn>
+              <a:cxn ang="0">
+                <a:pos x="48" y="0"/>
+              </a:cxn>
+            </a:cxnLst>
+            <a:rect l="0" t="0" r="0" b="0"/>
+            <a:pathLst>
+              <a:path w="7485" h="337">
+                <a:moveTo>
+                  <a:pt x="0" y="2"/>
+                </a:moveTo>
+                <a:lnTo>
+                  <a:pt x="7485" y="337"/>
+                </a:lnTo>
+                <a:lnTo>
+                  <a:pt x="5558" y="337"/>
+                </a:lnTo>
+                <a:lnTo>
+                  <a:pt x="1" y="0"/>
+                </a:lnTo>
+              </a:path>
+            </a:pathLst>
+          </a:custGeom>
+          <a:solidFill>
+            <a:schemeClr val="accent1">
+              <a:tint val="65000"/>
+              <a:satMod val="115000"/>
+              <a:alpha val="40000"/>
+            </a:schemeClr>
+          </a:solidFill>
+          <a:ln w="9525" cap="flat" cmpd="sng" algn="ctr">
+            <a:noFill/>
+            <a:prstDash val="solid"/>
+            <a:round/>
+            <a:headEnd type="none" w="med" len="med"/>
+            <a:tailEnd type="none" w="med" len="med"/>
+          </a:ln>
+          <a:effectLst/>
+        </p:spPr>
+        <p:txBody>
+          <a:bodyPr vert="horz" wrap="square" lIns="91440" tIns="45720" rIns="91440" bIns="45720" anchor="t" compatLnSpc="1"/>
+          <a:lstStyle>
+            <a:extLst/>
+          </a:lstStyle>
+          <a:p>
+            <a:endParaRPr kumimoji="0" lang="en-US"/>
+          </a:p>
+        </p:txBody>
+      </p:sp>
+      <p:sp>
+        <p:nvSpPr>
+          <p:cNvPr id="12" name="Freeform 11"/>
+          <p:cNvSpPr>
+            <a:spLocks/>
+          </p:cNvSpPr>
+          <p:nvPr/>
+        </p:nvSpPr>
+        <p:spPr bwMode="auto">
+          <a:xfrm>
+            <a:off x="485717" y="5939011"/>
+            <a:ext cx="3690451" cy="933450"/>
+          </a:xfrm>
+          <a:custGeom>
+            <a:avLst>
+              <a:gd name="A1" fmla="val 0"/>
+              <a:gd name="A2" fmla="val 0"/>
+              <a:gd name="A3" fmla="val 0"/>
+              <a:gd name="A4" fmla="val 0"/>
+              <a:gd name="A5" fmla="val 0"/>
+              <a:gd name="A6" fmla="val 0"/>
+              <a:gd name="A7" fmla="val 0"/>
+              <a:gd name="A8" fmla="val 0"/>
+            </a:avLst>
+            <a:gdLst/>
+            <a:ahLst/>
+            <a:cxnLst>
+              <a:cxn ang="0">
+                <a:pos x="0" y="0"/>
+              </a:cxn>
+              <a:cxn ang="0">
+                <a:pos x="5760" y="0"/>
+              </a:cxn>
+              <a:cxn ang="0">
+                <a:pos x="5760" y="528"/>
+              </a:cxn>
+              <a:cxn ang="0">
+                <a:pos x="48" y="0"/>
+              </a:cxn>
+            </a:cxnLst>
+            <a:rect l="0" t="0" r="0" b="0"/>
+            <a:pathLst>
+              <a:path w="5591" h="588">
+                <a:moveTo>
+                  <a:pt x="0" y="0"/>
+                </a:moveTo>
+                <a:lnTo>
+                  <a:pt x="5591" y="585"/>
+                </a:lnTo>
+                <a:lnTo>
+                  <a:pt x="4415" y="588"/>
+                </a:lnTo>
+                <a:lnTo>
+                  <a:pt x="12" y="4"/>
+                </a:lnTo>
+              </a:path>
+            </a:pathLst>
+          </a:custGeom>
+          <a:solidFill>
+            <a:srgbClr val="000000">
+              <a:alpha val="100000"/>
+            </a:srgbClr>
+          </a:solidFill>
+          <a:ln w="9525" cap="flat" cmpd="sng" algn="ctr">
+            <a:noFill/>
+            <a:prstDash val="solid"/>
+            <a:round/>
+            <a:headEnd type="none" w="med" len="med"/>
+            <a:tailEnd type="none" w="med" len="med"/>
+          </a:ln>
+          <a:effectLst/>
+        </p:spPr>
+        <p:txBody>
+          <a:bodyPr vert="horz" wrap="square" lIns="91440" tIns="45720" rIns="91440" bIns="45720" anchor="t" compatLnSpc="1"/>
+          <a:lstStyle>
+            <a:extLst/>
+          </a:lstStyle>
+          <a:p>
+            <a:endParaRPr kumimoji="0" lang="en-US"/>
+          </a:p>
+        </p:txBody>
+      </p:sp>
+      <p:sp>
+        <p:nvSpPr>
+          <p:cNvPr id="14" name="Right Triangle 13"/>
+          <p:cNvSpPr>
+            <a:spLocks/>
+          </p:cNvSpPr>
+          <p:nvPr/>
+        </p:nvSpPr>
+        <p:spPr bwMode="auto">
+          <a:xfrm>
+            <a:off x="-6042" y="5791253"/>
+            <a:ext cx="3402314" cy="1080868"/>
+          </a:xfrm>
+          <a:prstGeom prst="rtTriangle">
+            <a:avLst/>
+          </a:prstGeom>
+          <a:blipFill>
+            <a:blip r:embed="rId13" cstate="print">
+              <a:alphaModFix amt="50000"/>
+            </a:blip>
+            <a:tile tx="0" ty="0" sx="50000" sy="50000" flip="none" algn="t"/>
+          </a:blipFill>
+          <a:ln w="12700" cap="rnd" cmpd="thickThin" algn="ctr">
+            <a:noFill/>
+            <a:prstDash val="solid"/>
+          </a:ln>
+          <a:effectLst>
+            <a:fillOverlay blend="mult">
+              <a:gradFill flip="none" rotWithShape="1">
+                <a:gsLst>
+                  <a:gs pos="0">
+                    <a:schemeClr val="accent1">
+                      <a:shade val="20000"/>
+                      <a:satMod val="176000"/>
+                      <a:alpha val="100000"/>
+                    </a:schemeClr>
+                  </a:gs>
+                  <a:gs pos="18000">
+                    <a:schemeClr val="accent1">
+                      <a:shade val="48000"/>
+                      <a:satMod val="153000"/>
+                      <a:alpha val="100000"/>
+                    </a:schemeClr>
+                  </a:gs>
+                  <a:gs pos="43000">
+                    <a:schemeClr val="accent1">
+                      <a:tint val="86000"/>
+                      <a:satMod val="149000"/>
+                      <a:alpha val="100000"/>
+                    </a:schemeClr>
+                  </a:gs>
+                  <a:gs pos="45000">
+                    <a:schemeClr val="accent1">
+                      <a:tint val="85000"/>
+                      <a:satMod val="150000"/>
+                      <a:alpha val="100000"/>
+                    </a:schemeClr>
+                  </a:gs>
+                  <a:gs pos="50000">
+                    <a:schemeClr val="accent1">
+                      <a:tint val="86000"/>
+                      <a:satMod val="149000"/>
+                      <a:alpha val="100000"/>
+                    </a:schemeClr>
+                  </a:gs>
+                  <a:gs pos="79000">
+                    <a:schemeClr val="accent1">
+                      <a:shade val="53000"/>
+                      <a:satMod val="150000"/>
+                      <a:alpha val="100000"/>
+                    </a:schemeClr>
+                  </a:gs>
+                  <a:gs pos="100000">
+                    <a:schemeClr val="accent1">
+                      <a:shade val="25000"/>
+                      <a:satMod val="170000"/>
+                      <a:alpha val="100000"/>
+                    </a:schemeClr>
+                  </a:gs>
+                </a:gsLst>
+                <a:lin ang="450000" scaled="1"/>
+                <a:tileRect/>
+              </a:gradFill>
+            </a:fillOverlay>
+          </a:effectLst>
+        </p:spPr>
+        <p:style>
+          <a:lnRef idx="3">
+            <a:schemeClr val="lt1"/>
+          </a:lnRef>
+          <a:fillRef idx="1">
+            <a:schemeClr val="accent1"/>
+          </a:fillRef>
+          <a:effectRef idx="1">
+            <a:schemeClr val="accent1"/>
+          </a:effectRef>
+          <a:fontRef idx="minor">
+            <a:schemeClr val="lt1"/>
+          </a:fontRef>
+        </p:style>
+        <p:txBody>
+          <a:bodyPr vert="horz" wrap="square" lIns="91440" tIns="45720" rIns="91440" bIns="45720" anchor="ctr" compatLnSpc="1"/>
+          <a:lstStyle>
+            <a:extLst/>
+          </a:lstStyle>
+          <a:p>
+            <a:pPr algn="ctr" eaLnBrk="1" latinLnBrk="0" hangingPunct="1"/>
+            <a:endParaRPr kumimoji="0" lang="en-US"/>
+          </a:p>
+        </p:txBody>
+      </p:sp>
+      <p:cxnSp>
+        <p:nvCxnSpPr>
+          <p:cNvPr id="15" name="Straight Connector 14"/>
+          <p:cNvCxnSpPr/>
+          <p:nvPr/>
+        </p:nvCxnSpPr>
+        <p:spPr>
+          <a:xfrm>
+            <a:off x="-9237" y="5787738"/>
+            <a:ext cx="3405509" cy="1084383"/>
+          </a:xfrm>
+          <a:prstGeom prst="line">
+            <a:avLst/>
+          </a:prstGeom>
+          <a:noFill/>
+          <a:ln w="12065" cap="flat" cmpd="sng" algn="ctr">
+            <a:gradFill>
+              <a:gsLst>
+                <a:gs pos="45000">
+                  <a:schemeClr val="accent1">
+                    <a:tint val="70000"/>
+                    <a:satMod val="110000"/>
+                  </a:schemeClr>
+                </a:gs>
+                <a:gs pos="15000">
+                  <a:schemeClr val="accent1">
+                    <a:shade val="40000"/>
+                    <a:satMod val="110000"/>
+                  </a:schemeClr>
+                </a:gs>
+              </a:gsLst>
+              <a:lin ang="5400000" scaled="1"/>
+            </a:gradFill>
+            <a:prstDash val="solid"/>
+            <a:miter lim="800000"/>
+          </a:ln>
+          <a:effectLst/>
+        </p:spPr>
+        <p:style>
+          <a:lnRef idx="2">
+            <a:schemeClr val="accent1"/>
+          </a:lnRef>
+          <a:fillRef idx="0">
+            <a:schemeClr val="accent1"/>
+          </a:fillRef>
+          <a:effectRef idx="1">
+            <a:schemeClr val="accent1"/>
+          </a:effectRef>
+          <a:fontRef idx="minor">
+            <a:schemeClr val="tx1"/>
+          </a:fontRef>
+        </p:style>
+      </p:cxnSp>
+      <p:sp>
+        <p:nvSpPr>
+          <p:cNvPr id="9" name="Title Placeholder 8"/>
           <p:cNvSpPr>
             <a:spLocks noGrp="1"/>
           </p:cNvSpPr>
@@ -3020,22 +4736,31 @@
           </a:prstGeom>
         </p:spPr>
         <p:txBody>
-          <a:bodyPr vert="horz" lIns="91440" tIns="45720" rIns="91440" bIns="45720" rtlCol="0" anchor="ctr">
+          <a:bodyPr vert="horz" anchor="ctr">
             <a:normAutofit/>
+            <a:scene3d>
+              <a:camera prst="orthographicFront"/>
+              <a:lightRig rig="soft" dir="t"/>
+            </a:scene3d>
+            <a:sp3d prstMaterial="softEdge">
+              <a:bevelT w="25400" h="25400"/>
+            </a:sp3d>
           </a:bodyPr>
-          <a:lstStyle/>
-          <a:p>
-            <a:r>
-              <a:rPr lang="en-US" smtClean="0"/>
+          <a:lstStyle>
+            <a:extLst/>
+          </a:lstStyle>
+          <a:p>
+            <a:r>
+              <a:rPr kumimoji="0" lang="en-US" smtClean="0"/>
               <a:t>Click to edit Master title style</a:t>
             </a:r>
-            <a:endParaRPr lang="en-IN"/>
-          </a:p>
-        </p:txBody>
-      </p:sp>
-      <p:sp>
-        <p:nvSpPr>
-          <p:cNvPr id="3" name="Text Placeholder 2"/>
+            <a:endParaRPr kumimoji="0" lang="en-US"/>
+          </a:p>
+        </p:txBody>
+      </p:sp>
+      <p:sp>
+        <p:nvSpPr>
+          <p:cNvPr id="30" name="Text Placeholder 29"/>
           <p:cNvSpPr>
             <a:spLocks noGrp="1"/>
           </p:cNvSpPr>
@@ -3045,7 +4770,7 @@
         </p:nvSpPr>
         <p:spPr>
           <a:xfrm>
-            <a:off x="457200" y="1600200"/>
+            <a:off x="457200" y="1481328"/>
             <a:ext cx="8229600" cy="4525963"/>
           </a:xfrm>
           <a:prstGeom prst="rect">
@@ -3053,51 +4778,53 @@
           </a:prstGeom>
         </p:spPr>
         <p:txBody>
-          <a:bodyPr vert="horz" lIns="91440" tIns="45720" rIns="91440" bIns="45720" rtlCol="0">
+          <a:bodyPr vert="horz">
             <a:normAutofit/>
           </a:bodyPr>
-          <a:lstStyle/>
-          <a:p>
-            <a:pPr lvl="0"/>
-            <a:r>
-              <a:rPr lang="en-US" smtClean="0"/>
+          <a:lstStyle>
+            <a:extLst/>
+          </a:lstStyle>
+          <a:p>
+            <a:pPr lvl="0" eaLnBrk="1" latinLnBrk="0" hangingPunct="1"/>
+            <a:r>
+              <a:rPr kumimoji="0" lang="en-US" smtClean="0"/>
               <a:t>Click to edit Master text styles</a:t>
             </a:r>
           </a:p>
           <a:p>
-            <a:pPr lvl="1"/>
-            <a:r>
-              <a:rPr lang="en-US" smtClean="0"/>
+            <a:pPr lvl="1" eaLnBrk="1" latinLnBrk="0" hangingPunct="1"/>
+            <a:r>
+              <a:rPr kumimoji="0" lang="en-US" smtClean="0"/>
               <a:t>Second level</a:t>
             </a:r>
           </a:p>
           <a:p>
-            <a:pPr lvl="2"/>
-            <a:r>
-              <a:rPr lang="en-US" smtClean="0"/>
+            <a:pPr lvl="2" eaLnBrk="1" latinLnBrk="0" hangingPunct="1"/>
+            <a:r>
+              <a:rPr kumimoji="0" lang="en-US" smtClean="0"/>
               <a:t>Third level</a:t>
             </a:r>
           </a:p>
           <a:p>
-            <a:pPr lvl="3"/>
-            <a:r>
-              <a:rPr lang="en-US" smtClean="0"/>
+            <a:pPr lvl="3" eaLnBrk="1" latinLnBrk="0" hangingPunct="1"/>
+            <a:r>
+              <a:rPr kumimoji="0" lang="en-US" smtClean="0"/>
               <a:t>Fourth level</a:t>
             </a:r>
           </a:p>
           <a:p>
-            <a:pPr lvl="4"/>
-            <a:r>
-              <a:rPr lang="en-US" smtClean="0"/>
+            <a:pPr lvl="4" eaLnBrk="1" latinLnBrk="0" hangingPunct="1"/>
+            <a:r>
+              <a:rPr kumimoji="0" lang="en-US" smtClean="0"/>
               <a:t>Fifth level</a:t>
             </a:r>
-            <a:endParaRPr lang="en-IN"/>
-          </a:p>
-        </p:txBody>
-      </p:sp>
-      <p:sp>
-        <p:nvSpPr>
-          <p:cNvPr id="4" name="Date Placeholder 3"/>
+            <a:endParaRPr kumimoji="0" lang="en-US"/>
+          </a:p>
+        </p:txBody>
+      </p:sp>
+      <p:sp>
+        <p:nvSpPr>
+          <p:cNvPr id="10" name="Date Placeholder 9"/>
           <p:cNvSpPr>
             <a:spLocks noGrp="1"/>
           </p:cNvSpPr>
@@ -3107,30 +4834,30 @@
         </p:nvSpPr>
         <p:spPr>
           <a:xfrm>
-            <a:off x="457200" y="6356350"/>
-            <a:ext cx="2133600" cy="365125"/>
+            <a:off x="6727032" y="6407944"/>
+            <a:ext cx="1920240" cy="365760"/>
           </a:xfrm>
           <a:prstGeom prst="rect">
             <a:avLst/>
           </a:prstGeom>
         </p:spPr>
         <p:txBody>
-          <a:bodyPr vert="horz" lIns="91440" tIns="45720" rIns="91440" bIns="45720" rtlCol="0" anchor="ctr"/>
+          <a:bodyPr vert="horz" anchor="b"/>
           <a:lstStyle>
-            <a:lvl1pPr algn="l">
-              <a:defRPr sz="1200">
+            <a:lvl1pPr algn="l" eaLnBrk="1" latinLnBrk="0" hangingPunct="1">
+              <a:defRPr kumimoji="0" sz="1000">
                 <a:solidFill>
-                  <a:schemeClr val="tx1">
-                    <a:tint val="75000"/>
-                  </a:schemeClr>
+                  <a:schemeClr val="tx1"/>
                 </a:solidFill>
               </a:defRPr>
             </a:lvl1pPr>
+            <a:extLst/>
           </a:lstStyle>
           <a:p>
             <a:fld id="{94B370FF-FE6F-481D-9418-1F1152B5B6AC}" type="datetimeFigureOut">
               <a:rPr lang="en-IN" smtClean="0"/>
-              <a:t>10-05-2020</a:t>
+              <a:pPr/>
+              <a:t>13-05-2020</a:t>
             </a:fld>
             <a:endParaRPr lang="en-IN"/>
           </a:p>
@@ -3138,7 +4865,7 @@
       </p:sp>
       <p:sp>
         <p:nvSpPr>
-          <p:cNvPr id="5" name="Footer Placeholder 4"/>
+          <p:cNvPr id="22" name="Footer Placeholder 21"/>
           <p:cNvSpPr>
             <a:spLocks noGrp="1"/>
           </p:cNvSpPr>
@@ -3148,25 +4875,24 @@
         </p:nvSpPr>
         <p:spPr>
           <a:xfrm>
-            <a:off x="3124200" y="6356350"/>
-            <a:ext cx="2895600" cy="365125"/>
+            <a:off x="4380072" y="6407944"/>
+            <a:ext cx="2350681" cy="365125"/>
           </a:xfrm>
           <a:prstGeom prst="rect">
             <a:avLst/>
           </a:prstGeom>
         </p:spPr>
         <p:txBody>
-          <a:bodyPr vert="horz" lIns="91440" tIns="45720" rIns="91440" bIns="45720" rtlCol="0" anchor="ctr"/>
+          <a:bodyPr vert="horz" anchor="b"/>
           <a:lstStyle>
-            <a:lvl1pPr algn="ctr">
-              <a:defRPr sz="1200">
+            <a:lvl1pPr algn="r" eaLnBrk="1" latinLnBrk="0" hangingPunct="1">
+              <a:defRPr kumimoji="0" sz="1000">
                 <a:solidFill>
-                  <a:schemeClr val="tx1">
-                    <a:tint val="75000"/>
-                  </a:schemeClr>
+                  <a:schemeClr val="tx1"/>
                 </a:solidFill>
               </a:defRPr>
             </a:lvl1pPr>
+            <a:extLst/>
           </a:lstStyle>
           <a:p>
             <a:endParaRPr lang="en-IN"/>
@@ -3175,7 +4901,7 @@
       </p:sp>
       <p:sp>
         <p:nvSpPr>
-          <p:cNvPr id="6" name="Slide Number Placeholder 5"/>
+          <p:cNvPr id="18" name="Slide Number Placeholder 17"/>
           <p:cNvSpPr>
             <a:spLocks noGrp="1"/>
           </p:cNvSpPr>
@@ -3185,29 +4911,29 @@
         </p:nvSpPr>
         <p:spPr>
           <a:xfrm>
-            <a:off x="6553200" y="6356350"/>
-            <a:ext cx="2133600" cy="365125"/>
+            <a:off x="8647272" y="6407944"/>
+            <a:ext cx="365760" cy="365125"/>
           </a:xfrm>
           <a:prstGeom prst="rect">
             <a:avLst/>
           </a:prstGeom>
         </p:spPr>
         <p:txBody>
-          <a:bodyPr vert="horz" lIns="91440" tIns="45720" rIns="91440" bIns="45720" rtlCol="0" anchor="ctr"/>
+          <a:bodyPr vert="horz" anchor="b"/>
           <a:lstStyle>
-            <a:lvl1pPr algn="r">
-              <a:defRPr sz="1200">
+            <a:lvl1pPr algn="r" eaLnBrk="1" latinLnBrk="0" hangingPunct="1">
+              <a:defRPr kumimoji="0" sz="1000" b="0">
                 <a:solidFill>
-                  <a:schemeClr val="tx1">
-                    <a:tint val="75000"/>
-                  </a:schemeClr>
+                  <a:schemeClr val="tx1"/>
                 </a:solidFill>
               </a:defRPr>
             </a:lvl1pPr>
+            <a:extLst/>
           </a:lstStyle>
           <a:p>
             <a:fld id="{A0D76E7C-7FF9-47A2-A2BF-D236EAE866A7}" type="slidenum">
               <a:rPr lang="en-IN" smtClean="0"/>
+              <a:pPr/>
               <a:t>‹#›</a:t>
             </a:fld>
             <a:endParaRPr lang="en-IN"/>
@@ -3218,43 +4944,58 @@
   </p:cSld>
   <p:clrMap bg1="lt1" tx1="dk1" bg2="lt2" tx2="dk2" accent1="accent1" accent2="accent2" accent3="accent3" accent4="accent4" accent5="accent5" accent6="accent6" hlink="hlink" folHlink="folHlink"/>
   <p:sldLayoutIdLst>
-    <p:sldLayoutId id="2147483649" r:id="rId1"/>
-    <p:sldLayoutId id="2147483650" r:id="rId2"/>
-    <p:sldLayoutId id="2147483651" r:id="rId3"/>
-    <p:sldLayoutId id="2147483652" r:id="rId4"/>
-    <p:sldLayoutId id="2147483653" r:id="rId5"/>
-    <p:sldLayoutId id="2147483654" r:id="rId6"/>
-    <p:sldLayoutId id="2147483655" r:id="rId7"/>
-    <p:sldLayoutId id="2147483656" r:id="rId8"/>
-    <p:sldLayoutId id="2147483657" r:id="rId9"/>
-    <p:sldLayoutId id="2147483658" r:id="rId10"/>
-    <p:sldLayoutId id="2147483659" r:id="rId11"/>
+    <p:sldLayoutId id="2147483661" r:id="rId1"/>
+    <p:sldLayoutId id="2147483662" r:id="rId2"/>
+    <p:sldLayoutId id="2147483663" r:id="rId3"/>
+    <p:sldLayoutId id="2147483664" r:id="rId4"/>
+    <p:sldLayoutId id="2147483665" r:id="rId5"/>
+    <p:sldLayoutId id="2147483666" r:id="rId6"/>
+    <p:sldLayoutId id="2147483667" r:id="rId7"/>
+    <p:sldLayoutId id="2147483668" r:id="rId8"/>
+    <p:sldLayoutId id="2147483669" r:id="rId9"/>
+    <p:sldLayoutId id="2147483670" r:id="rId10"/>
+    <p:sldLayoutId id="2147483671" r:id="rId11"/>
   </p:sldLayoutIdLst>
   <p:txStyles>
     <p:titleStyle>
-      <a:lvl1pPr algn="ctr" defTabSz="914400" rtl="0" eaLnBrk="1" latinLnBrk="0" hangingPunct="1">
+      <a:lvl1pPr algn="l" rtl="0" eaLnBrk="1" latinLnBrk="0" hangingPunct="1">
         <a:spcBef>
           <a:spcPct val="0"/>
         </a:spcBef>
         <a:buNone/>
-        <a:defRPr sz="4400" kern="1200">
+        <a:defRPr kumimoji="0" sz="4100" b="1" kern="1200">
           <a:solidFill>
-            <a:schemeClr val="tx1"/>
+            <a:schemeClr val="tx2"/>
           </a:solidFill>
+          <a:effectLst>
+            <a:outerShdw blurRad="31750" dist="25400" dir="5400000" algn="tl" rotWithShape="0">
+              <a:srgbClr val="000000">
+                <a:alpha val="25000"/>
+              </a:srgbClr>
+            </a:outerShdw>
+          </a:effectLst>
           <a:latin typeface="+mj-lt"/>
           <a:ea typeface="+mj-ea"/>
           <a:cs typeface="+mj-cs"/>
         </a:defRPr>
       </a:lvl1pPr>
+      <a:extLst/>
     </p:titleStyle>
     <p:bodyStyle>
-      <a:lvl1pPr marL="342900" indent="-342900" algn="l" defTabSz="914400" rtl="0" eaLnBrk="1" latinLnBrk="0" hangingPunct="1">
+      <a:lvl1pPr marL="365760" indent="-256032" algn="l" rtl="0" eaLnBrk="1" latinLnBrk="0" hangingPunct="1">
         <a:spcBef>
-          <a:spcPct val="20000"/>
+          <a:spcPts val="400"/>
         </a:spcBef>
-        <a:buFont typeface="Arial" pitchFamily="34" charset="0"/>
-        <a:buChar char="•"/>
-        <a:defRPr sz="3200" kern="1200">
+        <a:spcAft>
+          <a:spcPts val="0"/>
+        </a:spcAft>
+        <a:buClr>
+          <a:schemeClr val="accent1"/>
+        </a:buClr>
+        <a:buSzPct val="68000"/>
+        <a:buFont typeface="Wingdings 3"/>
+        <a:buChar char=""/>
+        <a:defRPr kumimoji="0" sz="2700" kern="1200">
           <a:solidFill>
             <a:schemeClr val="tx1"/>
           </a:solidFill>
@@ -3263,13 +5004,16 @@
           <a:cs typeface="+mn-cs"/>
         </a:defRPr>
       </a:lvl1pPr>
-      <a:lvl2pPr marL="742950" indent="-285750" algn="l" defTabSz="914400" rtl="0" eaLnBrk="1" latinLnBrk="0" hangingPunct="1">
+      <a:lvl2pPr marL="621792" indent="-228600" algn="l" rtl="0" eaLnBrk="1" latinLnBrk="0" hangingPunct="1">
         <a:spcBef>
-          <a:spcPct val="20000"/>
+          <a:spcPts val="324"/>
         </a:spcBef>
-        <a:buFont typeface="Arial" pitchFamily="34" charset="0"/>
-        <a:buChar char="–"/>
-        <a:defRPr sz="2800" kern="1200">
+        <a:buClr>
+          <a:schemeClr val="accent1"/>
+        </a:buClr>
+        <a:buFont typeface="Verdana"/>
+        <a:buChar char="◦"/>
+        <a:defRPr kumimoji="0" sz="2300" kern="1200">
           <a:solidFill>
             <a:schemeClr val="tx1"/>
           </a:solidFill>
@@ -3278,13 +5022,17 @@
           <a:cs typeface="+mn-cs"/>
         </a:defRPr>
       </a:lvl2pPr>
-      <a:lvl3pPr marL="1143000" indent="-228600" algn="l" defTabSz="914400" rtl="0" eaLnBrk="1" latinLnBrk="0" hangingPunct="1">
+      <a:lvl3pPr marL="859536" indent="-228600" algn="l" rtl="0" eaLnBrk="1" latinLnBrk="0" hangingPunct="1">
         <a:spcBef>
-          <a:spcPct val="20000"/>
+          <a:spcPts val="350"/>
         </a:spcBef>
-        <a:buFont typeface="Arial" pitchFamily="34" charset="0"/>
-        <a:buChar char="•"/>
-        <a:defRPr sz="2400" kern="1200">
+        <a:buClr>
+          <a:schemeClr val="accent2"/>
+        </a:buClr>
+        <a:buSzPct val="100000"/>
+        <a:buFont typeface="Wingdings 2"/>
+        <a:buChar char=""/>
+        <a:defRPr kumimoji="0" sz="2100" kern="1200">
           <a:solidFill>
             <a:schemeClr val="tx1"/>
           </a:solidFill>
@@ -3293,13 +5041,16 @@
           <a:cs typeface="+mn-cs"/>
         </a:defRPr>
       </a:lvl3pPr>
-      <a:lvl4pPr marL="1600200" indent="-228600" algn="l" defTabSz="914400" rtl="0" eaLnBrk="1" latinLnBrk="0" hangingPunct="1">
+      <a:lvl4pPr marL="1143000" indent="-228600" algn="l" rtl="0" eaLnBrk="1" latinLnBrk="0" hangingPunct="1">
         <a:spcBef>
-          <a:spcPct val="20000"/>
+          <a:spcPts val="350"/>
         </a:spcBef>
-        <a:buFont typeface="Arial" pitchFamily="34" charset="0"/>
-        <a:buChar char="–"/>
-        <a:defRPr sz="2000" kern="1200">
+        <a:buClr>
+          <a:schemeClr val="accent2"/>
+        </a:buClr>
+        <a:buFont typeface="Wingdings 2"/>
+        <a:buChar char=""/>
+        <a:defRPr kumimoji="0" sz="1900" kern="1200">
           <a:solidFill>
             <a:schemeClr val="tx1"/>
           </a:solidFill>
@@ -3308,13 +5059,16 @@
           <a:cs typeface="+mn-cs"/>
         </a:defRPr>
       </a:lvl4pPr>
-      <a:lvl5pPr marL="2057400" indent="-228600" algn="l" defTabSz="914400" rtl="0" eaLnBrk="1" latinLnBrk="0" hangingPunct="1">
+      <a:lvl5pPr marL="1371600" indent="-228600" algn="l" rtl="0" eaLnBrk="1" latinLnBrk="0" hangingPunct="1">
         <a:spcBef>
-          <a:spcPct val="20000"/>
+          <a:spcPts val="350"/>
         </a:spcBef>
-        <a:buFont typeface="Arial" pitchFamily="34" charset="0"/>
-        <a:buChar char="»"/>
-        <a:defRPr sz="2000" kern="1200">
+        <a:buClr>
+          <a:schemeClr val="accent2"/>
+        </a:buClr>
+        <a:buFont typeface="Wingdings 2"/>
+        <a:buChar char=""/>
+        <a:defRPr kumimoji="0" sz="1800" kern="1200">
           <a:solidFill>
             <a:schemeClr val="tx1"/>
           </a:solidFill>
@@ -3323,13 +5077,16 @@
           <a:cs typeface="+mn-cs"/>
         </a:defRPr>
       </a:lvl5pPr>
-      <a:lvl6pPr marL="2514600" indent="-228600" algn="l" defTabSz="914400" rtl="0" eaLnBrk="1" latinLnBrk="0" hangingPunct="1">
+      <a:lvl6pPr marL="1600200" indent="-228600" algn="l" rtl="0" eaLnBrk="1" latinLnBrk="0" hangingPunct="1">
         <a:spcBef>
-          <a:spcPct val="20000"/>
+          <a:spcPts val="350"/>
         </a:spcBef>
-        <a:buFont typeface="Arial" pitchFamily="34" charset="0"/>
-        <a:buChar char="•"/>
-        <a:defRPr sz="2000" kern="1200">
+        <a:buClr>
+          <a:schemeClr val="accent3"/>
+        </a:buClr>
+        <a:buFont typeface="Wingdings 2"/>
+        <a:buChar char=""/>
+        <a:defRPr kumimoji="0" sz="1800" kern="1200">
           <a:solidFill>
             <a:schemeClr val="tx1"/>
           </a:solidFill>
@@ -3338,13 +5095,16 @@
           <a:cs typeface="+mn-cs"/>
         </a:defRPr>
       </a:lvl6pPr>
-      <a:lvl7pPr marL="2971800" indent="-228600" algn="l" defTabSz="914400" rtl="0" eaLnBrk="1" latinLnBrk="0" hangingPunct="1">
+      <a:lvl7pPr marL="1828800" indent="-228600" algn="l" rtl="0" eaLnBrk="1" latinLnBrk="0" hangingPunct="1">
         <a:spcBef>
-          <a:spcPct val="20000"/>
+          <a:spcPts val="350"/>
         </a:spcBef>
-        <a:buFont typeface="Arial" pitchFamily="34" charset="0"/>
-        <a:buChar char="•"/>
-        <a:defRPr sz="2000" kern="1200">
+        <a:buClr>
+          <a:schemeClr val="accent3"/>
+        </a:buClr>
+        <a:buFont typeface="Wingdings 2"/>
+        <a:buChar char=""/>
+        <a:defRPr kumimoji="0" sz="1600" kern="1200">
           <a:solidFill>
             <a:schemeClr val="tx1"/>
           </a:solidFill>
@@ -3353,13 +5113,16 @@
           <a:cs typeface="+mn-cs"/>
         </a:defRPr>
       </a:lvl7pPr>
-      <a:lvl8pPr marL="3429000" indent="-228600" algn="l" defTabSz="914400" rtl="0" eaLnBrk="1" latinLnBrk="0" hangingPunct="1">
+      <a:lvl8pPr marL="2057400" indent="-228600" algn="l" rtl="0" eaLnBrk="1" latinLnBrk="0" hangingPunct="1">
         <a:spcBef>
-          <a:spcPct val="20000"/>
+          <a:spcPts val="350"/>
         </a:spcBef>
-        <a:buFont typeface="Arial" pitchFamily="34" charset="0"/>
-        <a:buChar char="•"/>
-        <a:defRPr sz="2000" kern="1200">
+        <a:buClr>
+          <a:schemeClr val="accent3"/>
+        </a:buClr>
+        <a:buFont typeface="Wingdings 2"/>
+        <a:buChar char=""/>
+        <a:defRPr kumimoji="0" sz="1600" kern="1200">
           <a:solidFill>
             <a:schemeClr val="tx1"/>
           </a:solidFill>
@@ -3368,13 +5131,16 @@
           <a:cs typeface="+mn-cs"/>
         </a:defRPr>
       </a:lvl8pPr>
-      <a:lvl9pPr marL="3886200" indent="-228600" algn="l" defTabSz="914400" rtl="0" eaLnBrk="1" latinLnBrk="0" hangingPunct="1">
+      <a:lvl9pPr marL="2286000" indent="-228600" algn="l" rtl="0" eaLnBrk="1" latinLnBrk="0" hangingPunct="1">
         <a:spcBef>
-          <a:spcPct val="20000"/>
+          <a:spcPts val="350"/>
         </a:spcBef>
-        <a:buFont typeface="Arial" pitchFamily="34" charset="0"/>
-        <a:buChar char="•"/>
-        <a:defRPr sz="2000" kern="1200">
+        <a:buClr>
+          <a:schemeClr val="accent3"/>
+        </a:buClr>
+        <a:buFont typeface="Wingdings 2"/>
+        <a:buChar char=""/>
+        <a:defRPr kumimoji="0" sz="1600" kern="1200" baseline="0">
           <a:solidFill>
             <a:schemeClr val="tx1"/>
           </a:solidFill>
@@ -3383,13 +5149,11 @@
           <a:cs typeface="+mn-cs"/>
         </a:defRPr>
       </a:lvl9pPr>
+      <a:extLst/>
     </p:bodyStyle>
     <p:otherStyle>
-      <a:defPPr>
-        <a:defRPr lang="en-US"/>
-      </a:defPPr>
-      <a:lvl1pPr marL="0" algn="l" defTabSz="914400" rtl="0" eaLnBrk="1" latinLnBrk="0" hangingPunct="1">
-        <a:defRPr sz="1800" kern="1200">
+      <a:lvl1pPr marL="0" algn="l" rtl="0" eaLnBrk="1" latinLnBrk="0" hangingPunct="1">
+        <a:defRPr kumimoji="0" kern="1200">
           <a:solidFill>
             <a:schemeClr val="tx1"/>
           </a:solidFill>
@@ -3398,8 +5162,8 @@
           <a:cs typeface="+mn-cs"/>
         </a:defRPr>
       </a:lvl1pPr>
-      <a:lvl2pPr marL="457200" algn="l" defTabSz="914400" rtl="0" eaLnBrk="1" latinLnBrk="0" hangingPunct="1">
-        <a:defRPr sz="1800" kern="1200">
+      <a:lvl2pPr marL="457200" algn="l" rtl="0" eaLnBrk="1" latinLnBrk="0" hangingPunct="1">
+        <a:defRPr kumimoji="0" kern="1200">
           <a:solidFill>
             <a:schemeClr val="tx1"/>
           </a:solidFill>
@@ -3408,8 +5172,8 @@
           <a:cs typeface="+mn-cs"/>
         </a:defRPr>
       </a:lvl2pPr>
-      <a:lvl3pPr marL="914400" algn="l" defTabSz="914400" rtl="0" eaLnBrk="1" latinLnBrk="0" hangingPunct="1">
-        <a:defRPr sz="1800" kern="1200">
+      <a:lvl3pPr marL="914400" algn="l" rtl="0" eaLnBrk="1" latinLnBrk="0" hangingPunct="1">
+        <a:defRPr kumimoji="0" kern="1200">
           <a:solidFill>
             <a:schemeClr val="tx1"/>
           </a:solidFill>
@@ -3418,8 +5182,8 @@
           <a:cs typeface="+mn-cs"/>
         </a:defRPr>
       </a:lvl3pPr>
-      <a:lvl4pPr marL="1371600" algn="l" defTabSz="914400" rtl="0" eaLnBrk="1" latinLnBrk="0" hangingPunct="1">
-        <a:defRPr sz="1800" kern="1200">
+      <a:lvl4pPr marL="1371600" algn="l" rtl="0" eaLnBrk="1" latinLnBrk="0" hangingPunct="1">
+        <a:defRPr kumimoji="0" kern="1200">
           <a:solidFill>
             <a:schemeClr val="tx1"/>
           </a:solidFill>
@@ -3428,8 +5192,8 @@
           <a:cs typeface="+mn-cs"/>
         </a:defRPr>
       </a:lvl4pPr>
-      <a:lvl5pPr marL="1828800" algn="l" defTabSz="914400" rtl="0" eaLnBrk="1" latinLnBrk="0" hangingPunct="1">
-        <a:defRPr sz="1800" kern="1200">
+      <a:lvl5pPr marL="1828800" algn="l" rtl="0" eaLnBrk="1" latinLnBrk="0" hangingPunct="1">
+        <a:defRPr kumimoji="0" kern="1200">
           <a:solidFill>
             <a:schemeClr val="tx1"/>
           </a:solidFill>
@@ -3438,8 +5202,8 @@
           <a:cs typeface="+mn-cs"/>
         </a:defRPr>
       </a:lvl5pPr>
-      <a:lvl6pPr marL="2286000" algn="l" defTabSz="914400" rtl="0" eaLnBrk="1" latinLnBrk="0" hangingPunct="1">
-        <a:defRPr sz="1800" kern="1200">
+      <a:lvl6pPr marL="2286000" algn="l" rtl="0" eaLnBrk="1" latinLnBrk="0" hangingPunct="1">
+        <a:defRPr kumimoji="0" kern="1200">
           <a:solidFill>
             <a:schemeClr val="tx1"/>
           </a:solidFill>
@@ -3448,8 +5212,8 @@
           <a:cs typeface="+mn-cs"/>
         </a:defRPr>
       </a:lvl6pPr>
-      <a:lvl7pPr marL="2743200" algn="l" defTabSz="914400" rtl="0" eaLnBrk="1" latinLnBrk="0" hangingPunct="1">
-        <a:defRPr sz="1800" kern="1200">
+      <a:lvl7pPr marL="2743200" algn="l" rtl="0" eaLnBrk="1" latinLnBrk="0" hangingPunct="1">
+        <a:defRPr kumimoji="0" kern="1200">
           <a:solidFill>
             <a:schemeClr val="tx1"/>
           </a:solidFill>
@@ -3458,8 +5222,8 @@
           <a:cs typeface="+mn-cs"/>
         </a:defRPr>
       </a:lvl7pPr>
-      <a:lvl8pPr marL="3200400" algn="l" defTabSz="914400" rtl="0" eaLnBrk="1" latinLnBrk="0" hangingPunct="1">
-        <a:defRPr sz="1800" kern="1200">
+      <a:lvl8pPr marL="3200400" algn="l" rtl="0" eaLnBrk="1" latinLnBrk="0" hangingPunct="1">
+        <a:defRPr kumimoji="0" kern="1200">
           <a:solidFill>
             <a:schemeClr val="tx1"/>
           </a:solidFill>
@@ -3468,8 +5232,8 @@
           <a:cs typeface="+mn-cs"/>
         </a:defRPr>
       </a:lvl8pPr>
-      <a:lvl9pPr marL="3657600" algn="l" defTabSz="914400" rtl="0" eaLnBrk="1" latinLnBrk="0" hangingPunct="1">
-        <a:defRPr sz="1800" kern="1200">
+      <a:lvl9pPr marL="3657600" algn="l" rtl="0" eaLnBrk="1" latinLnBrk="0" hangingPunct="1">
+        <a:defRPr kumimoji="0" kern="1200">
           <a:solidFill>
             <a:schemeClr val="tx1"/>
           </a:solidFill>
@@ -3478,6 +5242,7 @@
           <a:cs typeface="+mn-cs"/>
         </a:defRPr>
       </a:lvl9pPr>
+      <a:extLst/>
     </p:otherStyle>
   </p:txStyles>
 </p:sldMaster>
@@ -3541,6 +5306,1403 @@
             <a:r>
               <a:rPr lang="en-IN" dirty="0" err="1" smtClean="0"/>
               <a:t>MapReduce</a:t>
+            </a:r>
+            <a:endParaRPr lang="en-IN" dirty="0"/>
+          </a:p>
+        </p:txBody>
+      </p:sp>
+    </p:spTree>
+  </p:cSld>
+  <p:clrMapOvr>
+    <a:masterClrMapping/>
+  </p:clrMapOvr>
+</p:sld>
+</file>
+
+<file path=ppt/slides/slide10.xml><?xml version="1.0" encoding="utf-8"?>
+<p:sld xmlns:a="http://schemas.openxmlformats.org/drawingml/2006/main" xmlns:r="http://schemas.openxmlformats.org/officeDocument/2006/relationships" xmlns:p="http://schemas.openxmlformats.org/presentationml/2006/main">
+  <p:cSld>
+    <p:spTree>
+      <p:nvGrpSpPr>
+        <p:cNvPr id="1" name=""/>
+        <p:cNvGrpSpPr/>
+        <p:nvPr/>
+      </p:nvGrpSpPr>
+      <p:grpSpPr>
+        <a:xfrm>
+          <a:off x="0" y="0"/>
+          <a:ext cx="0" cy="0"/>
+          <a:chOff x="0" y="0"/>
+          <a:chExt cx="0" cy="0"/>
+        </a:xfrm>
+      </p:grpSpPr>
+      <p:sp>
+        <p:nvSpPr>
+          <p:cNvPr id="3" name="Title 2"/>
+          <p:cNvSpPr>
+            <a:spLocks noGrp="1"/>
+          </p:cNvSpPr>
+          <p:nvPr>
+            <p:ph type="title"/>
+          </p:nvPr>
+        </p:nvSpPr>
+        <p:spPr/>
+        <p:txBody>
+          <a:bodyPr/>
+          <a:lstStyle/>
+          <a:p>
+            <a:r>
+              <a:rPr lang="en-IN" dirty="0" err="1" smtClean="0"/>
+              <a:t>MapReduce</a:t>
+            </a:r>
+            <a:r>
+              <a:rPr lang="en-IN" dirty="0" smtClean="0"/>
+              <a:t> Stages</a:t>
+            </a:r>
+            <a:endParaRPr lang="en-IN" dirty="0"/>
+          </a:p>
+        </p:txBody>
+      </p:sp>
+      <p:pic>
+        <p:nvPicPr>
+          <p:cNvPr id="6146" name="Picture 2"/>
+          <p:cNvPicPr>
+            <a:picLocks noGrp="1" noChangeAspect="1" noChangeArrowheads="1"/>
+          </p:cNvPicPr>
+          <p:nvPr>
+            <p:ph idx="1"/>
+          </p:nvPr>
+        </p:nvPicPr>
+        <p:blipFill>
+          <a:blip r:embed="rId2" cstate="print"/>
+          <a:srcRect/>
+          <a:stretch>
+            <a:fillRect/>
+          </a:stretch>
+        </p:blipFill>
+        <p:spPr bwMode="auto">
+          <a:xfrm>
+            <a:off x="755576" y="1251889"/>
+            <a:ext cx="7416824" cy="4843392"/>
+          </a:xfrm>
+          <a:prstGeom prst="rect">
+            <a:avLst/>
+          </a:prstGeom>
+          <a:noFill/>
+          <a:ln w="9525">
+            <a:noFill/>
+            <a:miter lim="800000"/>
+            <a:headEnd/>
+            <a:tailEnd/>
+          </a:ln>
+        </p:spPr>
+      </p:pic>
+    </p:spTree>
+  </p:cSld>
+  <p:clrMapOvr>
+    <a:masterClrMapping/>
+  </p:clrMapOvr>
+</p:sld>
+</file>
+
+<file path=ppt/slides/slide11.xml><?xml version="1.0" encoding="utf-8"?>
+<p:sld xmlns:a="http://schemas.openxmlformats.org/drawingml/2006/main" xmlns:r="http://schemas.openxmlformats.org/officeDocument/2006/relationships" xmlns:p="http://schemas.openxmlformats.org/presentationml/2006/main">
+  <p:cSld>
+    <p:spTree>
+      <p:nvGrpSpPr>
+        <p:cNvPr id="1" name=""/>
+        <p:cNvGrpSpPr/>
+        <p:nvPr/>
+      </p:nvGrpSpPr>
+      <p:grpSpPr>
+        <a:xfrm>
+          <a:off x="0" y="0"/>
+          <a:ext cx="0" cy="0"/>
+          <a:chOff x="0" y="0"/>
+          <a:chExt cx="0" cy="0"/>
+        </a:xfrm>
+      </p:grpSpPr>
+      <p:pic>
+        <p:nvPicPr>
+          <p:cNvPr id="5122" name="Picture 2"/>
+          <p:cNvPicPr>
+            <a:picLocks noGrp="1" noChangeAspect="1" noChangeArrowheads="1"/>
+          </p:cNvPicPr>
+          <p:nvPr>
+            <p:ph idx="1"/>
+          </p:nvPr>
+        </p:nvPicPr>
+        <p:blipFill>
+          <a:blip r:embed="rId2" cstate="print"/>
+          <a:srcRect/>
+          <a:stretch>
+            <a:fillRect/>
+          </a:stretch>
+        </p:blipFill>
+        <p:spPr bwMode="auto">
+          <a:xfrm>
+            <a:off x="827584" y="1844824"/>
+            <a:ext cx="7632848" cy="3960440"/>
+          </a:xfrm>
+          <a:prstGeom prst="rect">
+            <a:avLst/>
+          </a:prstGeom>
+          <a:noFill/>
+          <a:ln w="9525">
+            <a:noFill/>
+            <a:miter lim="800000"/>
+            <a:headEnd/>
+            <a:tailEnd/>
+          </a:ln>
+        </p:spPr>
+      </p:pic>
+      <p:sp>
+        <p:nvSpPr>
+          <p:cNvPr id="2" name="Title 1"/>
+          <p:cNvSpPr>
+            <a:spLocks noGrp="1"/>
+          </p:cNvSpPr>
+          <p:nvPr>
+            <p:ph type="title"/>
+          </p:nvPr>
+        </p:nvSpPr>
+        <p:spPr/>
+        <p:txBody>
+          <a:bodyPr/>
+          <a:lstStyle/>
+          <a:p>
+            <a:r>
+              <a:rPr lang="en-IN" dirty="0" err="1" smtClean="0"/>
+              <a:t>MapReduce</a:t>
+            </a:r>
+            <a:r>
+              <a:rPr lang="en-IN" dirty="0" smtClean="0"/>
+              <a:t> Example</a:t>
+            </a:r>
+            <a:endParaRPr lang="en-IN" dirty="0"/>
+          </a:p>
+        </p:txBody>
+      </p:sp>
+    </p:spTree>
+  </p:cSld>
+  <p:clrMapOvr>
+    <a:masterClrMapping/>
+  </p:clrMapOvr>
+  <p:timing>
+    <p:tnLst>
+      <p:par>
+        <p:cTn id="1" dur="indefinite" restart="never" nodeType="tmRoot"/>
+      </p:par>
+    </p:tnLst>
+  </p:timing>
+</p:sld>
+</file>
+
+<file path=ppt/slides/slide12.xml><?xml version="1.0" encoding="utf-8"?>
+<p:sld xmlns:a="http://schemas.openxmlformats.org/drawingml/2006/main" xmlns:r="http://schemas.openxmlformats.org/officeDocument/2006/relationships" xmlns:p="http://schemas.openxmlformats.org/presentationml/2006/main">
+  <p:cSld>
+    <p:spTree>
+      <p:nvGrpSpPr>
+        <p:cNvPr id="1" name=""/>
+        <p:cNvGrpSpPr/>
+        <p:nvPr/>
+      </p:nvGrpSpPr>
+      <p:grpSpPr>
+        <a:xfrm>
+          <a:off x="0" y="0"/>
+          <a:ext cx="0" cy="0"/>
+          <a:chOff x="0" y="0"/>
+          <a:chExt cx="0" cy="0"/>
+        </a:xfrm>
+      </p:grpSpPr>
+      <p:sp>
+        <p:nvSpPr>
+          <p:cNvPr id="3" name="Content Placeholder 2"/>
+          <p:cNvSpPr>
+            <a:spLocks noGrp="1"/>
+          </p:cNvSpPr>
+          <p:nvPr>
+            <p:ph idx="1"/>
+          </p:nvPr>
+        </p:nvSpPr>
+        <p:spPr/>
+        <p:txBody>
+          <a:bodyPr>
+            <a:normAutofit/>
+          </a:bodyPr>
+          <a:lstStyle/>
+          <a:p>
+            <a:r>
+              <a:rPr lang="en-IN" dirty="0" err="1" smtClean="0"/>
+              <a:t>Mapper</a:t>
+            </a:r>
+            <a:r>
+              <a:rPr lang="en-IN" dirty="0" smtClean="0"/>
+              <a:t> takes as input a key/value pair which represents a logical record from the input data source.</a:t>
+            </a:r>
+          </a:p>
+          <a:p>
+            <a:r>
+              <a:rPr lang="en-IN" dirty="0" smtClean="0"/>
+              <a:t>It produces zero or more o/p key/value pairs for each input pair.</a:t>
+            </a:r>
+          </a:p>
+          <a:p>
+            <a:pPr lvl="1"/>
+            <a:r>
+              <a:rPr lang="en-IN" dirty="0" err="1" smtClean="0"/>
+              <a:t>Eg</a:t>
+            </a:r>
+            <a:r>
+              <a:rPr lang="en-IN" dirty="0" smtClean="0"/>
+              <a:t> a filtering function may only produce if a certain condition is met.</a:t>
+            </a:r>
+          </a:p>
+          <a:p>
+            <a:pPr lvl="1"/>
+            <a:r>
+              <a:rPr lang="en-IN" dirty="0" err="1" smtClean="0"/>
+              <a:t>Eg</a:t>
+            </a:r>
+            <a:r>
+              <a:rPr lang="en-IN" dirty="0" smtClean="0"/>
+              <a:t> a counting function may produce multiple key/value pairs, one per element being counted.</a:t>
+            </a:r>
+          </a:p>
+          <a:p>
+            <a:pPr lvl="1"/>
+            <a:r>
+              <a:rPr lang="en-IN" dirty="0" smtClean="0"/>
+              <a:t>Map(</a:t>
+            </a:r>
+            <a:r>
+              <a:rPr lang="en-IN" dirty="0" err="1" smtClean="0"/>
+              <a:t>in_key,in_value</a:t>
+            </a:r>
+            <a:r>
+              <a:rPr lang="en-IN" dirty="0" smtClean="0"/>
+              <a:t>) </a:t>
+            </a:r>
+            <a:r>
+              <a:rPr lang="en-IN" dirty="0" smtClean="0">
+                <a:sym typeface="Wingdings" pitchFamily="2" charset="2"/>
+              </a:rPr>
+              <a:t> list(</a:t>
+            </a:r>
+            <a:r>
+              <a:rPr lang="en-IN" dirty="0" err="1" smtClean="0">
+                <a:sym typeface="Wingdings" pitchFamily="2" charset="2"/>
+              </a:rPr>
+              <a:t>temp_key,temp_value</a:t>
+            </a:r>
+            <a:r>
+              <a:rPr lang="en-IN" dirty="0" smtClean="0">
+                <a:sym typeface="Wingdings" pitchFamily="2" charset="2"/>
+              </a:rPr>
+              <a:t>)</a:t>
+            </a:r>
+            <a:endParaRPr lang="en-IN" dirty="0" smtClean="0"/>
+          </a:p>
+        </p:txBody>
+      </p:sp>
+      <p:sp>
+        <p:nvSpPr>
+          <p:cNvPr id="2" name="Title 1"/>
+          <p:cNvSpPr>
+            <a:spLocks noGrp="1"/>
+          </p:cNvSpPr>
+          <p:nvPr>
+            <p:ph type="title"/>
+          </p:nvPr>
+        </p:nvSpPr>
+        <p:spPr/>
+        <p:txBody>
+          <a:bodyPr/>
+          <a:lstStyle/>
+          <a:p>
+            <a:r>
+              <a:rPr lang="en-IN" dirty="0" smtClean="0"/>
+              <a:t>Map Function</a:t>
+            </a:r>
+            <a:endParaRPr lang="en-IN" dirty="0"/>
+          </a:p>
+        </p:txBody>
+      </p:sp>
+    </p:spTree>
+  </p:cSld>
+  <p:clrMapOvr>
+    <a:masterClrMapping/>
+  </p:clrMapOvr>
+  <p:timing>
+    <p:tnLst>
+      <p:par>
+        <p:cTn id="1" dur="indefinite" restart="never" nodeType="tmRoot"/>
+      </p:par>
+    </p:tnLst>
+  </p:timing>
+</p:sld>
+</file>
+
+<file path=ppt/slides/slide13.xml><?xml version="1.0" encoding="utf-8"?>
+<p:sld xmlns:a="http://schemas.openxmlformats.org/drawingml/2006/main" xmlns:r="http://schemas.openxmlformats.org/officeDocument/2006/relationships" xmlns:p="http://schemas.openxmlformats.org/presentationml/2006/main">
+  <p:cSld>
+    <p:spTree>
+      <p:nvGrpSpPr>
+        <p:cNvPr id="1" name=""/>
+        <p:cNvGrpSpPr/>
+        <p:nvPr/>
+      </p:nvGrpSpPr>
+      <p:grpSpPr>
+        <a:xfrm>
+          <a:off x="0" y="0"/>
+          <a:ext cx="0" cy="0"/>
+          <a:chOff x="0" y="0"/>
+          <a:chExt cx="0" cy="0"/>
+        </a:xfrm>
+      </p:grpSpPr>
+      <p:sp>
+        <p:nvSpPr>
+          <p:cNvPr id="2" name="Content Placeholder 1"/>
+          <p:cNvSpPr>
+            <a:spLocks noGrp="1"/>
+          </p:cNvSpPr>
+          <p:nvPr>
+            <p:ph idx="1"/>
+          </p:nvPr>
+        </p:nvSpPr>
+        <p:spPr/>
+        <p:txBody>
+          <a:bodyPr/>
+          <a:lstStyle/>
+          <a:p>
+            <a:r>
+              <a:rPr lang="en-IN" dirty="0" smtClean="0"/>
+              <a:t>A single reducer handles all the map output for a unique map output key</a:t>
+            </a:r>
+          </a:p>
+          <a:p>
+            <a:r>
+              <a:rPr lang="en-IN" dirty="0" smtClean="0"/>
+              <a:t>A reducer outputs zero to many key/value pairs</a:t>
+            </a:r>
+          </a:p>
+          <a:p>
+            <a:r>
+              <a:rPr lang="en-IN" dirty="0" smtClean="0"/>
+              <a:t>The output is written to HDFS location or external DB.</a:t>
+            </a:r>
+          </a:p>
+          <a:p>
+            <a:endParaRPr lang="en-IN" dirty="0" smtClean="0"/>
+          </a:p>
+          <a:p>
+            <a:r>
+              <a:rPr lang="en-IN" dirty="0" smtClean="0"/>
+              <a:t>Reduce(</a:t>
+            </a:r>
+            <a:r>
+              <a:rPr lang="en-IN" dirty="0" err="1" smtClean="0"/>
+              <a:t>temp_key</a:t>
+            </a:r>
+            <a:r>
+              <a:rPr lang="en-IN" dirty="0" smtClean="0"/>
+              <a:t>, list(</a:t>
+            </a:r>
+            <a:r>
+              <a:rPr lang="en-IN" dirty="0" err="1" smtClean="0"/>
+              <a:t>temp_values</a:t>
+            </a:r>
+            <a:r>
+              <a:rPr lang="en-IN" dirty="0" smtClean="0"/>
+              <a:t>))</a:t>
+            </a:r>
+            <a:r>
+              <a:rPr lang="en-IN" dirty="0" smtClean="0">
+                <a:sym typeface="Wingdings" pitchFamily="2" charset="2"/>
+              </a:rPr>
+              <a:t> list(</a:t>
+            </a:r>
+            <a:r>
+              <a:rPr lang="en-IN" dirty="0" err="1" smtClean="0">
+                <a:sym typeface="Wingdings" pitchFamily="2" charset="2"/>
+              </a:rPr>
+              <a:t>out_key,out_value</a:t>
+            </a:r>
+            <a:r>
+              <a:rPr lang="en-IN" dirty="0" smtClean="0">
+                <a:sym typeface="Wingdings" pitchFamily="2" charset="2"/>
+              </a:rPr>
+              <a:t>)</a:t>
+            </a:r>
+            <a:endParaRPr lang="en-IN" dirty="0" smtClean="0"/>
+          </a:p>
+        </p:txBody>
+      </p:sp>
+      <p:sp>
+        <p:nvSpPr>
+          <p:cNvPr id="3" name="Title 2"/>
+          <p:cNvSpPr>
+            <a:spLocks noGrp="1"/>
+          </p:cNvSpPr>
+          <p:nvPr>
+            <p:ph type="title"/>
+          </p:nvPr>
+        </p:nvSpPr>
+        <p:spPr/>
+        <p:txBody>
+          <a:bodyPr/>
+          <a:lstStyle/>
+          <a:p>
+            <a:r>
+              <a:rPr lang="en-IN" dirty="0" smtClean="0"/>
+              <a:t>Reduce Function</a:t>
+            </a:r>
+            <a:endParaRPr lang="en-IN" dirty="0"/>
+          </a:p>
+        </p:txBody>
+      </p:sp>
+    </p:spTree>
+  </p:cSld>
+  <p:clrMapOvr>
+    <a:masterClrMapping/>
+  </p:clrMapOvr>
+  <p:timing>
+    <p:tnLst>
+      <p:par>
+        <p:cTn id="1" dur="indefinite" restart="never" nodeType="tmRoot"/>
+      </p:par>
+    </p:tnLst>
+  </p:timing>
+</p:sld>
+</file>
+
+<file path=ppt/slides/slide14.xml><?xml version="1.0" encoding="utf-8"?>
+<p:sld xmlns:a="http://schemas.openxmlformats.org/drawingml/2006/main" xmlns:r="http://schemas.openxmlformats.org/officeDocument/2006/relationships" xmlns:p="http://schemas.openxmlformats.org/presentationml/2006/main">
+  <p:cSld>
+    <p:spTree>
+      <p:nvGrpSpPr>
+        <p:cNvPr id="1" name=""/>
+        <p:cNvGrpSpPr/>
+        <p:nvPr/>
+      </p:nvGrpSpPr>
+      <p:grpSpPr>
+        <a:xfrm>
+          <a:off x="0" y="0"/>
+          <a:ext cx="0" cy="0"/>
+          <a:chOff x="0" y="0"/>
+          <a:chExt cx="0" cy="0"/>
+        </a:xfrm>
+      </p:grpSpPr>
+      <p:pic>
+        <p:nvPicPr>
+          <p:cNvPr id="1026" name="Picture 2"/>
+          <p:cNvPicPr>
+            <a:picLocks noGrp="1" noChangeAspect="1" noChangeArrowheads="1"/>
+          </p:cNvPicPr>
+          <p:nvPr>
+            <p:ph idx="1"/>
+          </p:nvPr>
+        </p:nvPicPr>
+        <p:blipFill>
+          <a:blip r:embed="rId3" cstate="print"/>
+          <a:srcRect/>
+          <a:stretch>
+            <a:fillRect/>
+          </a:stretch>
+        </p:blipFill>
+        <p:spPr bwMode="auto">
+          <a:xfrm>
+            <a:off x="683568" y="1772816"/>
+            <a:ext cx="7477106" cy="4176464"/>
+          </a:xfrm>
+          <a:prstGeom prst="rect">
+            <a:avLst/>
+          </a:prstGeom>
+          <a:noFill/>
+          <a:ln w="9525">
+            <a:noFill/>
+            <a:miter lim="800000"/>
+            <a:headEnd/>
+            <a:tailEnd/>
+          </a:ln>
+        </p:spPr>
+      </p:pic>
+      <p:sp>
+        <p:nvSpPr>
+          <p:cNvPr id="2" name="Title 1"/>
+          <p:cNvSpPr>
+            <a:spLocks noGrp="1"/>
+          </p:cNvSpPr>
+          <p:nvPr>
+            <p:ph type="title"/>
+          </p:nvPr>
+        </p:nvSpPr>
+        <p:spPr/>
+        <p:txBody>
+          <a:bodyPr>
+            <a:normAutofit fontScale="90000"/>
+          </a:bodyPr>
+          <a:lstStyle/>
+          <a:p>
+            <a:r>
+              <a:rPr lang="en-IN" dirty="0" err="1" smtClean="0"/>
+              <a:t>MapReduce</a:t>
+            </a:r>
+            <a:r>
+              <a:rPr lang="en-IN" dirty="0" smtClean="0"/>
+              <a:t> Concepts(</a:t>
+            </a:r>
+            <a:r>
+              <a:rPr lang="en-IN" dirty="0" err="1" smtClean="0"/>
+              <a:t>Hadoop</a:t>
+            </a:r>
+            <a:r>
+              <a:rPr lang="en-IN" dirty="0" smtClean="0"/>
+              <a:t> 1.0)</a:t>
+            </a:r>
+            <a:endParaRPr lang="en-IN" dirty="0"/>
+          </a:p>
+        </p:txBody>
+      </p:sp>
+    </p:spTree>
+  </p:cSld>
+  <p:clrMapOvr>
+    <a:masterClrMapping/>
+  </p:clrMapOvr>
+  <p:timing>
+    <p:tnLst>
+      <p:par>
+        <p:cTn id="1" dur="indefinite" restart="never" nodeType="tmRoot"/>
+      </p:par>
+    </p:tnLst>
+  </p:timing>
+</p:sld>
+</file>
+
+<file path=ppt/slides/slide15.xml><?xml version="1.0" encoding="utf-8"?>
+<p:sld xmlns:a="http://schemas.openxmlformats.org/drawingml/2006/main" xmlns:r="http://schemas.openxmlformats.org/officeDocument/2006/relationships" xmlns:p="http://schemas.openxmlformats.org/presentationml/2006/main">
+  <p:cSld>
+    <p:spTree>
+      <p:nvGrpSpPr>
+        <p:cNvPr id="1" name=""/>
+        <p:cNvGrpSpPr/>
+        <p:nvPr/>
+      </p:nvGrpSpPr>
+      <p:grpSpPr>
+        <a:xfrm>
+          <a:off x="0" y="0"/>
+          <a:ext cx="0" cy="0"/>
+          <a:chOff x="0" y="0"/>
+          <a:chExt cx="0" cy="0"/>
+        </a:xfrm>
+      </p:grpSpPr>
+      <p:sp>
+        <p:nvSpPr>
+          <p:cNvPr id="2" name="Content Placeholder 1"/>
+          <p:cNvSpPr>
+            <a:spLocks noGrp="1"/>
+          </p:cNvSpPr>
+          <p:nvPr>
+            <p:ph idx="1"/>
+          </p:nvPr>
+        </p:nvSpPr>
+        <p:spPr/>
+        <p:txBody>
+          <a:bodyPr>
+            <a:normAutofit fontScale="92500"/>
+          </a:bodyPr>
+          <a:lstStyle/>
+          <a:p>
+            <a:r>
+              <a:rPr lang="en-IN" b="1" dirty="0" err="1" smtClean="0"/>
+              <a:t>JobTracker</a:t>
+            </a:r>
+            <a:r>
+              <a:rPr lang="en-IN" b="1" dirty="0" smtClean="0"/>
+              <a:t>(Master):</a:t>
+            </a:r>
+          </a:p>
+          <a:p>
+            <a:pPr lvl="1"/>
+            <a:r>
+              <a:rPr lang="en-IN" dirty="0" smtClean="0"/>
+              <a:t>Controls </a:t>
+            </a:r>
+            <a:r>
+              <a:rPr lang="en-IN" dirty="0" err="1" smtClean="0"/>
+              <a:t>MapReduce</a:t>
+            </a:r>
+            <a:r>
+              <a:rPr lang="en-IN" dirty="0" smtClean="0"/>
+              <a:t> Jobs</a:t>
+            </a:r>
+          </a:p>
+          <a:p>
+            <a:pPr lvl="1"/>
+            <a:r>
+              <a:rPr lang="en-IN" dirty="0" smtClean="0"/>
+              <a:t>Assigns Map and Reduce task to the other nodes on the cluster.</a:t>
+            </a:r>
+          </a:p>
+          <a:p>
+            <a:pPr lvl="1"/>
+            <a:r>
+              <a:rPr lang="en-IN" dirty="0" smtClean="0"/>
+              <a:t>Monitors the task as they are running.</a:t>
+            </a:r>
+          </a:p>
+          <a:p>
+            <a:pPr lvl="1"/>
+            <a:r>
+              <a:rPr lang="en-IN" dirty="0" err="1" smtClean="0"/>
+              <a:t>Relaunches</a:t>
+            </a:r>
+            <a:r>
+              <a:rPr lang="en-IN" dirty="0" smtClean="0"/>
+              <a:t> failed tasks on the other nodes in the cluster.</a:t>
+            </a:r>
+            <a:endParaRPr lang="en-IN" dirty="0" smtClean="0"/>
+          </a:p>
+          <a:p>
+            <a:pPr marL="365760" lvl="1" indent="-256032">
+              <a:spcBef>
+                <a:spcPts val="400"/>
+              </a:spcBef>
+              <a:buSzPct val="68000"/>
+              <a:buFont typeface="Wingdings 3"/>
+              <a:buChar char=""/>
+            </a:pPr>
+            <a:r>
+              <a:rPr lang="en-IN" sz="2700" b="1" dirty="0" err="1" smtClean="0"/>
+              <a:t>TaskTracker</a:t>
+            </a:r>
+            <a:r>
+              <a:rPr lang="en-IN" sz="2700" b="1" dirty="0" smtClean="0"/>
+              <a:t>(Slave)</a:t>
+            </a:r>
+          </a:p>
+          <a:p>
+            <a:pPr lvl="1"/>
+            <a:r>
+              <a:rPr lang="en-IN" dirty="0" smtClean="0"/>
+              <a:t>A single task tracker per slave node</a:t>
+            </a:r>
+          </a:p>
+          <a:p>
+            <a:pPr lvl="1"/>
+            <a:r>
+              <a:rPr lang="en-IN" dirty="0" smtClean="0"/>
+              <a:t>Manages the execution of individual tasks on the node.</a:t>
+            </a:r>
+          </a:p>
+          <a:p>
+            <a:pPr lvl="1"/>
+            <a:r>
+              <a:rPr lang="en-IN" dirty="0" smtClean="0"/>
+              <a:t>Can instantiate many JVMs to handle tasks in parallel.</a:t>
+            </a:r>
+          </a:p>
+          <a:p>
+            <a:pPr lvl="1"/>
+            <a:r>
+              <a:rPr lang="en-IN" dirty="0" smtClean="0"/>
+              <a:t>Communicates back to Job Tracker via heartbeat.</a:t>
+            </a:r>
+          </a:p>
+          <a:p>
+            <a:pPr lvl="1"/>
+            <a:endParaRPr lang="en-IN" dirty="0" smtClean="0"/>
+          </a:p>
+        </p:txBody>
+      </p:sp>
+      <p:sp>
+        <p:nvSpPr>
+          <p:cNvPr id="3" name="Title 2"/>
+          <p:cNvSpPr>
+            <a:spLocks noGrp="1"/>
+          </p:cNvSpPr>
+          <p:nvPr>
+            <p:ph type="title"/>
+          </p:nvPr>
+        </p:nvSpPr>
+        <p:spPr/>
+        <p:txBody>
+          <a:bodyPr/>
+          <a:lstStyle/>
+          <a:p>
+            <a:r>
+              <a:rPr lang="en-IN" dirty="0" err="1" smtClean="0"/>
+              <a:t>MapReduce</a:t>
+            </a:r>
+            <a:endParaRPr lang="en-IN" dirty="0"/>
+          </a:p>
+        </p:txBody>
+      </p:sp>
+    </p:spTree>
+  </p:cSld>
+  <p:clrMapOvr>
+    <a:masterClrMapping/>
+  </p:clrMapOvr>
+  <p:timing>
+    <p:tnLst>
+      <p:par>
+        <p:cTn id="1" dur="indefinite" restart="never" nodeType="tmRoot"/>
+      </p:par>
+    </p:tnLst>
+  </p:timing>
+</p:sld>
+</file>
+
+<file path=ppt/slides/slide16.xml><?xml version="1.0" encoding="utf-8"?>
+<p:sld xmlns:a="http://schemas.openxmlformats.org/drawingml/2006/main" xmlns:r="http://schemas.openxmlformats.org/officeDocument/2006/relationships" xmlns:p="http://schemas.openxmlformats.org/presentationml/2006/main">
+  <p:cSld>
+    <p:spTree>
+      <p:nvGrpSpPr>
+        <p:cNvPr id="1" name=""/>
+        <p:cNvGrpSpPr/>
+        <p:nvPr/>
+      </p:nvGrpSpPr>
+      <p:grpSpPr>
+        <a:xfrm>
+          <a:off x="0" y="0"/>
+          <a:ext cx="0" cy="0"/>
+          <a:chOff x="0" y="0"/>
+          <a:chExt cx="0" cy="0"/>
+        </a:xfrm>
+      </p:grpSpPr>
+      <p:sp>
+        <p:nvSpPr>
+          <p:cNvPr id="3" name="Title 2"/>
+          <p:cNvSpPr>
+            <a:spLocks noGrp="1"/>
+          </p:cNvSpPr>
+          <p:nvPr>
+            <p:ph type="title"/>
+          </p:nvPr>
+        </p:nvSpPr>
+        <p:spPr/>
+        <p:txBody>
+          <a:bodyPr/>
+          <a:lstStyle/>
+          <a:p>
+            <a:r>
+              <a:rPr lang="en-IN" dirty="0" err="1" smtClean="0"/>
+              <a:t>MapReduce</a:t>
+            </a:r>
+            <a:r>
+              <a:rPr lang="en-IN" dirty="0" smtClean="0"/>
+              <a:t> Architecture</a:t>
+            </a:r>
+            <a:endParaRPr lang="en-IN" dirty="0"/>
+          </a:p>
+        </p:txBody>
+      </p:sp>
+      <p:pic>
+        <p:nvPicPr>
+          <p:cNvPr id="7170" name="Picture 2"/>
+          <p:cNvPicPr>
+            <a:picLocks noGrp="1" noChangeAspect="1" noChangeArrowheads="1"/>
+          </p:cNvPicPr>
+          <p:nvPr>
+            <p:ph idx="1"/>
+          </p:nvPr>
+        </p:nvPicPr>
+        <p:blipFill>
+          <a:blip r:embed="rId2" cstate="print"/>
+          <a:srcRect/>
+          <a:stretch>
+            <a:fillRect/>
+          </a:stretch>
+        </p:blipFill>
+        <p:spPr bwMode="auto">
+          <a:xfrm>
+            <a:off x="971600" y="1556792"/>
+            <a:ext cx="7128791" cy="5085184"/>
+          </a:xfrm>
+          <a:prstGeom prst="rect">
+            <a:avLst/>
+          </a:prstGeom>
+          <a:noFill/>
+          <a:ln w="9525">
+            <a:noFill/>
+            <a:miter lim="800000"/>
+            <a:headEnd/>
+            <a:tailEnd/>
+          </a:ln>
+        </p:spPr>
+      </p:pic>
+    </p:spTree>
+  </p:cSld>
+  <p:clrMapOvr>
+    <a:masterClrMapping/>
+  </p:clrMapOvr>
+</p:sld>
+</file>
+
+<file path=ppt/slides/slide17.xml><?xml version="1.0" encoding="utf-8"?>
+<p:sld xmlns:a="http://schemas.openxmlformats.org/drawingml/2006/main" xmlns:r="http://schemas.openxmlformats.org/officeDocument/2006/relationships" xmlns:p="http://schemas.openxmlformats.org/presentationml/2006/main">
+  <p:cSld>
+    <p:spTree>
+      <p:nvGrpSpPr>
+        <p:cNvPr id="1" name=""/>
+        <p:cNvGrpSpPr/>
+        <p:nvPr/>
+      </p:nvGrpSpPr>
+      <p:grpSpPr>
+        <a:xfrm>
+          <a:off x="0" y="0"/>
+          <a:ext cx="0" cy="0"/>
+          <a:chOff x="0" y="0"/>
+          <a:chExt cx="0" cy="0"/>
+        </a:xfrm>
+      </p:grpSpPr>
+      <p:sp>
+        <p:nvSpPr>
+          <p:cNvPr id="2" name="Content Placeholder 1"/>
+          <p:cNvSpPr>
+            <a:spLocks noGrp="1"/>
+          </p:cNvSpPr>
+          <p:nvPr>
+            <p:ph idx="1"/>
+          </p:nvPr>
+        </p:nvSpPr>
+        <p:spPr/>
+        <p:txBody>
+          <a:bodyPr>
+            <a:normAutofit fontScale="92500" lnSpcReduction="10000"/>
+          </a:bodyPr>
+          <a:lstStyle/>
+          <a:p>
+            <a:r>
+              <a:rPr lang="en-IN" dirty="0" smtClean="0"/>
+              <a:t>Reducers cannot start until all </a:t>
+            </a:r>
+            <a:r>
+              <a:rPr lang="en-IN" dirty="0" err="1" smtClean="0"/>
+              <a:t>Mappers</a:t>
+            </a:r>
+            <a:r>
+              <a:rPr lang="en-IN" dirty="0" smtClean="0"/>
+              <a:t> are finished and the output has been transferred to reducers and sorted.</a:t>
+            </a:r>
+          </a:p>
+          <a:p>
+            <a:r>
+              <a:rPr lang="en-IN" dirty="0" smtClean="0"/>
+              <a:t>The percentage of </a:t>
+            </a:r>
+            <a:r>
+              <a:rPr lang="en-IN" dirty="0" err="1" smtClean="0"/>
+              <a:t>Mappers</a:t>
+            </a:r>
+            <a:r>
+              <a:rPr lang="en-IN" dirty="0" smtClean="0"/>
+              <a:t> which should finish before the Reducers start retrieving data is configurable.</a:t>
+            </a:r>
+          </a:p>
+          <a:p>
+            <a:r>
+              <a:rPr lang="en-IN" dirty="0" smtClean="0"/>
+              <a:t>For slow </a:t>
+            </a:r>
+            <a:r>
+              <a:rPr lang="en-IN" dirty="0" err="1" smtClean="0"/>
+              <a:t>mappers</a:t>
+            </a:r>
+            <a:r>
+              <a:rPr lang="en-IN" dirty="0" smtClean="0"/>
+              <a:t>, </a:t>
+            </a:r>
+            <a:r>
+              <a:rPr lang="en-IN" dirty="0" err="1" smtClean="0"/>
+              <a:t>Hadoop</a:t>
+            </a:r>
+            <a:r>
+              <a:rPr lang="en-IN" dirty="0" smtClean="0"/>
+              <a:t> uses speculative execution-	</a:t>
+            </a:r>
+          </a:p>
+          <a:p>
+            <a:pPr lvl="1"/>
+            <a:r>
+              <a:rPr lang="en-IN" dirty="0" smtClean="0"/>
+              <a:t>If a </a:t>
+            </a:r>
+            <a:r>
+              <a:rPr lang="en-IN" dirty="0" err="1" smtClean="0"/>
+              <a:t>mapper</a:t>
+            </a:r>
+            <a:r>
+              <a:rPr lang="en-IN" dirty="0" smtClean="0"/>
+              <a:t> appears to be running significantly slower that the others, a new instance of the </a:t>
+            </a:r>
+            <a:r>
+              <a:rPr lang="en-IN" dirty="0" err="1" smtClean="0"/>
+              <a:t>Mapper</a:t>
+            </a:r>
+            <a:r>
+              <a:rPr lang="en-IN" dirty="0" smtClean="0"/>
+              <a:t> will be started on another machine on the same data.</a:t>
+            </a:r>
+          </a:p>
+          <a:p>
+            <a:pPr lvl="1"/>
+            <a:r>
+              <a:rPr lang="en-IN" dirty="0" smtClean="0"/>
+              <a:t>The results of first </a:t>
+            </a:r>
+            <a:r>
+              <a:rPr lang="en-IN" dirty="0" err="1" smtClean="0"/>
+              <a:t>Mapper</a:t>
+            </a:r>
+            <a:r>
+              <a:rPr lang="en-IN" dirty="0" smtClean="0"/>
+              <a:t> to finish will be used and the other will be terminated.</a:t>
+            </a:r>
+          </a:p>
+        </p:txBody>
+      </p:sp>
+      <p:sp>
+        <p:nvSpPr>
+          <p:cNvPr id="3" name="Title 2"/>
+          <p:cNvSpPr>
+            <a:spLocks noGrp="1"/>
+          </p:cNvSpPr>
+          <p:nvPr>
+            <p:ph type="title"/>
+          </p:nvPr>
+        </p:nvSpPr>
+        <p:spPr/>
+        <p:txBody>
+          <a:bodyPr/>
+          <a:lstStyle/>
+          <a:p>
+            <a:r>
+              <a:rPr lang="en-IN" dirty="0" smtClean="0"/>
+              <a:t>Bottlenecks?</a:t>
+            </a:r>
+            <a:endParaRPr lang="en-IN" dirty="0"/>
+          </a:p>
+        </p:txBody>
+      </p:sp>
+    </p:spTree>
+  </p:cSld>
+  <p:clrMapOvr>
+    <a:masterClrMapping/>
+  </p:clrMapOvr>
+  <p:timing>
+    <p:tnLst>
+      <p:par>
+        <p:cTn id="1" dur="indefinite" restart="never" nodeType="tmRoot"/>
+      </p:par>
+    </p:tnLst>
+  </p:timing>
+</p:sld>
+</file>
+
+<file path=ppt/slides/slide18.xml><?xml version="1.0" encoding="utf-8"?>
+<p:sld xmlns:a="http://schemas.openxmlformats.org/drawingml/2006/main" xmlns:r="http://schemas.openxmlformats.org/officeDocument/2006/relationships" xmlns:p="http://schemas.openxmlformats.org/presentationml/2006/main">
+  <p:cSld>
+    <p:spTree>
+      <p:nvGrpSpPr>
+        <p:cNvPr id="1" name=""/>
+        <p:cNvGrpSpPr/>
+        <p:nvPr/>
+      </p:nvGrpSpPr>
+      <p:grpSpPr>
+        <a:xfrm>
+          <a:off x="0" y="0"/>
+          <a:ext cx="0" cy="0"/>
+          <a:chOff x="0" y="0"/>
+          <a:chExt cx="0" cy="0"/>
+        </a:xfrm>
+      </p:grpSpPr>
+      <p:sp>
+        <p:nvSpPr>
+          <p:cNvPr id="2" name="Content Placeholder 1"/>
+          <p:cNvSpPr>
+            <a:spLocks noGrp="1"/>
+          </p:cNvSpPr>
+          <p:nvPr>
+            <p:ph idx="1"/>
+          </p:nvPr>
+        </p:nvSpPr>
+        <p:spPr/>
+        <p:txBody>
+          <a:bodyPr>
+            <a:normAutofit fontScale="92500"/>
+          </a:bodyPr>
+          <a:lstStyle/>
+          <a:p>
+            <a:r>
+              <a:rPr lang="en-IN" dirty="0" smtClean="0"/>
+              <a:t>A job object forms the specification for the job.</a:t>
+            </a:r>
+          </a:p>
+          <a:p>
+            <a:r>
+              <a:rPr lang="en-IN" dirty="0" smtClean="0"/>
+              <a:t>Job needs to know:</a:t>
+            </a:r>
+          </a:p>
+          <a:p>
+            <a:pPr lvl="1"/>
+            <a:r>
+              <a:rPr lang="en-IN" dirty="0" smtClean="0"/>
+              <a:t>The jar file which will be distributed across the cluster, </a:t>
+            </a:r>
+            <a:r>
+              <a:rPr lang="en-IN" b="1" dirty="0" err="1" smtClean="0">
+                <a:solidFill>
+                  <a:srgbClr val="FF0000"/>
+                </a:solidFill>
+              </a:rPr>
+              <a:t>setJarByClass</a:t>
+            </a:r>
+            <a:r>
+              <a:rPr lang="en-IN" b="1" dirty="0" smtClean="0">
+                <a:solidFill>
+                  <a:srgbClr val="FF0000"/>
+                </a:solidFill>
+              </a:rPr>
+              <a:t>()</a:t>
+            </a:r>
+          </a:p>
+          <a:p>
+            <a:pPr lvl="1"/>
+            <a:r>
+              <a:rPr lang="en-IN" dirty="0" smtClean="0"/>
+              <a:t>the input path(in HDFS) for the job, </a:t>
+            </a:r>
+            <a:r>
+              <a:rPr lang="en-IN" b="1" dirty="0" err="1" smtClean="0">
+                <a:solidFill>
+                  <a:srgbClr val="FF0000"/>
+                </a:solidFill>
+              </a:rPr>
+              <a:t>FileInputFormat.addInputPath</a:t>
+            </a:r>
+            <a:r>
+              <a:rPr lang="en-IN" b="1" dirty="0" smtClean="0">
+                <a:solidFill>
+                  <a:srgbClr val="FF0000"/>
+                </a:solidFill>
+              </a:rPr>
+              <a:t>()</a:t>
+            </a:r>
+          </a:p>
+          <a:p>
+            <a:pPr lvl="1"/>
+            <a:r>
+              <a:rPr lang="en-IN" dirty="0" smtClean="0"/>
+              <a:t>The output path(in HDFS) for the job, </a:t>
+            </a:r>
+            <a:r>
+              <a:rPr lang="en-IN" b="1" dirty="0" err="1" smtClean="0">
+                <a:solidFill>
+                  <a:srgbClr val="FF0000"/>
+                </a:solidFill>
+              </a:rPr>
+              <a:t>FileInputFormat.setOutputPath</a:t>
+            </a:r>
+            <a:r>
+              <a:rPr lang="en-IN" b="1" dirty="0" smtClean="0">
+                <a:solidFill>
+                  <a:srgbClr val="FF0000"/>
+                </a:solidFill>
+              </a:rPr>
+              <a:t>()</a:t>
+            </a:r>
+          </a:p>
+          <a:p>
+            <a:pPr lvl="1"/>
+            <a:r>
+              <a:rPr lang="en-IN" dirty="0" smtClean="0"/>
+              <a:t>The </a:t>
+            </a:r>
+            <a:r>
+              <a:rPr lang="en-IN" dirty="0" err="1" smtClean="0"/>
+              <a:t>Mapper</a:t>
+            </a:r>
+            <a:r>
+              <a:rPr lang="en-IN" dirty="0" smtClean="0"/>
+              <a:t> and Reducer classes, </a:t>
+            </a:r>
+            <a:r>
+              <a:rPr lang="en-IN" b="1" dirty="0" err="1" smtClean="0">
+                <a:solidFill>
+                  <a:srgbClr val="FF0000"/>
+                </a:solidFill>
+              </a:rPr>
+              <a:t>setMapperClass</a:t>
+            </a:r>
+            <a:r>
+              <a:rPr lang="en-IN" b="1" dirty="0" smtClean="0">
+                <a:solidFill>
+                  <a:srgbClr val="FF0000"/>
+                </a:solidFill>
+              </a:rPr>
+              <a:t>() and </a:t>
+            </a:r>
+            <a:r>
+              <a:rPr lang="en-IN" b="1" dirty="0" err="1" smtClean="0">
+                <a:solidFill>
+                  <a:srgbClr val="FF0000"/>
+                </a:solidFill>
+              </a:rPr>
+              <a:t>setReducerClass</a:t>
+            </a:r>
+            <a:r>
+              <a:rPr lang="en-IN" b="1" dirty="0" smtClean="0">
+                <a:solidFill>
+                  <a:srgbClr val="FF0000"/>
+                </a:solidFill>
+              </a:rPr>
+              <a:t>()</a:t>
+            </a:r>
+          </a:p>
+          <a:p>
+            <a:pPr lvl="1"/>
+            <a:r>
+              <a:rPr lang="en-IN" dirty="0" smtClean="0"/>
+              <a:t>The output key and value classes, </a:t>
+            </a:r>
+            <a:r>
+              <a:rPr lang="en-IN" b="1" dirty="0" err="1" smtClean="0">
+                <a:solidFill>
+                  <a:srgbClr val="FF0000"/>
+                </a:solidFill>
+              </a:rPr>
+              <a:t>setOutputKeyClass</a:t>
+            </a:r>
+            <a:r>
+              <a:rPr lang="en-IN" b="1" dirty="0" smtClean="0">
+                <a:solidFill>
+                  <a:srgbClr val="FF0000"/>
+                </a:solidFill>
+              </a:rPr>
+              <a:t>() and </a:t>
+            </a:r>
+            <a:r>
+              <a:rPr lang="en-IN" b="1" dirty="0" err="1" smtClean="0">
+                <a:solidFill>
+                  <a:srgbClr val="FF0000"/>
+                </a:solidFill>
+              </a:rPr>
+              <a:t>setOutputValueClass</a:t>
+            </a:r>
+            <a:r>
+              <a:rPr lang="en-IN" b="1" dirty="0" smtClean="0">
+                <a:solidFill>
+                  <a:srgbClr val="FF0000"/>
+                </a:solidFill>
+              </a:rPr>
+              <a:t>()</a:t>
+            </a:r>
+          </a:p>
+          <a:p>
+            <a:pPr lvl="1"/>
+            <a:endParaRPr lang="en-IN" b="1" dirty="0" smtClean="0">
+              <a:solidFill>
+                <a:srgbClr val="FF0000"/>
+              </a:solidFill>
+            </a:endParaRPr>
+          </a:p>
+        </p:txBody>
+      </p:sp>
+      <p:sp>
+        <p:nvSpPr>
+          <p:cNvPr id="3" name="Title 2"/>
+          <p:cNvSpPr>
+            <a:spLocks noGrp="1"/>
+          </p:cNvSpPr>
+          <p:nvPr>
+            <p:ph type="title"/>
+          </p:nvPr>
+        </p:nvSpPr>
+        <p:spPr/>
+        <p:txBody>
+          <a:bodyPr/>
+          <a:lstStyle/>
+          <a:p>
+            <a:r>
+              <a:rPr lang="en-IN" dirty="0" smtClean="0"/>
+              <a:t>Setting Up </a:t>
+            </a:r>
+            <a:r>
+              <a:rPr lang="en-IN" dirty="0" err="1" smtClean="0"/>
+              <a:t>MapReduce</a:t>
+            </a:r>
+            <a:r>
+              <a:rPr lang="en-IN" dirty="0" smtClean="0"/>
+              <a:t> Job</a:t>
+            </a:r>
+            <a:endParaRPr lang="en-IN" dirty="0"/>
+          </a:p>
+        </p:txBody>
+      </p:sp>
+    </p:spTree>
+  </p:cSld>
+  <p:clrMapOvr>
+    <a:masterClrMapping/>
+  </p:clrMapOvr>
+</p:sld>
+</file>
+
+<file path=ppt/slides/slide19.xml><?xml version="1.0" encoding="utf-8"?>
+<p:sld xmlns:a="http://schemas.openxmlformats.org/drawingml/2006/main" xmlns:r="http://schemas.openxmlformats.org/officeDocument/2006/relationships" xmlns:p="http://schemas.openxmlformats.org/presentationml/2006/main">
+  <p:cSld>
+    <p:spTree>
+      <p:nvGrpSpPr>
+        <p:cNvPr id="1" name=""/>
+        <p:cNvGrpSpPr/>
+        <p:nvPr/>
+      </p:nvGrpSpPr>
+      <p:grpSpPr>
+        <a:xfrm>
+          <a:off x="0" y="0"/>
+          <a:ext cx="0" cy="0"/>
+          <a:chOff x="0" y="0"/>
+          <a:chExt cx="0" cy="0"/>
+        </a:xfrm>
+      </p:grpSpPr>
+      <p:sp>
+        <p:nvSpPr>
+          <p:cNvPr id="2" name="Content Placeholder 1"/>
+          <p:cNvSpPr>
+            <a:spLocks noGrp="1"/>
+          </p:cNvSpPr>
+          <p:nvPr>
+            <p:ph idx="1"/>
+          </p:nvPr>
+        </p:nvSpPr>
+        <p:spPr/>
+        <p:txBody>
+          <a:bodyPr/>
+          <a:lstStyle/>
+          <a:p>
+            <a:r>
+              <a:rPr lang="en-IN" dirty="0" smtClean="0"/>
+              <a:t>The </a:t>
+            </a:r>
+            <a:r>
+              <a:rPr lang="en-IN" dirty="0" err="1" smtClean="0"/>
+              <a:t>Mapper</a:t>
+            </a:r>
+            <a:r>
+              <a:rPr lang="en-IN" dirty="0" smtClean="0"/>
+              <a:t> output key and value classes if they are different from the reducer; </a:t>
+            </a:r>
+            <a:r>
+              <a:rPr lang="en-IN" dirty="0" err="1" smtClean="0">
+                <a:solidFill>
+                  <a:srgbClr val="FF0000"/>
+                </a:solidFill>
+              </a:rPr>
+              <a:t>setMapOutputKeyClass</a:t>
+            </a:r>
+            <a:r>
+              <a:rPr lang="en-IN" dirty="0" smtClean="0">
+                <a:solidFill>
+                  <a:srgbClr val="FF0000"/>
+                </a:solidFill>
+              </a:rPr>
+              <a:t>() and </a:t>
+            </a:r>
+            <a:r>
+              <a:rPr lang="en-IN" dirty="0" err="1" smtClean="0">
+                <a:solidFill>
+                  <a:srgbClr val="FF0000"/>
+                </a:solidFill>
+              </a:rPr>
+              <a:t>setMapOutputValueClass</a:t>
+            </a:r>
+            <a:r>
+              <a:rPr lang="en-IN" dirty="0" smtClean="0">
+                <a:solidFill>
+                  <a:srgbClr val="FF0000"/>
+                </a:solidFill>
+              </a:rPr>
+              <a:t>()</a:t>
+            </a:r>
+          </a:p>
+          <a:p>
+            <a:r>
+              <a:rPr lang="en-IN" dirty="0" smtClean="0"/>
+              <a:t>The job name , which by default is the </a:t>
+            </a:r>
+            <a:r>
+              <a:rPr lang="en-IN" dirty="0" err="1" smtClean="0"/>
+              <a:t>jarname</a:t>
+            </a:r>
+            <a:r>
+              <a:rPr lang="en-IN" dirty="0" smtClean="0"/>
+              <a:t> </a:t>
+            </a:r>
+            <a:r>
+              <a:rPr lang="en-IN" dirty="0" smtClean="0">
+                <a:solidFill>
+                  <a:srgbClr val="FF0000"/>
+                </a:solidFill>
+              </a:rPr>
+              <a:t>, </a:t>
+            </a:r>
+            <a:r>
+              <a:rPr lang="en-IN" dirty="0" err="1" smtClean="0">
+                <a:solidFill>
+                  <a:srgbClr val="FF0000"/>
+                </a:solidFill>
+              </a:rPr>
+              <a:t>setJobName</a:t>
+            </a:r>
+            <a:r>
+              <a:rPr lang="en-IN" dirty="0" smtClean="0">
+                <a:solidFill>
+                  <a:srgbClr val="FF0000"/>
+                </a:solidFill>
+              </a:rPr>
+              <a:t>()</a:t>
+            </a:r>
+          </a:p>
+          <a:p>
+            <a:endParaRPr lang="en-IN" dirty="0" smtClean="0"/>
+          </a:p>
+          <a:p>
+            <a:r>
+              <a:rPr lang="en-IN" dirty="0" smtClean="0"/>
+              <a:t>The default input considers files as lines of text</a:t>
+            </a:r>
+          </a:p>
+        </p:txBody>
+      </p:sp>
+      <p:sp>
+        <p:nvSpPr>
+          <p:cNvPr id="3" name="Title 2"/>
+          <p:cNvSpPr>
+            <a:spLocks noGrp="1"/>
+          </p:cNvSpPr>
+          <p:nvPr>
+            <p:ph type="title"/>
+          </p:nvPr>
+        </p:nvSpPr>
+        <p:spPr/>
+        <p:txBody>
+          <a:bodyPr>
+            <a:normAutofit fontScale="90000"/>
+          </a:bodyPr>
+          <a:lstStyle/>
+          <a:p>
+            <a:r>
+              <a:rPr lang="en-IN" dirty="0" smtClean="0"/>
+              <a:t>Setting up </a:t>
+            </a:r>
+            <a:r>
+              <a:rPr lang="en-IN" dirty="0" err="1" smtClean="0"/>
+              <a:t>MapReduce</a:t>
+            </a:r>
+            <a:r>
+              <a:rPr lang="en-IN" dirty="0" smtClean="0"/>
+              <a:t> Job contd.</a:t>
             </a:r>
             <a:endParaRPr lang="en-IN" dirty="0"/>
           </a:p>
@@ -3573,7 +6735,175 @@
       </p:grpSpPr>
       <p:sp>
         <p:nvSpPr>
-          <p:cNvPr id="2" name="Title 1"/>
+          <p:cNvPr id="2" name="Content Placeholder 1"/>
+          <p:cNvSpPr>
+            <a:spLocks noGrp="1"/>
+          </p:cNvSpPr>
+          <p:nvPr>
+            <p:ph idx="1"/>
+          </p:nvPr>
+        </p:nvSpPr>
+        <p:spPr/>
+        <p:txBody>
+          <a:bodyPr>
+            <a:normAutofit fontScale="77500" lnSpcReduction="20000"/>
+          </a:bodyPr>
+          <a:lstStyle/>
+          <a:p>
+            <a:r>
+              <a:rPr lang="en-IN" dirty="0" err="1" smtClean="0"/>
+              <a:t>MapReduce</a:t>
+            </a:r>
+            <a:r>
+              <a:rPr lang="en-IN" dirty="0" smtClean="0"/>
+              <a:t> Introduction</a:t>
+            </a:r>
+          </a:p>
+          <a:p>
+            <a:r>
+              <a:rPr lang="en-IN" dirty="0" smtClean="0"/>
+              <a:t>Basic Terminology</a:t>
+            </a:r>
+          </a:p>
+          <a:p>
+            <a:r>
+              <a:rPr lang="en-IN" dirty="0" smtClean="0"/>
+              <a:t>HDFS Architecture</a:t>
+            </a:r>
+          </a:p>
+          <a:p>
+            <a:r>
+              <a:rPr lang="en-IN" dirty="0" err="1" smtClean="0"/>
+              <a:t>MapReduce</a:t>
+            </a:r>
+            <a:r>
+              <a:rPr lang="en-IN" dirty="0" smtClean="0"/>
+              <a:t> Job and Stages</a:t>
+            </a:r>
+          </a:p>
+          <a:p>
+            <a:r>
+              <a:rPr lang="en-IN" dirty="0" err="1" smtClean="0"/>
+              <a:t>MapReduce</a:t>
+            </a:r>
+            <a:r>
+              <a:rPr lang="en-IN" dirty="0" smtClean="0"/>
+              <a:t> Example</a:t>
+            </a:r>
+          </a:p>
+          <a:p>
+            <a:r>
+              <a:rPr lang="en-IN" dirty="0" smtClean="0"/>
+              <a:t>Map Function </a:t>
+            </a:r>
+          </a:p>
+          <a:p>
+            <a:r>
+              <a:rPr lang="en-IN" dirty="0" smtClean="0"/>
+              <a:t>Reduce Function</a:t>
+            </a:r>
+          </a:p>
+          <a:p>
+            <a:r>
+              <a:rPr lang="en-IN" dirty="0" err="1" smtClean="0"/>
+              <a:t>MapReduce</a:t>
+            </a:r>
+            <a:r>
+              <a:rPr lang="en-IN" dirty="0" smtClean="0"/>
+              <a:t> Concepts(</a:t>
+            </a:r>
+            <a:r>
+              <a:rPr lang="en-IN" dirty="0" err="1" smtClean="0"/>
+              <a:t>JobTracker</a:t>
+            </a:r>
+            <a:r>
+              <a:rPr lang="en-IN" dirty="0" smtClean="0"/>
+              <a:t> and </a:t>
+            </a:r>
+            <a:r>
+              <a:rPr lang="en-IN" dirty="0" err="1" smtClean="0"/>
+              <a:t>TaskTracker</a:t>
+            </a:r>
+            <a:r>
+              <a:rPr lang="en-IN" dirty="0" smtClean="0"/>
+              <a:t>)</a:t>
+            </a:r>
+          </a:p>
+          <a:p>
+            <a:r>
+              <a:rPr lang="en-IN" dirty="0" err="1" smtClean="0"/>
+              <a:t>BottleNecks</a:t>
+            </a:r>
+            <a:endParaRPr lang="en-IN" dirty="0" smtClean="0"/>
+          </a:p>
+          <a:p>
+            <a:r>
+              <a:rPr lang="en-IN" dirty="0" smtClean="0"/>
+              <a:t>Setting up </a:t>
+            </a:r>
+            <a:r>
+              <a:rPr lang="en-IN" dirty="0" err="1" smtClean="0"/>
+              <a:t>MapReduce</a:t>
+            </a:r>
+            <a:r>
+              <a:rPr lang="en-IN" dirty="0" smtClean="0"/>
+              <a:t> Job</a:t>
+            </a:r>
+          </a:p>
+          <a:p>
+            <a:r>
+              <a:rPr lang="en-IN" dirty="0" smtClean="0"/>
+              <a:t>Driver Class</a:t>
+            </a:r>
+          </a:p>
+          <a:p>
+            <a:r>
+              <a:rPr lang="en-IN" dirty="0" err="1" smtClean="0"/>
+              <a:t>Mapper</a:t>
+            </a:r>
+            <a:r>
+              <a:rPr lang="en-IN" dirty="0" smtClean="0"/>
+              <a:t> Class</a:t>
+            </a:r>
+          </a:p>
+          <a:p>
+            <a:r>
+              <a:rPr lang="en-IN" dirty="0" smtClean="0"/>
+              <a:t>Shuffle and Sort Class</a:t>
+            </a:r>
+          </a:p>
+          <a:p>
+            <a:r>
+              <a:rPr lang="en-IN" dirty="0" smtClean="0"/>
+              <a:t>Reduce Class</a:t>
+            </a:r>
+          </a:p>
+          <a:p>
+            <a:endParaRPr lang="en-IN" dirty="0" smtClean="0"/>
+          </a:p>
+          <a:p>
+            <a:endParaRPr lang="en-IN" dirty="0" smtClean="0"/>
+          </a:p>
+          <a:p>
+            <a:endParaRPr lang="en-IN" dirty="0" smtClean="0"/>
+          </a:p>
+          <a:p>
+            <a:endParaRPr lang="en-IN" dirty="0" smtClean="0"/>
+          </a:p>
+          <a:p>
+            <a:endParaRPr lang="en-IN" dirty="0" smtClean="0"/>
+          </a:p>
+          <a:p>
+            <a:endParaRPr lang="en-IN" dirty="0" smtClean="0"/>
+          </a:p>
+          <a:p>
+            <a:endParaRPr lang="en-IN" dirty="0"/>
+          </a:p>
+        </p:txBody>
+      </p:sp>
+      <p:sp>
+        <p:nvSpPr>
+          <p:cNvPr id="3" name="Title 2"/>
           <p:cNvSpPr>
             <a:spLocks noGrp="1"/>
           </p:cNvSpPr>
@@ -3587,25 +6917,105 @@
           <a:lstStyle/>
           <a:p>
             <a:r>
-              <a:rPr lang="en-IN" dirty="0" err="1" smtClean="0"/>
-              <a:t>MapReduce</a:t>
-            </a:r>
-            <a:r>
-              <a:rPr lang="en-IN" dirty="0" smtClean="0"/>
-              <a:t> Introduction</a:t>
+              <a:rPr lang="en-IN" dirty="0" smtClean="0"/>
+              <a:t>Contents</a:t>
             </a:r>
             <a:endParaRPr lang="en-IN" dirty="0"/>
           </a:p>
         </p:txBody>
       </p:sp>
-      <p:sp>
-        <p:nvSpPr>
-          <p:cNvPr id="3" name="Content Placeholder 2"/>
-          <p:cNvSpPr>
-            <a:spLocks noGrp="1"/>
-          </p:cNvSpPr>
+    </p:spTree>
+  </p:cSld>
+  <p:clrMapOvr>
+    <a:masterClrMapping/>
+  </p:clrMapOvr>
+</p:sld>
+</file>
+
+<file path=ppt/slides/slide20.xml><?xml version="1.0" encoding="utf-8"?>
+<p:sld xmlns:a="http://schemas.openxmlformats.org/drawingml/2006/main" xmlns:r="http://schemas.openxmlformats.org/officeDocument/2006/relationships" xmlns:p="http://schemas.openxmlformats.org/presentationml/2006/main">
+  <p:cSld>
+    <p:spTree>
+      <p:nvGrpSpPr>
+        <p:cNvPr id="1" name=""/>
+        <p:cNvGrpSpPr/>
+        <p:nvPr/>
+      </p:nvGrpSpPr>
+      <p:grpSpPr>
+        <a:xfrm>
+          <a:off x="0" y="0"/>
+          <a:ext cx="0" cy="0"/>
+          <a:chOff x="0" y="0"/>
+          <a:chExt cx="0" cy="0"/>
+        </a:xfrm>
+      </p:grpSpPr>
+      <p:pic>
+        <p:nvPicPr>
+          <p:cNvPr id="8194" name="Picture 2"/>
+          <p:cNvPicPr>
+            <a:picLocks noGrp="1" noChangeAspect="1" noChangeArrowheads="1"/>
+          </p:cNvPicPr>
           <p:nvPr>
             <p:ph idx="1"/>
+          </p:nvPr>
+        </p:nvPicPr>
+        <p:blipFill>
+          <a:blip r:embed="rId2" cstate="print"/>
+          <a:srcRect/>
+          <a:stretch>
+            <a:fillRect/>
+          </a:stretch>
+        </p:blipFill>
+        <p:spPr bwMode="auto">
+          <a:xfrm>
+            <a:off x="291743" y="620688"/>
+            <a:ext cx="8456721" cy="5645657"/>
+          </a:xfrm>
+          <a:prstGeom prst="rect">
+            <a:avLst/>
+          </a:prstGeom>
+          <a:noFill/>
+          <a:ln w="9525">
+            <a:noFill/>
+            <a:miter lim="800000"/>
+            <a:headEnd/>
+            <a:tailEnd/>
+          </a:ln>
+        </p:spPr>
+      </p:pic>
+    </p:spTree>
+  </p:cSld>
+  <p:clrMapOvr>
+    <a:masterClrMapping/>
+  </p:clrMapOvr>
+</p:sld>
+</file>
+
+<file path=ppt/slides/slide21.xml><?xml version="1.0" encoding="utf-8"?>
+<p:sld xmlns:a="http://schemas.openxmlformats.org/drawingml/2006/main" xmlns:r="http://schemas.openxmlformats.org/officeDocument/2006/relationships" xmlns:p="http://schemas.openxmlformats.org/presentationml/2006/main">
+  <p:cSld>
+    <p:spTree>
+      <p:nvGrpSpPr>
+        <p:cNvPr id="1" name=""/>
+        <p:cNvGrpSpPr/>
+        <p:nvPr/>
+      </p:nvGrpSpPr>
+      <p:grpSpPr>
+        <a:xfrm>
+          <a:off x="0" y="0"/>
+          <a:ext cx="0" cy="0"/>
+          <a:chOff x="0" y="0"/>
+          <a:chExt cx="0" cy="0"/>
+        </a:xfrm>
+      </p:grpSpPr>
+      <p:sp>
+        <p:nvSpPr>
+          <p:cNvPr id="3" name="Title 2"/>
+          <p:cNvSpPr>
+            <a:spLocks noGrp="1"/>
+          </p:cNvSpPr>
+          <p:nvPr>
+            <p:ph type="title"/>
           </p:nvPr>
         </p:nvSpPr>
         <p:spPr/>
@@ -3615,39 +7025,516 @@
           <a:p>
             <a:r>
               <a:rPr lang="en-IN" dirty="0" err="1" smtClean="0"/>
+              <a:t>Mapper</a:t>
+            </a:r>
+            <a:r>
+              <a:rPr lang="en-IN" dirty="0" smtClean="0"/>
+              <a:t> Class</a:t>
+            </a:r>
+            <a:endParaRPr lang="en-IN" dirty="0"/>
+          </a:p>
+        </p:txBody>
+      </p:sp>
+      <p:pic>
+        <p:nvPicPr>
+          <p:cNvPr id="9218" name="Picture 2"/>
+          <p:cNvPicPr>
+            <a:picLocks noGrp="1" noChangeAspect="1" noChangeArrowheads="1"/>
+          </p:cNvPicPr>
+          <p:nvPr>
+            <p:ph idx="1"/>
+          </p:nvPr>
+        </p:nvPicPr>
+        <p:blipFill>
+          <a:blip r:embed="rId2" cstate="print"/>
+          <a:srcRect/>
+          <a:stretch>
+            <a:fillRect/>
+          </a:stretch>
+        </p:blipFill>
+        <p:spPr bwMode="auto">
+          <a:xfrm>
+            <a:off x="755576" y="1441591"/>
+            <a:ext cx="7128792" cy="4300950"/>
+          </a:xfrm>
+          <a:prstGeom prst="rect">
+            <a:avLst/>
+          </a:prstGeom>
+          <a:noFill/>
+          <a:ln w="9525">
+            <a:noFill/>
+            <a:miter lim="800000"/>
+            <a:headEnd/>
+            <a:tailEnd/>
+          </a:ln>
+        </p:spPr>
+      </p:pic>
+    </p:spTree>
+  </p:cSld>
+  <p:clrMapOvr>
+    <a:masterClrMapping/>
+  </p:clrMapOvr>
+</p:sld>
+</file>
+
+<file path=ppt/slides/slide22.xml><?xml version="1.0" encoding="utf-8"?>
+<p:sld xmlns:a="http://schemas.openxmlformats.org/drawingml/2006/main" xmlns:r="http://schemas.openxmlformats.org/officeDocument/2006/relationships" xmlns:p="http://schemas.openxmlformats.org/presentationml/2006/main">
+  <p:cSld>
+    <p:spTree>
+      <p:nvGrpSpPr>
+        <p:cNvPr id="1" name=""/>
+        <p:cNvGrpSpPr/>
+        <p:nvPr/>
+      </p:nvGrpSpPr>
+      <p:grpSpPr>
+        <a:xfrm>
+          <a:off x="0" y="0"/>
+          <a:ext cx="0" cy="0"/>
+          <a:chOff x="0" y="0"/>
+          <a:chExt cx="0" cy="0"/>
+        </a:xfrm>
+      </p:grpSpPr>
+      <p:sp>
+        <p:nvSpPr>
+          <p:cNvPr id="3" name="Title 2"/>
+          <p:cNvSpPr>
+            <a:spLocks noGrp="1"/>
+          </p:cNvSpPr>
+          <p:nvPr>
+            <p:ph type="title"/>
+          </p:nvPr>
+        </p:nvSpPr>
+        <p:spPr/>
+        <p:txBody>
+          <a:bodyPr/>
+          <a:lstStyle/>
+          <a:p>
+            <a:r>
+              <a:rPr lang="en-IN" dirty="0" smtClean="0"/>
+              <a:t>What </a:t>
+            </a:r>
+            <a:r>
+              <a:rPr lang="en-IN" dirty="0" err="1" smtClean="0"/>
+              <a:t>Mapper</a:t>
+            </a:r>
+            <a:r>
+              <a:rPr lang="en-IN" dirty="0" smtClean="0"/>
+              <a:t> does?</a:t>
+            </a:r>
+            <a:endParaRPr lang="en-IN" dirty="0"/>
+          </a:p>
+        </p:txBody>
+      </p:sp>
+      <p:pic>
+        <p:nvPicPr>
+          <p:cNvPr id="10242" name="Picture 2"/>
+          <p:cNvPicPr>
+            <a:picLocks noGrp="1" noChangeAspect="1" noChangeArrowheads="1"/>
+          </p:cNvPicPr>
+          <p:nvPr>
+            <p:ph idx="1"/>
+          </p:nvPr>
+        </p:nvPicPr>
+        <p:blipFill>
+          <a:blip r:embed="rId2" cstate="print"/>
+          <a:srcRect/>
+          <a:stretch>
+            <a:fillRect/>
+          </a:stretch>
+        </p:blipFill>
+        <p:spPr bwMode="auto">
+          <a:xfrm>
+            <a:off x="340890" y="1556792"/>
+            <a:ext cx="8551590" cy="4420854"/>
+          </a:xfrm>
+          <a:prstGeom prst="rect">
+            <a:avLst/>
+          </a:prstGeom>
+          <a:noFill/>
+          <a:ln w="9525">
+            <a:noFill/>
+            <a:miter lim="800000"/>
+            <a:headEnd/>
+            <a:tailEnd/>
+          </a:ln>
+        </p:spPr>
+      </p:pic>
+    </p:spTree>
+  </p:cSld>
+  <p:clrMapOvr>
+    <a:masterClrMapping/>
+  </p:clrMapOvr>
+</p:sld>
+</file>
+
+<file path=ppt/slides/slide23.xml><?xml version="1.0" encoding="utf-8"?>
+<p:sld xmlns:a="http://schemas.openxmlformats.org/drawingml/2006/main" xmlns:r="http://schemas.openxmlformats.org/officeDocument/2006/relationships" xmlns:p="http://schemas.openxmlformats.org/presentationml/2006/main">
+  <p:cSld>
+    <p:spTree>
+      <p:nvGrpSpPr>
+        <p:cNvPr id="1" name=""/>
+        <p:cNvGrpSpPr/>
+        <p:nvPr/>
+      </p:nvGrpSpPr>
+      <p:grpSpPr>
+        <a:xfrm>
+          <a:off x="0" y="0"/>
+          <a:ext cx="0" cy="0"/>
+          <a:chOff x="0" y="0"/>
+          <a:chExt cx="0" cy="0"/>
+        </a:xfrm>
+      </p:grpSpPr>
+      <p:sp>
+        <p:nvSpPr>
+          <p:cNvPr id="2" name="Content Placeholder 1"/>
+          <p:cNvSpPr>
+            <a:spLocks noGrp="1"/>
+          </p:cNvSpPr>
+          <p:nvPr>
+            <p:ph idx="1"/>
+          </p:nvPr>
+        </p:nvSpPr>
+        <p:spPr/>
+        <p:txBody>
+          <a:bodyPr>
+            <a:normAutofit fontScale="92500" lnSpcReduction="10000"/>
+          </a:bodyPr>
+          <a:lstStyle/>
+          <a:p>
+            <a:r>
+              <a:rPr lang="en-IN" dirty="0" smtClean="0"/>
+              <a:t>Shuffle</a:t>
+            </a:r>
+          </a:p>
+          <a:p>
+            <a:pPr lvl="1"/>
+            <a:r>
+              <a:rPr lang="en-IN" dirty="0" smtClean="0"/>
+              <a:t>Integrates the data(key/value) pairs from outputs of each </a:t>
+            </a:r>
+            <a:r>
+              <a:rPr lang="en-IN" dirty="0" err="1" smtClean="0"/>
+              <a:t>mapper</a:t>
+            </a:r>
+            <a:r>
+              <a:rPr lang="en-IN" dirty="0" smtClean="0"/>
+              <a:t>.</a:t>
+            </a:r>
+          </a:p>
+          <a:p>
+            <a:pPr lvl="1"/>
+            <a:r>
+              <a:rPr lang="en-IN" dirty="0" smtClean="0"/>
+              <a:t>Integrates into 1 file</a:t>
+            </a:r>
+          </a:p>
+          <a:p>
+            <a:pPr lvl="1"/>
+            <a:endParaRPr lang="en-IN" dirty="0" smtClean="0"/>
+          </a:p>
+          <a:p>
+            <a:pPr marL="365760" lvl="1" indent="-256032">
+              <a:spcBef>
+                <a:spcPts val="400"/>
+              </a:spcBef>
+              <a:buSzPct val="68000"/>
+              <a:buFont typeface="Wingdings 3"/>
+              <a:buChar char=""/>
+            </a:pPr>
+            <a:r>
+              <a:rPr lang="en-IN" sz="2700" dirty="0" smtClean="0"/>
+              <a:t>Sort</a:t>
+            </a:r>
+          </a:p>
+          <a:p>
+            <a:pPr lvl="1"/>
+            <a:r>
+              <a:rPr lang="en-IN" dirty="0" smtClean="0"/>
+              <a:t>The set of intermediate keys on single node is automatically sorted by </a:t>
+            </a:r>
+            <a:r>
+              <a:rPr lang="en-IN" dirty="0" err="1" smtClean="0"/>
               <a:t>Hadoop</a:t>
             </a:r>
             <a:r>
               <a:rPr lang="en-IN" dirty="0" smtClean="0"/>
-              <a:t> provides a reliable storage system and analysis system.</a:t>
-            </a:r>
-          </a:p>
-          <a:p>
-            <a:r>
-              <a:rPr lang="en-IN" dirty="0" smtClean="0"/>
-              <a:t>Storage is provided by HDFS and analysis done by </a:t>
-            </a:r>
-            <a:r>
-              <a:rPr lang="en-IN" dirty="0" err="1" smtClean="0"/>
-              <a:t>MapReduce</a:t>
-            </a:r>
-            <a:r>
-              <a:rPr lang="en-IN" dirty="0" smtClean="0"/>
-              <a:t>.</a:t>
-            </a:r>
-          </a:p>
-          <a:p>
-            <a:r>
-              <a:rPr lang="en-IN" dirty="0" err="1" smtClean="0"/>
-              <a:t>MapReduce</a:t>
-            </a:r>
-            <a:r>
-              <a:rPr lang="en-IN" dirty="0" smtClean="0"/>
-              <a:t> is programming model for processing.</a:t>
-            </a:r>
-          </a:p>
-          <a:p>
+              <a:t> before they are presented to Reducer.</a:t>
+            </a:r>
+          </a:p>
+          <a:p>
+            <a:pPr lvl="1"/>
+            <a:r>
+              <a:rPr lang="en-IN" dirty="0" smtClean="0"/>
+              <a:t>Sorted within key</a:t>
+            </a:r>
+          </a:p>
+          <a:p>
+            <a:pPr lvl="1"/>
             <a:endParaRPr lang="en-IN" dirty="0" smtClean="0"/>
+          </a:p>
+          <a:p>
+            <a:pPr marL="365760" lvl="1" indent="-256032">
+              <a:spcBef>
+                <a:spcPts val="400"/>
+              </a:spcBef>
+              <a:buSzPct val="68000"/>
+              <a:buFont typeface="Wingdings 3"/>
+              <a:buChar char=""/>
+            </a:pPr>
+            <a:r>
+              <a:rPr lang="en-IN" sz="2700" dirty="0" smtClean="0"/>
+              <a:t>Determines which subset of Data goes to which Reducer</a:t>
+            </a:r>
+          </a:p>
+        </p:txBody>
+      </p:sp>
+      <p:sp>
+        <p:nvSpPr>
+          <p:cNvPr id="3" name="Title 2"/>
+          <p:cNvSpPr>
+            <a:spLocks noGrp="1"/>
+          </p:cNvSpPr>
+          <p:nvPr>
+            <p:ph type="title"/>
+          </p:nvPr>
+        </p:nvSpPr>
+        <p:spPr/>
+        <p:txBody>
+          <a:bodyPr/>
+          <a:lstStyle/>
+          <a:p>
+            <a:r>
+              <a:rPr lang="en-IN" dirty="0" smtClean="0"/>
+              <a:t>Shuffle and Sort?</a:t>
+            </a:r>
+            <a:endParaRPr lang="en-IN" dirty="0"/>
+          </a:p>
+        </p:txBody>
+      </p:sp>
+    </p:spTree>
+  </p:cSld>
+  <p:clrMapOvr>
+    <a:masterClrMapping/>
+  </p:clrMapOvr>
+</p:sld>
+</file>
+
+<file path=ppt/slides/slide24.xml><?xml version="1.0" encoding="utf-8"?>
+<p:sld xmlns:a="http://schemas.openxmlformats.org/drawingml/2006/main" xmlns:r="http://schemas.openxmlformats.org/officeDocument/2006/relationships" xmlns:p="http://schemas.openxmlformats.org/presentationml/2006/main">
+  <p:cSld>
+    <p:spTree>
+      <p:nvGrpSpPr>
+        <p:cNvPr id="1" name=""/>
+        <p:cNvGrpSpPr/>
+        <p:nvPr/>
+      </p:nvGrpSpPr>
+      <p:grpSpPr>
+        <a:xfrm>
+          <a:off x="0" y="0"/>
+          <a:ext cx="0" cy="0"/>
+          <a:chOff x="0" y="0"/>
+          <a:chExt cx="0" cy="0"/>
+        </a:xfrm>
+      </p:grpSpPr>
+      <p:sp>
+        <p:nvSpPr>
+          <p:cNvPr id="3" name="Title 2"/>
+          <p:cNvSpPr>
+            <a:spLocks noGrp="1"/>
+          </p:cNvSpPr>
+          <p:nvPr>
+            <p:ph type="title"/>
+          </p:nvPr>
+        </p:nvSpPr>
+        <p:spPr/>
+        <p:txBody>
+          <a:bodyPr/>
+          <a:lstStyle/>
+          <a:p>
+            <a:r>
+              <a:rPr lang="en-IN" dirty="0" smtClean="0"/>
+              <a:t>Shuffle and Sort Contd.</a:t>
+            </a:r>
+            <a:endParaRPr lang="en-IN" dirty="0"/>
+          </a:p>
+        </p:txBody>
+      </p:sp>
+      <p:pic>
+        <p:nvPicPr>
+          <p:cNvPr id="11266" name="Picture 2"/>
+          <p:cNvPicPr>
+            <a:picLocks noGrp="1" noChangeAspect="1" noChangeArrowheads="1"/>
+          </p:cNvPicPr>
+          <p:nvPr>
+            <p:ph idx="1"/>
+          </p:nvPr>
+        </p:nvPicPr>
+        <p:blipFill>
+          <a:blip r:embed="rId2" cstate="print"/>
+          <a:srcRect/>
+          <a:stretch>
+            <a:fillRect/>
+          </a:stretch>
+        </p:blipFill>
+        <p:spPr bwMode="auto">
+          <a:xfrm>
+            <a:off x="827585" y="1526424"/>
+            <a:ext cx="7467670" cy="4422856"/>
+          </a:xfrm>
+          <a:prstGeom prst="rect">
+            <a:avLst/>
+          </a:prstGeom>
+          <a:noFill/>
+          <a:ln w="9525">
+            <a:noFill/>
+            <a:miter lim="800000"/>
+            <a:headEnd/>
+            <a:tailEnd/>
+          </a:ln>
+        </p:spPr>
+      </p:pic>
+    </p:spTree>
+  </p:cSld>
+  <p:clrMapOvr>
+    <a:masterClrMapping/>
+  </p:clrMapOvr>
+</p:sld>
+</file>
+
+<file path=ppt/slides/slide25.xml><?xml version="1.0" encoding="utf-8"?>
+<p:sld xmlns:a="http://schemas.openxmlformats.org/drawingml/2006/main" xmlns:r="http://schemas.openxmlformats.org/officeDocument/2006/relationships" xmlns:p="http://schemas.openxmlformats.org/presentationml/2006/main">
+  <p:cSld>
+    <p:spTree>
+      <p:nvGrpSpPr>
+        <p:cNvPr id="1" name=""/>
+        <p:cNvGrpSpPr/>
+        <p:nvPr/>
+      </p:nvGrpSpPr>
+      <p:grpSpPr>
+        <a:xfrm>
+          <a:off x="0" y="0"/>
+          <a:ext cx="0" cy="0"/>
+          <a:chOff x="0" y="0"/>
+          <a:chExt cx="0" cy="0"/>
+        </a:xfrm>
+      </p:grpSpPr>
+      <p:sp>
+        <p:nvSpPr>
+          <p:cNvPr id="3" name="Title 2"/>
+          <p:cNvSpPr>
+            <a:spLocks noGrp="1"/>
+          </p:cNvSpPr>
+          <p:nvPr>
+            <p:ph type="title"/>
+          </p:nvPr>
+        </p:nvSpPr>
+        <p:spPr/>
+        <p:txBody>
+          <a:bodyPr/>
+          <a:lstStyle/>
+          <a:p>
+            <a:r>
+              <a:rPr lang="en-IN" dirty="0" smtClean="0"/>
+              <a:t>Reducer Class</a:t>
+            </a:r>
+            <a:endParaRPr lang="en-IN" dirty="0"/>
+          </a:p>
+        </p:txBody>
+      </p:sp>
+      <p:pic>
+        <p:nvPicPr>
+          <p:cNvPr id="12290" name="Picture 2"/>
+          <p:cNvPicPr>
+            <a:picLocks noGrp="1" noChangeAspect="1" noChangeArrowheads="1"/>
+          </p:cNvPicPr>
+          <p:nvPr>
+            <p:ph idx="1"/>
+          </p:nvPr>
+        </p:nvPicPr>
+        <p:blipFill>
+          <a:blip r:embed="rId2" cstate="print"/>
+          <a:srcRect/>
+          <a:stretch>
+            <a:fillRect/>
+          </a:stretch>
+        </p:blipFill>
+        <p:spPr bwMode="auto">
+          <a:xfrm>
+            <a:off x="827584" y="1412776"/>
+            <a:ext cx="7776864" cy="4547374"/>
+          </a:xfrm>
+          <a:prstGeom prst="rect">
+            <a:avLst/>
+          </a:prstGeom>
+          <a:noFill/>
+          <a:ln w="9525">
+            <a:noFill/>
+            <a:miter lim="800000"/>
+            <a:headEnd/>
+            <a:tailEnd/>
+          </a:ln>
+        </p:spPr>
+      </p:pic>
+    </p:spTree>
+  </p:cSld>
+  <p:clrMapOvr>
+    <a:masterClrMapping/>
+  </p:clrMapOvr>
+</p:sld>
+</file>
+
+<file path=ppt/slides/slide26.xml><?xml version="1.0" encoding="utf-8"?>
+<p:sld xmlns:a="http://schemas.openxmlformats.org/drawingml/2006/main" xmlns:r="http://schemas.openxmlformats.org/officeDocument/2006/relationships" xmlns:p="http://schemas.openxmlformats.org/presentationml/2006/main">
+  <p:cSld>
+    <p:spTree>
+      <p:nvGrpSpPr>
+        <p:cNvPr id="1" name=""/>
+        <p:cNvGrpSpPr/>
+        <p:nvPr/>
+      </p:nvGrpSpPr>
+      <p:grpSpPr>
+        <a:xfrm>
+          <a:off x="0" y="0"/>
+          <a:ext cx="0" cy="0"/>
+          <a:chOff x="0" y="0"/>
+          <a:chExt cx="0" cy="0"/>
+        </a:xfrm>
+      </p:grpSpPr>
+      <p:sp>
+        <p:nvSpPr>
+          <p:cNvPr id="2" name="Content Placeholder 1"/>
+          <p:cNvSpPr>
+            <a:spLocks noGrp="1"/>
+          </p:cNvSpPr>
+          <p:nvPr>
+            <p:ph idx="1"/>
+          </p:nvPr>
+        </p:nvSpPr>
+        <p:spPr/>
+        <p:txBody>
+          <a:bodyPr/>
+          <a:lstStyle/>
+          <a:p>
+            <a:r>
+              <a:rPr lang="en-IN" dirty="0" smtClean="0"/>
+              <a:t>Any Questions</a:t>
+            </a:r>
+          </a:p>
+          <a:p>
+            <a:endParaRPr lang="en-IN" dirty="0" smtClean="0"/>
+          </a:p>
+          <a:p>
+            <a:endParaRPr lang="en-IN" dirty="0" smtClean="0"/>
+          </a:p>
+          <a:p>
+            <a:pPr lvl="3">
+              <a:buNone/>
+            </a:pPr>
+            <a:r>
+              <a:rPr lang="en-IN" sz="6000" dirty="0" smtClean="0"/>
+              <a:t>  THANK YOU!</a:t>
+            </a:r>
+            <a:endParaRPr lang="en-IN" sz="6000" dirty="0"/>
           </a:p>
         </p:txBody>
       </p:sp>
@@ -3678,6 +7565,125 @@
       </p:grpSpPr>
       <p:sp>
         <p:nvSpPr>
+          <p:cNvPr id="3" name="Content Placeholder 2"/>
+          <p:cNvSpPr>
+            <a:spLocks noGrp="1"/>
+          </p:cNvSpPr>
+          <p:nvPr>
+            <p:ph idx="1"/>
+          </p:nvPr>
+        </p:nvSpPr>
+        <p:spPr/>
+        <p:txBody>
+          <a:bodyPr>
+            <a:normAutofit/>
+          </a:bodyPr>
+          <a:lstStyle/>
+          <a:p>
+            <a:r>
+              <a:rPr lang="en-IN" sz="2400" dirty="0" err="1" smtClean="0">
+                <a:latin typeface="Times New Roman" pitchFamily="18" charset="0"/>
+                <a:cs typeface="Times New Roman" pitchFamily="18" charset="0"/>
+              </a:rPr>
+              <a:t>Hadoop</a:t>
+            </a:r>
+            <a:r>
+              <a:rPr lang="en-IN" sz="2400" dirty="0" smtClean="0">
+                <a:latin typeface="Times New Roman" pitchFamily="18" charset="0"/>
+                <a:cs typeface="Times New Roman" pitchFamily="18" charset="0"/>
+              </a:rPr>
+              <a:t> provides a reliable storage system and analysis system.</a:t>
+            </a:r>
+          </a:p>
+          <a:p>
+            <a:r>
+              <a:rPr lang="en-IN" sz="2400" dirty="0" smtClean="0">
+                <a:latin typeface="Times New Roman" pitchFamily="18" charset="0"/>
+                <a:cs typeface="Times New Roman" pitchFamily="18" charset="0"/>
+              </a:rPr>
+              <a:t>Storage is provided by HDFS and analysis done by </a:t>
+            </a:r>
+            <a:r>
+              <a:rPr lang="en-IN" sz="2400" dirty="0" err="1" smtClean="0">
+                <a:latin typeface="Times New Roman" pitchFamily="18" charset="0"/>
+                <a:cs typeface="Times New Roman" pitchFamily="18" charset="0"/>
+              </a:rPr>
+              <a:t>MapReduce</a:t>
+            </a:r>
+            <a:r>
+              <a:rPr lang="en-IN" sz="2400" dirty="0" smtClean="0">
+                <a:latin typeface="Times New Roman" pitchFamily="18" charset="0"/>
+                <a:cs typeface="Times New Roman" pitchFamily="18" charset="0"/>
+              </a:rPr>
+              <a:t>.</a:t>
+            </a:r>
+          </a:p>
+          <a:p>
+            <a:r>
+              <a:rPr lang="en-IN" sz="2400" dirty="0" err="1" smtClean="0">
+                <a:latin typeface="Times New Roman" pitchFamily="18" charset="0"/>
+                <a:cs typeface="Times New Roman" pitchFamily="18" charset="0"/>
+              </a:rPr>
+              <a:t>MapReduce</a:t>
+            </a:r>
+            <a:r>
+              <a:rPr lang="en-IN" sz="2400" dirty="0" smtClean="0">
+                <a:latin typeface="Times New Roman" pitchFamily="18" charset="0"/>
+                <a:cs typeface="Times New Roman" pitchFamily="18" charset="0"/>
+              </a:rPr>
+              <a:t> is programming model for processing</a:t>
+            </a:r>
+            <a:r>
+              <a:rPr lang="en-IN" sz="2400" dirty="0" smtClean="0">
+                <a:latin typeface="Times New Roman" pitchFamily="18" charset="0"/>
+                <a:cs typeface="Times New Roman" pitchFamily="18" charset="0"/>
+              </a:rPr>
+              <a:t>.</a:t>
+            </a:r>
+          </a:p>
+          <a:p>
+            <a:r>
+              <a:rPr lang="en-IN" sz="2400" dirty="0" err="1" smtClean="0">
+                <a:latin typeface="Times New Roman" pitchFamily="18" charset="0"/>
+                <a:cs typeface="Times New Roman" pitchFamily="18" charset="0"/>
+              </a:rPr>
+              <a:t>MapReduce</a:t>
+            </a:r>
+            <a:r>
+              <a:rPr lang="en-IN" sz="2400" dirty="0" smtClean="0">
+                <a:latin typeface="Times New Roman" pitchFamily="18" charset="0"/>
+                <a:cs typeface="Times New Roman" pitchFamily="18" charset="0"/>
+              </a:rPr>
+              <a:t> decomposes work into small parallelised map and reduce tasks which are scheduled for remote execution on slave nodes.</a:t>
+            </a:r>
+          </a:p>
+          <a:p>
+            <a:r>
+              <a:rPr lang="en-IN" sz="2400" dirty="0" err="1" smtClean="0">
+                <a:latin typeface="Times New Roman" pitchFamily="18" charset="0"/>
+                <a:cs typeface="Times New Roman" pitchFamily="18" charset="0"/>
+              </a:rPr>
+              <a:t>MapReduce</a:t>
+            </a:r>
+            <a:r>
+              <a:rPr lang="en-IN" sz="2400" dirty="0" smtClean="0">
+                <a:latin typeface="Times New Roman" pitchFamily="18" charset="0"/>
+                <a:cs typeface="Times New Roman" pitchFamily="18" charset="0"/>
+              </a:rPr>
+              <a:t> works by manipulating key/value pairs in general format.</a:t>
+            </a:r>
+            <a:endParaRPr lang="en-IN" sz="2400" dirty="0" smtClean="0">
+              <a:latin typeface="Times New Roman" pitchFamily="18" charset="0"/>
+              <a:cs typeface="Times New Roman" pitchFamily="18" charset="0"/>
+            </a:endParaRPr>
+          </a:p>
+          <a:p>
+            <a:endParaRPr lang="en-IN" dirty="0" smtClean="0"/>
+          </a:p>
+        </p:txBody>
+      </p:sp>
+      <p:sp>
+        <p:nvSpPr>
           <p:cNvPr id="2" name="Title 1"/>
           <p:cNvSpPr>
             <a:spLocks noGrp="1"/>
@@ -3697,54 +7703,12 @@
             </a:r>
             <a:r>
               <a:rPr lang="en-IN" dirty="0" smtClean="0"/>
-              <a:t> Concepts(</a:t>
-            </a:r>
-            <a:r>
-              <a:rPr lang="en-IN" dirty="0" err="1" smtClean="0"/>
-              <a:t>Hadoop</a:t>
-            </a:r>
-            <a:r>
-              <a:rPr lang="en-IN" dirty="0" smtClean="0"/>
-              <a:t> 1.0)</a:t>
+              <a:t> Introduction</a:t>
             </a:r>
             <a:endParaRPr lang="en-IN" dirty="0"/>
           </a:p>
         </p:txBody>
       </p:sp>
-      <p:pic>
-        <p:nvPicPr>
-          <p:cNvPr id="1026" name="Picture 2"/>
-          <p:cNvPicPr>
-            <a:picLocks noGrp="1" noChangeAspect="1" noChangeArrowheads="1"/>
-          </p:cNvPicPr>
-          <p:nvPr>
-            <p:ph idx="1"/>
-          </p:nvPr>
-        </p:nvPicPr>
-        <p:blipFill>
-          <a:blip r:embed="rId3" cstate="print"/>
-          <a:srcRect/>
-          <a:stretch>
-            <a:fillRect/>
-          </a:stretch>
-        </p:blipFill>
-        <p:spPr bwMode="auto">
-          <a:xfrm>
-            <a:off x="683568" y="1772816"/>
-            <a:ext cx="7477106" cy="4176464"/>
-          </a:xfrm>
-          <a:prstGeom prst="rect">
-            <a:avLst/>
-          </a:prstGeom>
-          <a:noFill/>
-          <a:ln w="9525">
-            <a:noFill/>
-            <a:miter lim="800000"/>
-            <a:headEnd/>
-            <a:tailEnd/>
-          </a:ln>
-        </p:spPr>
-      </p:pic>
     </p:spTree>
   </p:cSld>
   <p:clrMapOvr>
@@ -3772,12 +7736,12 @@
       </p:grpSpPr>
       <p:sp>
         <p:nvSpPr>
-          <p:cNvPr id="2" name="Title 1"/>
-          <p:cNvSpPr>
-            <a:spLocks noGrp="1"/>
-          </p:cNvSpPr>
-          <p:nvPr>
-            <p:ph type="title"/>
+          <p:cNvPr id="3" name="Content Placeholder 2"/>
+          <p:cNvSpPr>
+            <a:spLocks noGrp="1"/>
+          </p:cNvSpPr>
+          <p:nvPr>
+            <p:ph idx="1"/>
           </p:nvPr>
         </p:nvSpPr>
         <p:spPr/>
@@ -3786,51 +7750,85 @@
           <a:lstStyle/>
           <a:p>
             <a:r>
-              <a:rPr lang="en-IN" dirty="0" err="1" smtClean="0"/>
-              <a:t>MapReduce</a:t>
-            </a:r>
-            <a:r>
-              <a:rPr lang="en-IN" dirty="0" smtClean="0"/>
-              <a:t> Stage 1</a:t>
+              <a:rPr lang="en-IN" dirty="0" smtClean="0"/>
+              <a:t>A </a:t>
+            </a:r>
+            <a:r>
+              <a:rPr lang="en-IN" b="1" dirty="0" smtClean="0"/>
+              <a:t>job</a:t>
+            </a:r>
+            <a:r>
+              <a:rPr lang="en-IN" dirty="0" smtClean="0"/>
+              <a:t> is a full programme.</a:t>
+            </a:r>
+          </a:p>
+          <a:p>
+            <a:r>
+              <a:rPr lang="en-IN" dirty="0" smtClean="0"/>
+              <a:t>A </a:t>
+            </a:r>
+            <a:r>
+              <a:rPr lang="en-IN" b="1" dirty="0" smtClean="0"/>
+              <a:t>task</a:t>
+            </a:r>
+            <a:r>
+              <a:rPr lang="en-IN" dirty="0" smtClean="0"/>
+              <a:t> is the execution of a single map or reduce task over a slice of data called slit.</a:t>
+            </a:r>
+          </a:p>
+          <a:p>
+            <a:r>
+              <a:rPr lang="en-IN" dirty="0" smtClean="0"/>
+              <a:t>A </a:t>
+            </a:r>
+            <a:r>
+              <a:rPr lang="en-IN" b="1" dirty="0" err="1" smtClean="0"/>
+              <a:t>Mapper</a:t>
+            </a:r>
+            <a:r>
+              <a:rPr lang="en-IN" dirty="0" smtClean="0"/>
+              <a:t> is a map task.</a:t>
+            </a:r>
+          </a:p>
+          <a:p>
+            <a:r>
+              <a:rPr lang="en-IN" dirty="0" smtClean="0"/>
+              <a:t>A </a:t>
+            </a:r>
+            <a:r>
+              <a:rPr lang="en-IN" b="1" dirty="0" smtClean="0"/>
+              <a:t>Reducer</a:t>
+            </a:r>
+            <a:r>
+              <a:rPr lang="en-IN" dirty="0" smtClean="0"/>
+              <a:t> is a reduce task.</a:t>
+            </a:r>
+          </a:p>
+        </p:txBody>
+      </p:sp>
+      <p:sp>
+        <p:nvSpPr>
+          <p:cNvPr id="2" name="Title 1"/>
+          <p:cNvSpPr>
+            <a:spLocks noGrp="1"/>
+          </p:cNvSpPr>
+          <p:nvPr>
+            <p:ph type="title"/>
+          </p:nvPr>
+        </p:nvSpPr>
+        <p:spPr/>
+        <p:txBody>
+          <a:bodyPr/>
+          <a:lstStyle/>
+          <a:p>
+            <a:r>
+              <a:rPr lang="en-IN" dirty="0" smtClean="0"/>
+              <a:t>Basic Terminology</a:t>
             </a:r>
             <a:endParaRPr lang="en-IN" dirty="0"/>
           </a:p>
         </p:txBody>
       </p:sp>
-      <p:pic>
-        <p:nvPicPr>
-          <p:cNvPr id="2050" name="Picture 2"/>
-          <p:cNvPicPr>
-            <a:picLocks noGrp="1" noChangeAspect="1" noChangeArrowheads="1"/>
-          </p:cNvPicPr>
-          <p:nvPr>
-            <p:ph idx="1"/>
-          </p:nvPr>
-        </p:nvPicPr>
-        <p:blipFill>
-          <a:blip r:embed="rId2" cstate="print"/>
-          <a:srcRect/>
-          <a:stretch>
-            <a:fillRect/>
-          </a:stretch>
-        </p:blipFill>
-        <p:spPr bwMode="auto">
-          <a:xfrm>
-            <a:off x="827584" y="1844824"/>
-            <a:ext cx="7264983" cy="3709779"/>
-          </a:xfrm>
-          <a:prstGeom prst="rect">
-            <a:avLst/>
-          </a:prstGeom>
-          <a:noFill/>
-          <a:ln w="9525">
-            <a:noFill/>
-            <a:miter lim="800000"/>
-            <a:headEnd/>
-            <a:tailEnd/>
-          </a:ln>
-        </p:spPr>
-      </p:pic>
     </p:spTree>
   </p:cSld>
   <p:clrMapOvr>
@@ -3858,7 +7856,7 @@
       </p:grpSpPr>
       <p:sp>
         <p:nvSpPr>
-          <p:cNvPr id="2" name="Title 1"/>
+          <p:cNvPr id="3" name="Title 2"/>
           <p:cNvSpPr>
             <a:spLocks noGrp="1"/>
           </p:cNvSpPr>
@@ -3872,12 +7870,8 @@
           <a:lstStyle/>
           <a:p>
             <a:r>
-              <a:rPr lang="en-IN" dirty="0" err="1" smtClean="0"/>
-              <a:t>MapReduce</a:t>
-            </a:r>
-            <a:r>
-              <a:rPr lang="en-IN" dirty="0" smtClean="0"/>
-              <a:t> Stage 2</a:t>
+              <a:rPr lang="en-IN" dirty="0" smtClean="0"/>
+              <a:t>HDFS Architecture</a:t>
             </a:r>
             <a:endParaRPr lang="en-IN" dirty="0"/>
           </a:p>
@@ -3885,7 +7879,7 @@
       </p:sp>
       <p:pic>
         <p:nvPicPr>
-          <p:cNvPr id="3074" name="Picture 2"/>
+          <p:cNvPr id="1026" name="Picture 2"/>
           <p:cNvPicPr>
             <a:picLocks noGrp="1" noChangeAspect="1" noChangeArrowheads="1"/>
           </p:cNvPicPr>
@@ -3902,8 +7896,8 @@
         </p:blipFill>
         <p:spPr bwMode="auto">
           <a:xfrm>
-            <a:off x="755576" y="1916832"/>
-            <a:ext cx="7904015" cy="3606758"/>
+            <a:off x="611560" y="1412776"/>
+            <a:ext cx="7920880" cy="5112568"/>
           </a:xfrm>
           <a:prstGeom prst="rect">
             <a:avLst/>
@@ -3922,6 +7916,13 @@
   <p:clrMapOvr>
     <a:masterClrMapping/>
   </p:clrMapOvr>
+  <p:timing>
+    <p:tnLst>
+      <p:par>
+        <p:cTn id="1" dur="indefinite" restart="never" nodeType="tmRoot"/>
+      </p:par>
+    </p:tnLst>
+  </p:timing>
 </p:sld>
 </file>
 
@@ -3944,7 +7945,7 @@
       </p:grpSpPr>
       <p:sp>
         <p:nvSpPr>
-          <p:cNvPr id="2" name="Title 1"/>
+          <p:cNvPr id="3" name="Title 2"/>
           <p:cNvSpPr>
             <a:spLocks noGrp="1"/>
           </p:cNvSpPr>
@@ -3963,7 +7964,7 @@
             </a:r>
             <a:r>
               <a:rPr lang="en-IN" dirty="0" smtClean="0"/>
-              <a:t> Stage 3</a:t>
+              <a:t> Job</a:t>
             </a:r>
             <a:endParaRPr lang="en-IN" dirty="0"/>
           </a:p>
@@ -3971,7 +7972,7 @@
       </p:sp>
       <p:pic>
         <p:nvPicPr>
-          <p:cNvPr id="4098" name="Picture 2"/>
+          <p:cNvPr id="2050" name="Picture 2"/>
           <p:cNvPicPr>
             <a:picLocks noGrp="1" noChangeAspect="1" noChangeArrowheads="1"/>
           </p:cNvPicPr>
@@ -3988,8 +7989,8 @@
         </p:blipFill>
         <p:spPr bwMode="auto">
           <a:xfrm>
-            <a:off x="755576" y="1916832"/>
-            <a:ext cx="7827186" cy="3816424"/>
+            <a:off x="325518" y="1484784"/>
+            <a:ext cx="8134913" cy="4821278"/>
           </a:xfrm>
           <a:prstGeom prst="rect">
             <a:avLst/>
@@ -4030,7 +8031,7 @@
       </p:grpSpPr>
       <p:sp>
         <p:nvSpPr>
-          <p:cNvPr id="2" name="Title 1"/>
+          <p:cNvPr id="3" name="Title 2"/>
           <p:cNvSpPr>
             <a:spLocks noGrp="1"/>
           </p:cNvSpPr>
@@ -4043,13 +8044,21 @@
           <a:bodyPr/>
           <a:lstStyle/>
           <a:p>
+            <a:r>
+              <a:rPr lang="en-IN" dirty="0" err="1" smtClean="0"/>
+              <a:t>MapReduce</a:t>
+            </a:r>
+            <a:r>
+              <a:rPr lang="en-IN" dirty="0" smtClean="0"/>
+              <a:t> Stage</a:t>
+            </a:r>
             <a:endParaRPr lang="en-IN" dirty="0"/>
           </a:p>
         </p:txBody>
       </p:sp>
       <p:pic>
         <p:nvPicPr>
-          <p:cNvPr id="5122" name="Picture 2"/>
+          <p:cNvPr id="3074" name="Picture 2"/>
           <p:cNvPicPr>
             <a:picLocks noGrp="1" noChangeAspect="1" noChangeArrowheads="1"/>
           </p:cNvPicPr>
@@ -4066,8 +8075,180 @@
         </p:blipFill>
         <p:spPr bwMode="auto">
           <a:xfrm>
-            <a:off x="827584" y="1844824"/>
-            <a:ext cx="7632848" cy="3960440"/>
+            <a:off x="683568" y="1556792"/>
+            <a:ext cx="7598012" cy="4608512"/>
+          </a:xfrm>
+          <a:prstGeom prst="rect">
+            <a:avLst/>
+          </a:prstGeom>
+          <a:noFill/>
+          <a:ln w="9525">
+            <a:noFill/>
+            <a:miter lim="800000"/>
+            <a:headEnd/>
+            <a:tailEnd/>
+          </a:ln>
+        </p:spPr>
+      </p:pic>
+    </p:spTree>
+  </p:cSld>
+  <p:clrMapOvr>
+    <a:masterClrMapping/>
+  </p:clrMapOvr>
+</p:sld>
+</file>
+
+<file path=ppt/slides/slide8.xml><?xml version="1.0" encoding="utf-8"?>
+<p:sld xmlns:a="http://schemas.openxmlformats.org/drawingml/2006/main" xmlns:r="http://schemas.openxmlformats.org/officeDocument/2006/relationships" xmlns:p="http://schemas.openxmlformats.org/presentationml/2006/main">
+  <p:cSld>
+    <p:spTree>
+      <p:nvGrpSpPr>
+        <p:cNvPr id="1" name=""/>
+        <p:cNvGrpSpPr/>
+        <p:nvPr/>
+      </p:nvGrpSpPr>
+      <p:grpSpPr>
+        <a:xfrm>
+          <a:off x="0" y="0"/>
+          <a:ext cx="0" cy="0"/>
+          <a:chOff x="0" y="0"/>
+          <a:chExt cx="0" cy="0"/>
+        </a:xfrm>
+      </p:grpSpPr>
+      <p:sp>
+        <p:nvSpPr>
+          <p:cNvPr id="3" name="Title 2"/>
+          <p:cNvSpPr>
+            <a:spLocks noGrp="1"/>
+          </p:cNvSpPr>
+          <p:nvPr>
+            <p:ph type="title"/>
+          </p:nvPr>
+        </p:nvSpPr>
+        <p:spPr/>
+        <p:txBody>
+          <a:bodyPr/>
+          <a:lstStyle/>
+          <a:p>
+            <a:r>
+              <a:rPr lang="en-IN" dirty="0" err="1" smtClean="0"/>
+              <a:t>MapReduce</a:t>
+            </a:r>
+            <a:r>
+              <a:rPr lang="en-IN" dirty="0" smtClean="0"/>
+              <a:t> Stages</a:t>
+            </a:r>
+            <a:endParaRPr lang="en-IN" dirty="0"/>
+          </a:p>
+        </p:txBody>
+      </p:sp>
+      <p:pic>
+        <p:nvPicPr>
+          <p:cNvPr id="4098" name="Picture 2"/>
+          <p:cNvPicPr>
+            <a:picLocks noGrp="1" noChangeAspect="1" noChangeArrowheads="1"/>
+          </p:cNvPicPr>
+          <p:nvPr>
+            <p:ph idx="1"/>
+          </p:nvPr>
+        </p:nvPicPr>
+        <p:blipFill>
+          <a:blip r:embed="rId2" cstate="print"/>
+          <a:srcRect/>
+          <a:stretch>
+            <a:fillRect/>
+          </a:stretch>
+        </p:blipFill>
+        <p:spPr bwMode="auto">
+          <a:xfrm>
+            <a:off x="827584" y="1286654"/>
+            <a:ext cx="7416824" cy="4867670"/>
+          </a:xfrm>
+          <a:prstGeom prst="rect">
+            <a:avLst/>
+          </a:prstGeom>
+          <a:noFill/>
+          <a:ln w="9525">
+            <a:noFill/>
+            <a:miter lim="800000"/>
+            <a:headEnd/>
+            <a:tailEnd/>
+          </a:ln>
+        </p:spPr>
+      </p:pic>
+    </p:spTree>
+  </p:cSld>
+  <p:clrMapOvr>
+    <a:masterClrMapping/>
+  </p:clrMapOvr>
+</p:sld>
+</file>
+
+<file path=ppt/slides/slide9.xml><?xml version="1.0" encoding="utf-8"?>
+<p:sld xmlns:a="http://schemas.openxmlformats.org/drawingml/2006/main" xmlns:r="http://schemas.openxmlformats.org/officeDocument/2006/relationships" xmlns:p="http://schemas.openxmlformats.org/presentationml/2006/main">
+  <p:cSld>
+    <p:spTree>
+      <p:nvGrpSpPr>
+        <p:cNvPr id="1" name=""/>
+        <p:cNvGrpSpPr/>
+        <p:nvPr/>
+      </p:nvGrpSpPr>
+      <p:grpSpPr>
+        <a:xfrm>
+          <a:off x="0" y="0"/>
+          <a:ext cx="0" cy="0"/>
+          <a:chOff x="0" y="0"/>
+          <a:chExt cx="0" cy="0"/>
+        </a:xfrm>
+      </p:grpSpPr>
+      <p:sp>
+        <p:nvSpPr>
+          <p:cNvPr id="3" name="Title 2"/>
+          <p:cNvSpPr>
+            <a:spLocks noGrp="1"/>
+          </p:cNvSpPr>
+          <p:nvPr>
+            <p:ph type="title"/>
+          </p:nvPr>
+        </p:nvSpPr>
+        <p:spPr/>
+        <p:txBody>
+          <a:bodyPr/>
+          <a:lstStyle/>
+          <a:p>
+            <a:r>
+              <a:rPr lang="en-IN" dirty="0" err="1" smtClean="0"/>
+              <a:t>MapReduce</a:t>
+            </a:r>
+            <a:r>
+              <a:rPr lang="en-IN" dirty="0" smtClean="0"/>
+              <a:t> Stages</a:t>
+            </a:r>
+            <a:endParaRPr lang="en-IN" dirty="0"/>
+          </a:p>
+        </p:txBody>
+      </p:sp>
+      <p:pic>
+        <p:nvPicPr>
+          <p:cNvPr id="5122" name="Picture 2"/>
+          <p:cNvPicPr>
+            <a:picLocks noGrp="1" noChangeAspect="1" noChangeArrowheads="1"/>
+          </p:cNvPicPr>
+          <p:nvPr>
+            <p:ph idx="1"/>
+          </p:nvPr>
+        </p:nvPicPr>
+        <p:blipFill>
+          <a:blip r:embed="rId2" cstate="print"/>
+          <a:srcRect/>
+          <a:stretch>
+            <a:fillRect/>
+          </a:stretch>
+        </p:blipFill>
+        <p:spPr bwMode="auto">
+          <a:xfrm>
+            <a:off x="899592" y="1380747"/>
+            <a:ext cx="7488832" cy="4819426"/>
           </a:xfrm>
           <a:prstGeom prst="rect">
             <a:avLst/>
@@ -4090,9 +8271,9 @@
 </file>
 
 <file path=ppt/theme/theme1.xml><?xml version="1.0" encoding="utf-8"?>
-<a:theme xmlns:a="http://schemas.openxmlformats.org/drawingml/2006/main" name="Office Theme">
+<a:theme xmlns:a="http://schemas.openxmlformats.org/drawingml/2006/main" name="Concourse">
   <a:themeElements>
-    <a:clrScheme name="Office">
+    <a:clrScheme name="Concourse">
       <a:dk1>
         <a:sysClr val="windowText" lastClr="000000"/>
       </a:dk1>
@@ -4100,79 +8281,45 @@
         <a:sysClr val="window" lastClr="FFFFFF"/>
       </a:lt1>
       <a:dk2>
-        <a:srgbClr val="1F497D"/>
+        <a:srgbClr val="464646"/>
       </a:dk2>
       <a:lt2>
-        <a:srgbClr val="EEECE1"/>
+        <a:srgbClr val="DEF5FA"/>
       </a:lt2>
       <a:accent1>
-        <a:srgbClr val="4F81BD"/>
+        <a:srgbClr val="2DA2BF"/>
       </a:accent1>
       <a:accent2>
-        <a:srgbClr val="C0504D"/>
+        <a:srgbClr val="DA1F28"/>
       </a:accent2>
       <a:accent3>
-        <a:srgbClr val="9BBB59"/>
+        <a:srgbClr val="EB641B"/>
       </a:accent3>
       <a:accent4>
-        <a:srgbClr val="8064A2"/>
+        <a:srgbClr val="39639D"/>
       </a:accent4>
       <a:accent5>
-        <a:srgbClr val="4BACC6"/>
+        <a:srgbClr val="474B78"/>
       </a:accent5>
       <a:accent6>
-        <a:srgbClr val="F79646"/>
+        <a:srgbClr val="7D3C4A"/>
       </a:accent6>
       <a:hlink>
-        <a:srgbClr val="0000FF"/>
+        <a:srgbClr val="FF8119"/>
       </a:hlink>
       <a:folHlink>
-        <a:srgbClr val="800080"/>
+        <a:srgbClr val="44B9E8"/>
       </a:folHlink>
     </a:clrScheme>
-    <a:fontScheme name="Office">
+    <a:fontScheme name="Concourse">
       <a:majorFont>
-        <a:latin typeface="Calibri"/>
+        <a:latin typeface="Lucida Sans Unicode"/>
         <a:ea typeface=""/>
         <a:cs typeface=""/>
         <a:font script="Jpan" typeface="ＭＳ Ｐゴシック"/>
         <a:font script="Hang" typeface="맑은 고딕"/>
-        <a:font script="Hans" typeface="宋体"/>
-        <a:font script="Hant" typeface="新細明體"/>
-        <a:font script="Arab" typeface="Times New Roman"/>
-        <a:font script="Hebr" typeface="Times New Roman"/>
-        <a:font script="Thai" typeface="Angsana New"/>
-        <a:font script="Ethi" typeface="Nyala"/>
-        <a:font script="Beng" typeface="Vrinda"/>
-        <a:font script="Gujr" typeface="Shruti"/>
-        <a:font script="Khmr" typeface="MoolBoran"/>
-        <a:font script="Knda" typeface="Tunga"/>
-        <a:font script="Guru" typeface="Raavi"/>
-        <a:font script="Cans" typeface="Euphemia"/>
-        <a:font script="Cher" typeface="Plantagenet Cherokee"/>
-        <a:font script="Yiii" typeface="Microsoft Yi Baiti"/>
-        <a:font script="Tibt" typeface="Microsoft Himalaya"/>
-        <a:font script="Thaa" typeface="MV Boli"/>
-        <a:font script="Deva" typeface="Mangal"/>
-        <a:font script="Telu" typeface="Gautami"/>
-        <a:font script="Taml" typeface="Latha"/>
-        <a:font script="Syrc" typeface="Estrangelo Edessa"/>
-        <a:font script="Orya" typeface="Kalinga"/>
-        <a:font script="Mlym" typeface="Kartika"/>
-        <a:font script="Laoo" typeface="DokChampa"/>
-        <a:font script="Sinh" typeface="Iskoola Pota"/>
-        <a:font script="Mong" typeface="Mongolian Baiti"/>
-        <a:font script="Viet" typeface="Times New Roman"/>
-        <a:font script="Uigh" typeface="Microsoft Uighur"/>
-      </a:majorFont>
-      <a:minorFont>
-        <a:latin typeface="Calibri"/>
-        <a:ea typeface=""/>
-        <a:cs typeface=""/>
-        <a:font script="Jpan" typeface="ＭＳ Ｐゴシック"/>
-        <a:font script="Hang" typeface="맑은 고딕"/>
-        <a:font script="Hans" typeface="宋体"/>
-        <a:font script="Hant" typeface="新細明體"/>
+        <a:font script="Hans" typeface="黑体"/>
+        <a:font script="Hant" typeface="微軟正黑體"/>
         <a:font script="Arab" typeface="Arial"/>
         <a:font script="Hebr" typeface="Arial"/>
         <a:font script="Thai" typeface="Cordia New"/>
@@ -4196,11 +8343,43 @@
         <a:font script="Laoo" typeface="DokChampa"/>
         <a:font script="Sinh" typeface="Iskoola Pota"/>
         <a:font script="Mong" typeface="Mongolian Baiti"/>
-        <a:font script="Viet" typeface="Arial"/>
+        <a:font script="Uigh" typeface="Microsoft Uighur"/>
+      </a:majorFont>
+      <a:minorFont>
+        <a:latin typeface="Lucida Sans Unicode"/>
+        <a:ea typeface=""/>
+        <a:cs typeface=""/>
+        <a:font script="Jpan" typeface="ＭＳ Ｐゴシック"/>
+        <a:font script="Hang" typeface="맑은 고딕"/>
+        <a:font script="Hans" typeface="黑体"/>
+        <a:font script="Hant" typeface="微軟正黑體"/>
+        <a:font script="Arab" typeface="Arial"/>
+        <a:font script="Hebr" typeface="Arial"/>
+        <a:font script="Thai" typeface="Cordia New"/>
+        <a:font script="Ethi" typeface="Nyala"/>
+        <a:font script="Beng" typeface="Vrinda"/>
+        <a:font script="Gujr" typeface="Shruti"/>
+        <a:font script="Khmr" typeface="DaunPenh"/>
+        <a:font script="Knda" typeface="Tunga"/>
+        <a:font script="Guru" typeface="Raavi"/>
+        <a:font script="Cans" typeface="Euphemia"/>
+        <a:font script="Cher" typeface="Plantagenet Cherokee"/>
+        <a:font script="Yiii" typeface="Microsoft Yi Baiti"/>
+        <a:font script="Tibt" typeface="Microsoft Himalaya"/>
+        <a:font script="Thaa" typeface="MV Boli"/>
+        <a:font script="Deva" typeface="Mangal"/>
+        <a:font script="Telu" typeface="Gautami"/>
+        <a:font script="Taml" typeface="Latha"/>
+        <a:font script="Syrc" typeface="Estrangelo Edessa"/>
+        <a:font script="Orya" typeface="Kalinga"/>
+        <a:font script="Mlym" typeface="Kartika"/>
+        <a:font script="Laoo" typeface="DokChampa"/>
+        <a:font script="Sinh" typeface="Iskoola Pota"/>
+        <a:font script="Mong" typeface="Mongolian Baiti"/>
         <a:font script="Uigh" typeface="Microsoft Uighur"/>
       </a:minorFont>
     </a:fontScheme>
-    <a:fmtScheme name="Office">
+    <a:fmtScheme name="Concourse">
       <a:fillStyleLst>
         <a:solidFill>
           <a:schemeClr val="phClr"/>
@@ -4209,43 +8388,51 @@
           <a:gsLst>
             <a:gs pos="0">
               <a:schemeClr val="phClr">
-                <a:tint val="50000"/>
-                <a:satMod val="300000"/>
+                <a:tint val="62000"/>
+                <a:satMod val="180000"/>
               </a:schemeClr>
             </a:gs>
-            <a:gs pos="35000">
+            <a:gs pos="65000">
               <a:schemeClr val="phClr">
-                <a:tint val="37000"/>
-                <a:satMod val="300000"/>
+                <a:tint val="32000"/>
+                <a:satMod val="250000"/>
               </a:schemeClr>
             </a:gs>
             <a:gs pos="100000">
               <a:schemeClr val="phClr">
-                <a:tint val="15000"/>
-                <a:satMod val="350000"/>
+                <a:tint val="23000"/>
+                <a:satMod val="300000"/>
               </a:schemeClr>
             </a:gs>
           </a:gsLst>
-          <a:lin ang="16200000" scaled="1"/>
+          <a:lin ang="16200000" scaled="0"/>
         </a:gradFill>
         <a:gradFill rotWithShape="1">
           <a:gsLst>
             <a:gs pos="0">
               <a:schemeClr val="phClr">
-                <a:shade val="51000"/>
-                <a:satMod val="130000"/>
+                <a:shade val="15000"/>
+                <a:satMod val="180000"/>
               </a:schemeClr>
             </a:gs>
-            <a:gs pos="80000">
+            <a:gs pos="50000">
               <a:schemeClr val="phClr">
-                <a:shade val="93000"/>
-                <a:satMod val="130000"/>
+                <a:shade val="45000"/>
+                <a:satMod val="170000"/>
+              </a:schemeClr>
+            </a:gs>
+            <a:gs pos="70000">
+              <a:schemeClr val="phClr">
+                <a:tint val="99000"/>
+                <a:shade val="65000"/>
+                <a:satMod val="155000"/>
               </a:schemeClr>
             </a:gs>
             <a:gs pos="100000">
               <a:schemeClr val="phClr">
-                <a:shade val="94000"/>
-                <a:satMod val="135000"/>
+                <a:tint val="95500"/>
+                <a:shade val="100000"/>
+                <a:satMod val="155000"/>
               </a:schemeClr>
             </a:gs>
           </a:gsLst>
@@ -4255,20 +8442,17 @@
       <a:lnStyleLst>
         <a:ln w="9525" cap="flat" cmpd="sng" algn="ctr">
           <a:solidFill>
-            <a:schemeClr val="phClr">
-              <a:shade val="95000"/>
-              <a:satMod val="105000"/>
-            </a:schemeClr>
+            <a:schemeClr val="phClr"/>
           </a:solidFill>
           <a:prstDash val="solid"/>
         </a:ln>
-        <a:ln w="25400" cap="flat" cmpd="sng" algn="ctr">
+        <a:ln w="55000" cap="flat" cmpd="thickThin" algn="ctr">
           <a:solidFill>
             <a:schemeClr val="phClr"/>
           </a:solidFill>
           <a:prstDash val="solid"/>
         </a:ln>
-        <a:ln w="38100" cap="flat" cmpd="sng" algn="ctr">
+        <a:ln w="63500" cap="flat" cmpd="thickThin" algn="ctr">
           <a:solidFill>
             <a:schemeClr val="phClr"/>
           </a:solidFill>
@@ -4278,16 +8462,7 @@
       <a:effectStyleLst>
         <a:effectStyle>
           <a:effectLst>
-            <a:outerShdw blurRad="40000" dist="20000" dir="5400000" rotWithShape="0">
-              <a:srgbClr val="000000">
-                <a:alpha val="38000"/>
-              </a:srgbClr>
-            </a:outerShdw>
-          </a:effectLst>
-        </a:effectStyle>
-        <a:effectStyle>
-          <a:effectLst>
-            <a:outerShdw blurRad="40000" dist="23000" dir="5400000" rotWithShape="0">
+            <a:outerShdw blurRad="50800" dist="38100" dir="5400000" rotWithShape="0">
               <a:srgbClr val="000000">
                 <a:alpha val="35000"/>
               </a:srgbClr>
@@ -4296,22 +8471,36 @@
         </a:effectStyle>
         <a:effectStyle>
           <a:effectLst>
-            <a:outerShdw blurRad="40000" dist="23000" dir="5400000" rotWithShape="0">
+            <a:outerShdw blurRad="50800" dist="38100" dir="5400000" rotWithShape="0">
               <a:srgbClr val="000000">
                 <a:alpha val="35000"/>
               </a:srgbClr>
             </a:outerShdw>
           </a:effectLst>
+        </a:effectStyle>
+        <a:effectStyle>
+          <a:effectLst>
+            <a:outerShdw blurRad="63500" dist="38100" dir="5400000" rotWithShape="0">
+              <a:srgbClr val="000000">
+                <a:alpha val="45000"/>
+              </a:srgbClr>
+            </a:outerShdw>
+          </a:effectLst>
           <a:scene3d>
-            <a:camera prst="orthographicFront">
+            <a:camera prst="orthographicFront" fov="0">
               <a:rot lat="0" lon="0" rev="0"/>
             </a:camera>
-            <a:lightRig rig="threePt" dir="t">
-              <a:rot lat="0" lon="0" rev="1200000"/>
+            <a:lightRig rig="glow" dir="t">
+              <a:rot lat="0" lon="0" rev="6360000"/>
             </a:lightRig>
           </a:scene3d>
-          <a:sp3d>
-            <a:bevelT w="63500" h="25400"/>
+          <a:sp3d contourW="1000" prstMaterial="flat">
+            <a:bevelT w="95250" h="101600"/>
+            <a:contourClr>
+              <a:schemeClr val="phClr">
+                <a:satMod val="300000"/>
+              </a:schemeClr>
+            </a:contourClr>
           </a:sp3d>
         </a:effectStyle>
       </a:effectStyleLst>
@@ -4323,47 +8512,41 @@
           <a:gsLst>
             <a:gs pos="0">
               <a:schemeClr val="phClr">
-                <a:tint val="40000"/>
-                <a:satMod val="350000"/>
+                <a:tint val="55000"/>
+                <a:satMod val="300000"/>
               </a:schemeClr>
             </a:gs>
             <a:gs pos="40000">
               <a:schemeClr val="phClr">
-                <a:tint val="45000"/>
-                <a:shade val="99000"/>
-                <a:satMod val="350000"/>
-              </a:schemeClr>
-            </a:gs>
-            <a:gs pos="100000">
-              <a:schemeClr val="phClr">
-                <a:shade val="20000"/>
-                <a:satMod val="255000"/>
-              </a:schemeClr>
-            </a:gs>
-          </a:gsLst>
-          <a:path path="circle">
-            <a:fillToRect l="50000" t="-80000" r="50000" b="180000"/>
-          </a:path>
-        </a:gradFill>
-        <a:gradFill rotWithShape="1">
-          <a:gsLst>
-            <a:gs pos="0">
-              <a:schemeClr val="phClr">
-                <a:tint val="80000"/>
+                <a:tint val="65000"/>
                 <a:satMod val="300000"/>
               </a:schemeClr>
             </a:gs>
             <a:gs pos="100000">
               <a:schemeClr val="phClr">
-                <a:shade val="30000"/>
-                <a:satMod val="200000"/>
+                <a:shade val="65000"/>
+                <a:satMod val="300000"/>
               </a:schemeClr>
             </a:gs>
           </a:gsLst>
           <a:path path="circle">
-            <a:fillToRect l="50000" t="50000" r="50000" b="50000"/>
+            <a:fillToRect l="65000" b="98000"/>
           </a:path>
         </a:gradFill>
+        <a:blipFill>
+          <a:blip xmlns:r="http://schemas.openxmlformats.org/officeDocument/2006/relationships" r:embed="rId1">
+            <a:duotone>
+              <a:schemeClr val="phClr">
+                <a:shade val="60000"/>
+                <a:satMod val="110000"/>
+              </a:schemeClr>
+              <a:schemeClr val="phClr">
+                <a:tint val="95000"/>
+              </a:schemeClr>
+            </a:duotone>
+          </a:blip>
+          <a:tile tx="0" ty="0" sx="50000" sy="50000" flip="none" algn="tl"/>
+        </a:blipFill>
       </a:bgFillStyleLst>
     </a:fmtScheme>
   </a:themeElements>
